--- a/Polyglot Microservices.pptx
+++ b/Polyglot Microservices.pptx
@@ -15,8 +15,9 @@
     <p:sldId id="264" r:id="rId9"/>
     <p:sldId id="261" r:id="rId10"/>
     <p:sldId id="263" r:id="rId11"/>
-    <p:sldId id="267" r:id="rId12"/>
-    <p:sldId id="262" r:id="rId13"/>
+    <p:sldId id="269" r:id="rId12"/>
+    <p:sldId id="267" r:id="rId13"/>
+    <p:sldId id="262" r:id="rId14"/>
   </p:sldIdLst>
   <p:sldSz cx="12192000" cy="6858000"/>
   <p:notesSz cx="6858000" cy="9144000"/>
@@ -254,7 +255,7 @@
           <a:p>
             <a:fld id="{D3E90C50-6FBB-2247-BEF7-451AA7AB9405}" type="datetimeFigureOut">
               <a:rPr lang="en-US" smtClean="0"/>
-              <a:t>9/12/16</a:t>
+              <a:t>9/13/16</a:t>
             </a:fld>
             <a:endParaRPr lang="en-US"/>
           </a:p>
@@ -424,7 +425,7 @@
           <a:p>
             <a:fld id="{D3E90C50-6FBB-2247-BEF7-451AA7AB9405}" type="datetimeFigureOut">
               <a:rPr lang="en-US" smtClean="0"/>
-              <a:t>9/12/16</a:t>
+              <a:t>9/13/16</a:t>
             </a:fld>
             <a:endParaRPr lang="en-US"/>
           </a:p>
@@ -604,7 +605,7 @@
           <a:p>
             <a:fld id="{D3E90C50-6FBB-2247-BEF7-451AA7AB9405}" type="datetimeFigureOut">
               <a:rPr lang="en-US" smtClean="0"/>
-              <a:t>9/12/16</a:t>
+              <a:t>9/13/16</a:t>
             </a:fld>
             <a:endParaRPr lang="en-US"/>
           </a:p>
@@ -774,7 +775,7 @@
           <a:p>
             <a:fld id="{D3E90C50-6FBB-2247-BEF7-451AA7AB9405}" type="datetimeFigureOut">
               <a:rPr lang="en-US" smtClean="0"/>
-              <a:t>9/12/16</a:t>
+              <a:t>9/13/16</a:t>
             </a:fld>
             <a:endParaRPr lang="en-US"/>
           </a:p>
@@ -1020,7 +1021,7 @@
           <a:p>
             <a:fld id="{D3E90C50-6FBB-2247-BEF7-451AA7AB9405}" type="datetimeFigureOut">
               <a:rPr lang="en-US" smtClean="0"/>
-              <a:t>9/12/16</a:t>
+              <a:t>9/13/16</a:t>
             </a:fld>
             <a:endParaRPr lang="en-US"/>
           </a:p>
@@ -1252,7 +1253,7 @@
           <a:p>
             <a:fld id="{D3E90C50-6FBB-2247-BEF7-451AA7AB9405}" type="datetimeFigureOut">
               <a:rPr lang="en-US" smtClean="0"/>
-              <a:t>9/12/16</a:t>
+              <a:t>9/13/16</a:t>
             </a:fld>
             <a:endParaRPr lang="en-US"/>
           </a:p>
@@ -1619,7 +1620,7 @@
           <a:p>
             <a:fld id="{D3E90C50-6FBB-2247-BEF7-451AA7AB9405}" type="datetimeFigureOut">
               <a:rPr lang="en-US" smtClean="0"/>
-              <a:t>9/12/16</a:t>
+              <a:t>9/13/16</a:t>
             </a:fld>
             <a:endParaRPr lang="en-US"/>
           </a:p>
@@ -1737,7 +1738,7 @@
           <a:p>
             <a:fld id="{D3E90C50-6FBB-2247-BEF7-451AA7AB9405}" type="datetimeFigureOut">
               <a:rPr lang="en-US" smtClean="0"/>
-              <a:t>9/12/16</a:t>
+              <a:t>9/13/16</a:t>
             </a:fld>
             <a:endParaRPr lang="en-US"/>
           </a:p>
@@ -1832,7 +1833,7 @@
           <a:p>
             <a:fld id="{D3E90C50-6FBB-2247-BEF7-451AA7AB9405}" type="datetimeFigureOut">
               <a:rPr lang="en-US" smtClean="0"/>
-              <a:t>9/12/16</a:t>
+              <a:t>9/13/16</a:t>
             </a:fld>
             <a:endParaRPr lang="en-US"/>
           </a:p>
@@ -2109,7 +2110,7 @@
           <a:p>
             <a:fld id="{D3E90C50-6FBB-2247-BEF7-451AA7AB9405}" type="datetimeFigureOut">
               <a:rPr lang="en-US" smtClean="0"/>
-              <a:t>9/12/16</a:t>
+              <a:t>9/13/16</a:t>
             </a:fld>
             <a:endParaRPr lang="en-US"/>
           </a:p>
@@ -2362,7 +2363,7 @@
           <a:p>
             <a:fld id="{D3E90C50-6FBB-2247-BEF7-451AA7AB9405}" type="datetimeFigureOut">
               <a:rPr lang="en-US" smtClean="0"/>
-              <a:t>9/12/16</a:t>
+              <a:t>9/13/16</a:t>
             </a:fld>
             <a:endParaRPr lang="en-US"/>
           </a:p>
@@ -2575,7 +2576,7 @@
           <a:p>
             <a:fld id="{D3E90C50-6FBB-2247-BEF7-451AA7AB9405}" type="datetimeFigureOut">
               <a:rPr lang="en-US" smtClean="0"/>
-              <a:t>9/12/16</a:t>
+              <a:t>9/13/16</a:t>
             </a:fld>
             <a:endParaRPr lang="en-US"/>
           </a:p>
@@ -2997,15 +2998,7 @@
           <a:p>
             <a:r>
               <a:rPr lang="en-US" dirty="0" smtClean="0"/>
-              <a:t>Polyglot </a:t>
-            </a:r>
-            <a:r>
-              <a:rPr lang="en-US" dirty="0" smtClean="0"/>
-              <a:t>MicroServices/APIs </a:t>
-            </a:r>
-            <a:r>
-              <a:rPr lang="en-US" dirty="0" smtClean="0"/>
-              <a:t>with modern RPCs</a:t>
+              <a:t>Polyglot MicroServices/APIs with modern RPCs</a:t>
             </a:r>
             <a:endParaRPr lang="en-US" dirty="0"/>
           </a:p>
@@ -3028,11 +3021,7 @@
           <a:p>
             <a:r>
               <a:rPr lang="en-US" dirty="0" smtClean="0"/>
-              <a:t>Raymond </a:t>
-            </a:r>
-            <a:r>
-              <a:rPr lang="en-US" dirty="0" smtClean="0"/>
-              <a:t>Feng</a:t>
+              <a:t>Raymond Feng</a:t>
             </a:r>
           </a:p>
           <a:p>
@@ -3041,11 +3030,11 @@
               <a:t>PoC</a:t>
             </a:r>
             <a:r>
-              <a:rPr lang="en-US" smtClean="0"/>
+              <a:rPr lang="en-US" dirty="0" smtClean="0"/>
               <a:t>: </a:t>
             </a:r>
             <a:r>
-              <a:rPr lang="en-US" smtClean="0">
+              <a:rPr lang="en-US" dirty="0" smtClean="0">
                 <a:hlinkClick r:id="rId2"/>
               </a:rPr>
               <a:t>https</a:t>
@@ -4413,6 +4402,1080 @@
           <a:lstStyle/>
           <a:p>
             <a:r>
+              <a:rPr lang="en-US" dirty="0" smtClean="0"/>
+              <a:t>Demo</a:t>
+            </a:r>
+            <a:endParaRPr lang="en-US" dirty="0"/>
+          </a:p>
+        </p:txBody>
+      </p:sp>
+      <p:sp>
+        <p:nvSpPr>
+          <p:cNvPr id="4" name="Rectangle 3"/>
+          <p:cNvSpPr/>
+          <p:nvPr/>
+        </p:nvSpPr>
+        <p:spPr>
+          <a:xfrm>
+            <a:off x="5170968" y="2652767"/>
+            <a:ext cx="3292547" cy="2115879"/>
+          </a:xfrm>
+          <a:prstGeom prst="rect">
+            <a:avLst/>
+          </a:prstGeom>
+        </p:spPr>
+        <p:style>
+          <a:lnRef idx="1">
+            <a:schemeClr val="accent6"/>
+          </a:lnRef>
+          <a:fillRef idx="2">
+            <a:schemeClr val="accent6"/>
+          </a:fillRef>
+          <a:effectRef idx="1">
+            <a:schemeClr val="accent6"/>
+          </a:effectRef>
+          <a:fontRef idx="minor">
+            <a:schemeClr val="dk1"/>
+          </a:fontRef>
+        </p:style>
+        <p:txBody>
+          <a:bodyPr rtlCol="0" anchor="ctr"/>
+          <a:lstStyle/>
+          <a:p>
+            <a:pPr algn="ctr"/>
+            <a:endParaRPr lang="en-US" sz="1400" dirty="0" smtClean="0"/>
+          </a:p>
+          <a:p>
+            <a:pPr algn="ctr"/>
+            <a:endParaRPr lang="en-US" sz="1400" dirty="0"/>
+          </a:p>
+          <a:p>
+            <a:pPr algn="ctr"/>
+            <a:endParaRPr lang="en-US" sz="1400" dirty="0" smtClean="0"/>
+          </a:p>
+          <a:p>
+            <a:pPr algn="ctr"/>
+            <a:endParaRPr lang="en-US" sz="1400" dirty="0"/>
+          </a:p>
+          <a:p>
+            <a:pPr algn="ctr"/>
+            <a:endParaRPr lang="en-US" sz="1400" dirty="0" smtClean="0"/>
+          </a:p>
+          <a:p>
+            <a:pPr algn="ctr"/>
+            <a:endParaRPr lang="en-US" sz="1400" dirty="0"/>
+          </a:p>
+          <a:p>
+            <a:pPr algn="ctr"/>
+            <a:endParaRPr lang="en-US" sz="1400" dirty="0" smtClean="0"/>
+          </a:p>
+          <a:p>
+            <a:pPr algn="ctr"/>
+            <a:endParaRPr lang="en-US" sz="1400" dirty="0"/>
+          </a:p>
+          <a:p>
+            <a:pPr algn="ctr"/>
+            <a:r>
+              <a:rPr lang="en-US" sz="1400" dirty="0" smtClean="0"/>
+              <a:t>LoopBack</a:t>
+            </a:r>
+          </a:p>
+          <a:p>
+            <a:pPr algn="ctr"/>
+            <a:r>
+              <a:rPr lang="en-US" sz="1400" dirty="0" smtClean="0"/>
+              <a:t>(Node.js)</a:t>
+            </a:r>
+          </a:p>
+          <a:p>
+            <a:pPr algn="ctr"/>
+            <a:endParaRPr lang="en-US" sz="1400" dirty="0"/>
+          </a:p>
+        </p:txBody>
+      </p:sp>
+      <p:sp>
+        <p:nvSpPr>
+          <p:cNvPr id="7" name="Folded Corner 6"/>
+          <p:cNvSpPr/>
+          <p:nvPr/>
+        </p:nvSpPr>
+        <p:spPr>
+          <a:xfrm>
+            <a:off x="2328530" y="2224864"/>
+            <a:ext cx="1350335" cy="808075"/>
+          </a:xfrm>
+          <a:prstGeom prst="foldedCorner">
+            <a:avLst/>
+          </a:prstGeom>
+        </p:spPr>
+        <p:style>
+          <a:lnRef idx="1">
+            <a:schemeClr val="accent3"/>
+          </a:lnRef>
+          <a:fillRef idx="2">
+            <a:schemeClr val="accent3"/>
+          </a:fillRef>
+          <a:effectRef idx="1">
+            <a:schemeClr val="accent3"/>
+          </a:effectRef>
+          <a:fontRef idx="minor">
+            <a:schemeClr val="dk1"/>
+          </a:fontRef>
+        </p:style>
+        <p:txBody>
+          <a:bodyPr rtlCol="0" anchor="ctr"/>
+          <a:lstStyle/>
+          <a:p>
+            <a:pPr algn="ctr"/>
+            <a:r>
+              <a:rPr lang="en-US" sz="1200" dirty="0" smtClean="0"/>
+              <a:t>OAS/Swagger</a:t>
+            </a:r>
+          </a:p>
+          <a:p>
+            <a:pPr algn="ctr"/>
+            <a:r>
+              <a:rPr lang="en-US" sz="1200" dirty="0" smtClean="0"/>
+              <a:t>(API, Definition)</a:t>
+            </a:r>
+            <a:endParaRPr lang="en-US" sz="1200" dirty="0"/>
+          </a:p>
+        </p:txBody>
+      </p:sp>
+      <p:sp>
+        <p:nvSpPr>
+          <p:cNvPr id="9" name="Chevron 8"/>
+          <p:cNvSpPr/>
+          <p:nvPr/>
+        </p:nvSpPr>
+        <p:spPr>
+          <a:xfrm>
+            <a:off x="4529469" y="4008362"/>
+            <a:ext cx="1045525" cy="542261"/>
+          </a:xfrm>
+          <a:prstGeom prst="chevron">
+            <a:avLst>
+              <a:gd name="adj" fmla="val 43939"/>
+            </a:avLst>
+          </a:prstGeom>
+        </p:spPr>
+        <p:style>
+          <a:lnRef idx="1">
+            <a:schemeClr val="accent5"/>
+          </a:lnRef>
+          <a:fillRef idx="2">
+            <a:schemeClr val="accent5"/>
+          </a:fillRef>
+          <a:effectRef idx="1">
+            <a:schemeClr val="accent5"/>
+          </a:effectRef>
+          <a:fontRef idx="minor">
+            <a:schemeClr val="dk1"/>
+          </a:fontRef>
+        </p:style>
+        <p:txBody>
+          <a:bodyPr rtlCol="0" anchor="ctr"/>
+          <a:lstStyle/>
+          <a:p>
+            <a:pPr algn="ctr"/>
+            <a:r>
+              <a:rPr lang="en-US" sz="1000" dirty="0" smtClean="0">
+                <a:solidFill>
+                  <a:schemeClr val="tx1"/>
+                </a:solidFill>
+              </a:rPr>
+              <a:t>gRPC</a:t>
+            </a:r>
+          </a:p>
+          <a:p>
+            <a:pPr algn="ctr"/>
+            <a:r>
+              <a:rPr lang="en-US" sz="1000" dirty="0" smtClean="0">
+                <a:solidFill>
+                  <a:schemeClr val="tx1"/>
+                </a:solidFill>
+              </a:rPr>
+              <a:t>binding</a:t>
+            </a:r>
+            <a:endParaRPr lang="en-US" sz="1000" dirty="0">
+              <a:solidFill>
+                <a:schemeClr val="tx1"/>
+              </a:solidFill>
+            </a:endParaRPr>
+          </a:p>
+        </p:txBody>
+      </p:sp>
+      <p:sp>
+        <p:nvSpPr>
+          <p:cNvPr id="10" name="Folded Corner 9"/>
+          <p:cNvSpPr/>
+          <p:nvPr/>
+        </p:nvSpPr>
+        <p:spPr>
+          <a:xfrm>
+            <a:off x="2328530" y="4486825"/>
+            <a:ext cx="1350335" cy="808075"/>
+          </a:xfrm>
+          <a:prstGeom prst="foldedCorner">
+            <a:avLst/>
+          </a:prstGeom>
+        </p:spPr>
+        <p:style>
+          <a:lnRef idx="1">
+            <a:schemeClr val="accent4"/>
+          </a:lnRef>
+          <a:fillRef idx="2">
+            <a:schemeClr val="accent4"/>
+          </a:fillRef>
+          <a:effectRef idx="1">
+            <a:schemeClr val="accent4"/>
+          </a:effectRef>
+          <a:fontRef idx="minor">
+            <a:schemeClr val="dk1"/>
+          </a:fontRef>
+        </p:style>
+        <p:txBody>
+          <a:bodyPr rtlCol="0" anchor="ctr"/>
+          <a:lstStyle/>
+          <a:p>
+            <a:pPr algn="ctr"/>
+            <a:r>
+              <a:rPr lang="en-US" sz="1200" dirty="0" smtClean="0"/>
+              <a:t>gRPC/</a:t>
+            </a:r>
+            <a:r>
+              <a:rPr lang="en-US" sz="1200" dirty="0" err="1" smtClean="0"/>
+              <a:t>Protobuf</a:t>
+            </a:r>
+            <a:endParaRPr lang="en-US" sz="1200" dirty="0" smtClean="0"/>
+          </a:p>
+          <a:p>
+            <a:pPr algn="ctr"/>
+            <a:r>
+              <a:rPr lang="en-US" sz="1200" dirty="0" smtClean="0"/>
+              <a:t>(Service/Message)</a:t>
+            </a:r>
+            <a:endParaRPr lang="en-US" sz="1200" dirty="0"/>
+          </a:p>
+        </p:txBody>
+      </p:sp>
+      <p:cxnSp>
+        <p:nvCxnSpPr>
+          <p:cNvPr id="12" name="Elbow Connector 11"/>
+          <p:cNvCxnSpPr/>
+          <p:nvPr/>
+        </p:nvCxnSpPr>
+        <p:spPr>
+          <a:xfrm>
+            <a:off x="3678865" y="3009012"/>
+            <a:ext cx="1088869" cy="159489"/>
+          </a:xfrm>
+          <a:prstGeom prst="bentConnector3">
+            <a:avLst/>
+          </a:prstGeom>
+          <a:ln>
+            <a:tailEnd type="triangle"/>
+          </a:ln>
+        </p:spPr>
+        <p:style>
+          <a:lnRef idx="1">
+            <a:schemeClr val="accent1"/>
+          </a:lnRef>
+          <a:fillRef idx="0">
+            <a:schemeClr val="accent1"/>
+          </a:fillRef>
+          <a:effectRef idx="0">
+            <a:schemeClr val="accent1"/>
+          </a:effectRef>
+          <a:fontRef idx="minor">
+            <a:schemeClr val="tx1"/>
+          </a:fontRef>
+        </p:style>
+      </p:cxnSp>
+      <p:cxnSp>
+        <p:nvCxnSpPr>
+          <p:cNvPr id="13" name="Elbow Connector 12"/>
+          <p:cNvCxnSpPr>
+            <a:stCxn id="10" idx="3"/>
+            <a:endCxn id="9" idx="1"/>
+          </p:cNvCxnSpPr>
+          <p:nvPr/>
+        </p:nvCxnSpPr>
+        <p:spPr>
+          <a:xfrm flipV="1">
+            <a:off x="3678865" y="4279493"/>
+            <a:ext cx="1088868" cy="611370"/>
+          </a:xfrm>
+          <a:prstGeom prst="bentConnector3">
+            <a:avLst/>
+          </a:prstGeom>
+          <a:ln>
+            <a:tailEnd type="triangle"/>
+          </a:ln>
+        </p:spPr>
+        <p:style>
+          <a:lnRef idx="1">
+            <a:schemeClr val="accent1"/>
+          </a:lnRef>
+          <a:fillRef idx="0">
+            <a:schemeClr val="accent1"/>
+          </a:fillRef>
+          <a:effectRef idx="0">
+            <a:schemeClr val="accent1"/>
+          </a:effectRef>
+          <a:fontRef idx="minor">
+            <a:schemeClr val="tx1"/>
+          </a:fontRef>
+        </p:style>
+      </p:cxnSp>
+      <p:cxnSp>
+        <p:nvCxnSpPr>
+          <p:cNvPr id="19" name="Straight Arrow Connector 18"/>
+          <p:cNvCxnSpPr>
+            <a:stCxn id="7" idx="2"/>
+            <a:endCxn id="10" idx="0"/>
+          </p:cNvCxnSpPr>
+          <p:nvPr/>
+        </p:nvCxnSpPr>
+        <p:spPr>
+          <a:xfrm>
+            <a:off x="3003698" y="3032939"/>
+            <a:ext cx="0" cy="1453886"/>
+          </a:xfrm>
+          <a:prstGeom prst="straightConnector1">
+            <a:avLst/>
+          </a:prstGeom>
+          <a:ln>
+            <a:headEnd type="triangle"/>
+            <a:tailEnd type="triangle"/>
+          </a:ln>
+        </p:spPr>
+        <p:style>
+          <a:lnRef idx="1">
+            <a:schemeClr val="accent1"/>
+          </a:lnRef>
+          <a:fillRef idx="0">
+            <a:schemeClr val="accent1"/>
+          </a:fillRef>
+          <a:effectRef idx="0">
+            <a:schemeClr val="accent1"/>
+          </a:effectRef>
+          <a:fontRef idx="minor">
+            <a:schemeClr val="tx1"/>
+          </a:fontRef>
+        </p:style>
+      </p:cxnSp>
+      <p:sp>
+        <p:nvSpPr>
+          <p:cNvPr id="17" name="Rounded Rectangle 16"/>
+          <p:cNvSpPr/>
+          <p:nvPr/>
+        </p:nvSpPr>
+        <p:spPr>
+          <a:xfrm>
+            <a:off x="2530548" y="3540642"/>
+            <a:ext cx="978195" cy="467720"/>
+          </a:xfrm>
+          <a:prstGeom prst="roundRect">
+            <a:avLst/>
+          </a:prstGeom>
+        </p:spPr>
+        <p:style>
+          <a:lnRef idx="1">
+            <a:schemeClr val="accent5"/>
+          </a:lnRef>
+          <a:fillRef idx="2">
+            <a:schemeClr val="accent5"/>
+          </a:fillRef>
+          <a:effectRef idx="1">
+            <a:schemeClr val="accent5"/>
+          </a:effectRef>
+          <a:fontRef idx="minor">
+            <a:schemeClr val="dk1"/>
+          </a:fontRef>
+        </p:style>
+        <p:txBody>
+          <a:bodyPr rtlCol="0" anchor="ctr"/>
+          <a:lstStyle/>
+          <a:p>
+            <a:pPr algn="ctr"/>
+            <a:r>
+              <a:rPr lang="en-US" sz="1200" dirty="0" smtClean="0"/>
+              <a:t>Spec converter</a:t>
+            </a:r>
+            <a:endParaRPr lang="en-US" sz="1200" dirty="0"/>
+          </a:p>
+        </p:txBody>
+      </p:sp>
+      <p:sp>
+        <p:nvSpPr>
+          <p:cNvPr id="26" name="Rounded Rectangle 25"/>
+          <p:cNvSpPr/>
+          <p:nvPr/>
+        </p:nvSpPr>
+        <p:spPr>
+          <a:xfrm>
+            <a:off x="9693340" y="3737234"/>
+            <a:ext cx="1158949" cy="813389"/>
+          </a:xfrm>
+          <a:prstGeom prst="roundRect">
+            <a:avLst/>
+          </a:prstGeom>
+        </p:spPr>
+        <p:style>
+          <a:lnRef idx="3">
+            <a:schemeClr val="lt1"/>
+          </a:lnRef>
+          <a:fillRef idx="1">
+            <a:schemeClr val="accent2"/>
+          </a:fillRef>
+          <a:effectRef idx="1">
+            <a:schemeClr val="accent2"/>
+          </a:effectRef>
+          <a:fontRef idx="minor">
+            <a:schemeClr val="lt1"/>
+          </a:fontRef>
+        </p:style>
+        <p:txBody>
+          <a:bodyPr rtlCol="0" anchor="ctr"/>
+          <a:lstStyle/>
+          <a:p>
+            <a:pPr algn="ctr"/>
+            <a:r>
+              <a:rPr lang="en-US" sz="1200" dirty="0" smtClean="0"/>
+              <a:t>Encryption</a:t>
+            </a:r>
+          </a:p>
+          <a:p>
+            <a:pPr algn="ctr"/>
+            <a:r>
+              <a:rPr lang="en-US" sz="1200" dirty="0" smtClean="0"/>
+              <a:t>Service</a:t>
+            </a:r>
+          </a:p>
+          <a:p>
+            <a:pPr algn="ctr"/>
+            <a:r>
+              <a:rPr lang="en-US" sz="1200" dirty="0" smtClean="0"/>
+              <a:t>(gRPC/Java)</a:t>
+            </a:r>
+            <a:endParaRPr lang="en-US" sz="1200" dirty="0"/>
+          </a:p>
+        </p:txBody>
+      </p:sp>
+      <p:cxnSp>
+        <p:nvCxnSpPr>
+          <p:cNvPr id="32" name="Elbow Connector 31"/>
+          <p:cNvCxnSpPr>
+            <a:stCxn id="23" idx="3"/>
+            <a:endCxn id="26" idx="1"/>
+          </p:cNvCxnSpPr>
+          <p:nvPr/>
+        </p:nvCxnSpPr>
+        <p:spPr>
+          <a:xfrm>
+            <a:off x="9013247" y="3920667"/>
+            <a:ext cx="680093" cy="223262"/>
+          </a:xfrm>
+          <a:prstGeom prst="bentConnector3">
+            <a:avLst/>
+          </a:prstGeom>
+          <a:ln>
+            <a:tailEnd type="triangle"/>
+          </a:ln>
+        </p:spPr>
+        <p:style>
+          <a:lnRef idx="1">
+            <a:schemeClr val="accent1"/>
+          </a:lnRef>
+          <a:fillRef idx="0">
+            <a:schemeClr val="accent1"/>
+          </a:fillRef>
+          <a:effectRef idx="0">
+            <a:schemeClr val="accent1"/>
+          </a:effectRef>
+          <a:fontRef idx="minor">
+            <a:schemeClr val="tx1"/>
+          </a:fontRef>
+        </p:style>
+      </p:cxnSp>
+      <p:sp>
+        <p:nvSpPr>
+          <p:cNvPr id="21" name="Rounded Rectangle 20"/>
+          <p:cNvSpPr/>
+          <p:nvPr/>
+        </p:nvSpPr>
+        <p:spPr>
+          <a:xfrm>
+            <a:off x="5475741" y="2865531"/>
+            <a:ext cx="1031365" cy="526255"/>
+          </a:xfrm>
+          <a:prstGeom prst="roundRect">
+            <a:avLst/>
+          </a:prstGeom>
+        </p:spPr>
+        <p:style>
+          <a:lnRef idx="3">
+            <a:schemeClr val="lt1"/>
+          </a:lnRef>
+          <a:fillRef idx="1">
+            <a:schemeClr val="accent6"/>
+          </a:fillRef>
+          <a:effectRef idx="1">
+            <a:schemeClr val="accent6"/>
+          </a:effectRef>
+          <a:fontRef idx="minor">
+            <a:schemeClr val="lt1"/>
+          </a:fontRef>
+        </p:style>
+        <p:txBody>
+          <a:bodyPr rtlCol="0" anchor="ctr"/>
+          <a:lstStyle/>
+          <a:p>
+            <a:pPr algn="ctr"/>
+            <a:r>
+              <a:rPr lang="en-US" sz="1200" dirty="0" smtClean="0"/>
+              <a:t>Note</a:t>
+            </a:r>
+            <a:endParaRPr lang="en-US" sz="1200" dirty="0" smtClean="0"/>
+          </a:p>
+          <a:p>
+            <a:pPr algn="ctr"/>
+            <a:r>
+              <a:rPr lang="en-US" sz="1200" dirty="0" smtClean="0"/>
+              <a:t>(REST/Node)</a:t>
+            </a:r>
+            <a:endParaRPr lang="en-US" sz="1200" dirty="0"/>
+          </a:p>
+        </p:txBody>
+      </p:sp>
+      <p:sp>
+        <p:nvSpPr>
+          <p:cNvPr id="30" name="Rounded Rectangle 29"/>
+          <p:cNvSpPr/>
+          <p:nvPr/>
+        </p:nvSpPr>
+        <p:spPr>
+          <a:xfrm>
+            <a:off x="6672225" y="3665542"/>
+            <a:ext cx="1309657" cy="526255"/>
+          </a:xfrm>
+          <a:prstGeom prst="roundRect">
+            <a:avLst/>
+          </a:prstGeom>
+        </p:spPr>
+        <p:style>
+          <a:lnRef idx="3">
+            <a:schemeClr val="lt1"/>
+          </a:lnRef>
+          <a:fillRef idx="1">
+            <a:schemeClr val="accent6"/>
+          </a:fillRef>
+          <a:effectRef idx="1">
+            <a:schemeClr val="accent6"/>
+          </a:effectRef>
+          <a:fontRef idx="minor">
+            <a:schemeClr val="lt1"/>
+          </a:fontRef>
+        </p:style>
+        <p:txBody>
+          <a:bodyPr rtlCol="0" anchor="ctr"/>
+          <a:lstStyle/>
+          <a:p>
+            <a:pPr algn="ctr"/>
+            <a:r>
+              <a:rPr lang="en-US" sz="1200" smtClean="0"/>
+              <a:t>EncryptionClient</a:t>
+            </a:r>
+            <a:endParaRPr lang="en-US" sz="1200" dirty="0"/>
+          </a:p>
+        </p:txBody>
+      </p:sp>
+      <p:sp>
+        <p:nvSpPr>
+          <p:cNvPr id="5" name="Can 4"/>
+          <p:cNvSpPr/>
+          <p:nvPr/>
+        </p:nvSpPr>
+        <p:spPr>
+          <a:xfrm>
+            <a:off x="7308896" y="1818361"/>
+            <a:ext cx="617491" cy="574046"/>
+          </a:xfrm>
+          <a:prstGeom prst="can">
+            <a:avLst/>
+          </a:prstGeom>
+        </p:spPr>
+        <p:style>
+          <a:lnRef idx="1">
+            <a:schemeClr val="accent3"/>
+          </a:lnRef>
+          <a:fillRef idx="2">
+            <a:schemeClr val="accent3"/>
+          </a:fillRef>
+          <a:effectRef idx="1">
+            <a:schemeClr val="accent3"/>
+          </a:effectRef>
+          <a:fontRef idx="minor">
+            <a:schemeClr val="dk1"/>
+          </a:fontRef>
+        </p:style>
+        <p:txBody>
+          <a:bodyPr rtlCol="0" anchor="ctr"/>
+          <a:lstStyle/>
+          <a:p>
+            <a:pPr algn="ctr"/>
+            <a:r>
+              <a:rPr lang="en-US" sz="1200" dirty="0" smtClean="0"/>
+              <a:t>DB</a:t>
+            </a:r>
+            <a:endParaRPr lang="en-US" sz="1200" dirty="0"/>
+          </a:p>
+        </p:txBody>
+      </p:sp>
+      <p:cxnSp>
+        <p:nvCxnSpPr>
+          <p:cNvPr id="11" name="Elbow Connector 10"/>
+          <p:cNvCxnSpPr>
+            <a:stCxn id="5" idx="2"/>
+            <a:endCxn id="21" idx="0"/>
+          </p:cNvCxnSpPr>
+          <p:nvPr/>
+        </p:nvCxnSpPr>
+        <p:spPr>
+          <a:xfrm rot="10800000" flipV="1">
+            <a:off x="5991424" y="2105383"/>
+            <a:ext cx="1317472" cy="760147"/>
+          </a:xfrm>
+          <a:prstGeom prst="bentConnector2">
+            <a:avLst/>
+          </a:prstGeom>
+        </p:spPr>
+        <p:style>
+          <a:lnRef idx="1">
+            <a:schemeClr val="accent1"/>
+          </a:lnRef>
+          <a:fillRef idx="0">
+            <a:schemeClr val="accent1"/>
+          </a:fillRef>
+          <a:effectRef idx="0">
+            <a:schemeClr val="accent1"/>
+          </a:effectRef>
+          <a:fontRef idx="minor">
+            <a:schemeClr val="tx1"/>
+          </a:fontRef>
+        </p:style>
+      </p:cxnSp>
+      <p:sp>
+        <p:nvSpPr>
+          <p:cNvPr id="23" name="Chevron 22"/>
+          <p:cNvSpPr/>
+          <p:nvPr/>
+        </p:nvSpPr>
+        <p:spPr>
+          <a:xfrm>
+            <a:off x="7801965" y="3649536"/>
+            <a:ext cx="1211282" cy="542261"/>
+          </a:xfrm>
+          <a:prstGeom prst="chevron">
+            <a:avLst>
+              <a:gd name="adj" fmla="val 43939"/>
+            </a:avLst>
+          </a:prstGeom>
+        </p:spPr>
+        <p:style>
+          <a:lnRef idx="1">
+            <a:schemeClr val="accent5"/>
+          </a:lnRef>
+          <a:fillRef idx="2">
+            <a:schemeClr val="accent5"/>
+          </a:fillRef>
+          <a:effectRef idx="1">
+            <a:schemeClr val="accent5"/>
+          </a:effectRef>
+          <a:fontRef idx="minor">
+            <a:schemeClr val="dk1"/>
+          </a:fontRef>
+        </p:style>
+        <p:txBody>
+          <a:bodyPr rtlCol="0" anchor="ctr"/>
+          <a:lstStyle/>
+          <a:p>
+            <a:pPr algn="ctr"/>
+            <a:r>
+              <a:rPr lang="en-US" sz="1000" dirty="0" smtClean="0">
+                <a:solidFill>
+                  <a:schemeClr val="tx1"/>
+                </a:solidFill>
+              </a:rPr>
+              <a:t>gRPC connector</a:t>
+            </a:r>
+            <a:endParaRPr lang="en-US" sz="1000" dirty="0">
+              <a:solidFill>
+                <a:schemeClr val="tx1"/>
+              </a:solidFill>
+            </a:endParaRPr>
+          </a:p>
+        </p:txBody>
+      </p:sp>
+      <p:cxnSp>
+        <p:nvCxnSpPr>
+          <p:cNvPr id="33" name="Elbow Connector 32"/>
+          <p:cNvCxnSpPr>
+            <a:stCxn id="21" idx="3"/>
+            <a:endCxn id="30" idx="0"/>
+          </p:cNvCxnSpPr>
+          <p:nvPr/>
+        </p:nvCxnSpPr>
+        <p:spPr>
+          <a:xfrm>
+            <a:off x="6507106" y="3128659"/>
+            <a:ext cx="819948" cy="536883"/>
+          </a:xfrm>
+          <a:prstGeom prst="bentConnector2">
+            <a:avLst/>
+          </a:prstGeom>
+          <a:ln>
+            <a:tailEnd type="triangle"/>
+          </a:ln>
+        </p:spPr>
+        <p:style>
+          <a:lnRef idx="1">
+            <a:schemeClr val="accent1"/>
+          </a:lnRef>
+          <a:fillRef idx="0">
+            <a:schemeClr val="accent1"/>
+          </a:fillRef>
+          <a:effectRef idx="0">
+            <a:schemeClr val="accent1"/>
+          </a:effectRef>
+          <a:fontRef idx="minor">
+            <a:schemeClr val="tx1"/>
+          </a:fontRef>
+        </p:style>
+      </p:cxnSp>
+      <p:sp>
+        <p:nvSpPr>
+          <p:cNvPr id="8" name="Chevron 7"/>
+          <p:cNvSpPr/>
+          <p:nvPr/>
+        </p:nvSpPr>
+        <p:spPr>
+          <a:xfrm>
+            <a:off x="4529470" y="2860158"/>
+            <a:ext cx="1045524" cy="542261"/>
+          </a:xfrm>
+          <a:prstGeom prst="chevron">
+            <a:avLst>
+              <a:gd name="adj" fmla="val 43939"/>
+            </a:avLst>
+          </a:prstGeom>
+        </p:spPr>
+        <p:style>
+          <a:lnRef idx="1">
+            <a:schemeClr val="accent5"/>
+          </a:lnRef>
+          <a:fillRef idx="2">
+            <a:schemeClr val="accent5"/>
+          </a:fillRef>
+          <a:effectRef idx="1">
+            <a:schemeClr val="accent5"/>
+          </a:effectRef>
+          <a:fontRef idx="minor">
+            <a:schemeClr val="dk1"/>
+          </a:fontRef>
+        </p:style>
+        <p:txBody>
+          <a:bodyPr rtlCol="0" anchor="ctr"/>
+          <a:lstStyle/>
+          <a:p>
+            <a:pPr algn="ctr"/>
+            <a:r>
+              <a:rPr lang="en-US" sz="1000" dirty="0" smtClean="0">
+                <a:solidFill>
+                  <a:schemeClr val="tx1"/>
+                </a:solidFill>
+              </a:rPr>
+              <a:t>REST</a:t>
+            </a:r>
+          </a:p>
+          <a:p>
+            <a:pPr algn="ctr"/>
+            <a:r>
+              <a:rPr lang="en-US" sz="1000" dirty="0" smtClean="0">
+                <a:solidFill>
+                  <a:schemeClr val="tx1"/>
+                </a:solidFill>
+              </a:rPr>
+              <a:t>binding</a:t>
+            </a:r>
+            <a:endParaRPr lang="en-US" sz="1000" dirty="0">
+              <a:solidFill>
+                <a:schemeClr val="tx1"/>
+              </a:solidFill>
+            </a:endParaRPr>
+          </a:p>
+        </p:txBody>
+      </p:sp>
+      <p:sp>
+        <p:nvSpPr>
+          <p:cNvPr id="39" name="Rounded Rectangle 38"/>
+          <p:cNvSpPr/>
+          <p:nvPr/>
+        </p:nvSpPr>
+        <p:spPr>
+          <a:xfrm>
+            <a:off x="437717" y="3343830"/>
+            <a:ext cx="1265275" cy="839972"/>
+          </a:xfrm>
+          <a:prstGeom prst="roundRect">
+            <a:avLst/>
+          </a:prstGeom>
+        </p:spPr>
+        <p:style>
+          <a:lnRef idx="2">
+            <a:schemeClr val="accent5">
+              <a:shade val="50000"/>
+            </a:schemeClr>
+          </a:lnRef>
+          <a:fillRef idx="1">
+            <a:schemeClr val="accent5"/>
+          </a:fillRef>
+          <a:effectRef idx="0">
+            <a:schemeClr val="accent5"/>
+          </a:effectRef>
+          <a:fontRef idx="minor">
+            <a:schemeClr val="lt1"/>
+          </a:fontRef>
+        </p:style>
+        <p:txBody>
+          <a:bodyPr rtlCol="0" anchor="ctr"/>
+          <a:lstStyle/>
+          <a:p>
+            <a:pPr algn="ctr"/>
+            <a:r>
+              <a:rPr lang="en-US" sz="1200" dirty="0" smtClean="0"/>
+              <a:t>API </a:t>
+            </a:r>
+            <a:r>
+              <a:rPr lang="en-US" sz="1200" dirty="0" smtClean="0"/>
+              <a:t>Clients</a:t>
+            </a:r>
+          </a:p>
+          <a:p>
+            <a:pPr algn="ctr"/>
+            <a:r>
+              <a:rPr lang="en-US" sz="1200" dirty="0" smtClean="0"/>
+              <a:t>(curl, API Explorer)</a:t>
+            </a:r>
+            <a:endParaRPr lang="en-US" sz="1200" dirty="0"/>
+          </a:p>
+        </p:txBody>
+      </p:sp>
+      <p:cxnSp>
+        <p:nvCxnSpPr>
+          <p:cNvPr id="41" name="Elbow Connector 40"/>
+          <p:cNvCxnSpPr>
+            <a:stCxn id="39" idx="0"/>
+            <a:endCxn id="7" idx="1"/>
+          </p:cNvCxnSpPr>
+          <p:nvPr/>
+        </p:nvCxnSpPr>
+        <p:spPr>
+          <a:xfrm rot="5400000" flipH="1" flipV="1">
+            <a:off x="1341978" y="2357279"/>
+            <a:ext cx="714928" cy="1258175"/>
+          </a:xfrm>
+          <a:prstGeom prst="bentConnector2">
+            <a:avLst/>
+          </a:prstGeom>
+          <a:ln>
+            <a:tailEnd type="triangle"/>
+          </a:ln>
+        </p:spPr>
+        <p:style>
+          <a:lnRef idx="1">
+            <a:schemeClr val="accent1"/>
+          </a:lnRef>
+          <a:fillRef idx="0">
+            <a:schemeClr val="accent1"/>
+          </a:fillRef>
+          <a:effectRef idx="0">
+            <a:schemeClr val="accent1"/>
+          </a:effectRef>
+          <a:fontRef idx="minor">
+            <a:schemeClr val="tx1"/>
+          </a:fontRef>
+        </p:style>
+      </p:cxnSp>
+      <p:sp>
+        <p:nvSpPr>
+          <p:cNvPr id="42" name="Rounded Rectangle 41"/>
+          <p:cNvSpPr/>
+          <p:nvPr/>
+        </p:nvSpPr>
+        <p:spPr>
+          <a:xfrm>
+            <a:off x="9353293" y="5175193"/>
+            <a:ext cx="1158949" cy="813389"/>
+          </a:xfrm>
+          <a:prstGeom prst="roundRect">
+            <a:avLst/>
+          </a:prstGeom>
+        </p:spPr>
+        <p:style>
+          <a:lnRef idx="1">
+            <a:schemeClr val="accent4"/>
+          </a:lnRef>
+          <a:fillRef idx="2">
+            <a:schemeClr val="accent4"/>
+          </a:fillRef>
+          <a:effectRef idx="1">
+            <a:schemeClr val="accent4"/>
+          </a:effectRef>
+          <a:fontRef idx="minor">
+            <a:schemeClr val="dk1"/>
+          </a:fontRef>
+        </p:style>
+        <p:txBody>
+          <a:bodyPr rtlCol="0" anchor="ctr"/>
+          <a:lstStyle/>
+          <a:p>
+            <a:pPr algn="ctr"/>
+            <a:r>
+              <a:rPr lang="en-US" sz="1200" dirty="0" smtClean="0"/>
+              <a:t>Java Client</a:t>
+            </a:r>
+            <a:endParaRPr lang="en-US" sz="1200" dirty="0" smtClean="0"/>
+          </a:p>
+          <a:p>
+            <a:pPr algn="ctr"/>
+            <a:r>
+              <a:rPr lang="en-US" sz="1200" dirty="0" smtClean="0"/>
+              <a:t>(gRPC/Java)</a:t>
+            </a:r>
+            <a:endParaRPr lang="en-US" sz="1200" dirty="0"/>
+          </a:p>
+        </p:txBody>
+      </p:sp>
+      <p:cxnSp>
+        <p:nvCxnSpPr>
+          <p:cNvPr id="44" name="Elbow Connector 43"/>
+          <p:cNvCxnSpPr>
+            <a:stCxn id="42" idx="0"/>
+            <a:endCxn id="26" idx="2"/>
+          </p:cNvCxnSpPr>
+          <p:nvPr/>
+        </p:nvCxnSpPr>
+        <p:spPr>
+          <a:xfrm rot="5400000" flipH="1" flipV="1">
+            <a:off x="9790506" y="4692885"/>
+            <a:ext cx="624570" cy="340047"/>
+          </a:xfrm>
+          <a:prstGeom prst="bentConnector3">
+            <a:avLst/>
+          </a:prstGeom>
+          <a:ln>
+            <a:tailEnd type="triangle"/>
+          </a:ln>
+        </p:spPr>
+        <p:style>
+          <a:lnRef idx="1">
+            <a:schemeClr val="accent1"/>
+          </a:lnRef>
+          <a:fillRef idx="0">
+            <a:schemeClr val="accent1"/>
+          </a:fillRef>
+          <a:effectRef idx="0">
+            <a:schemeClr val="accent1"/>
+          </a:effectRef>
+          <a:fontRef idx="minor">
+            <a:schemeClr val="tx1"/>
+          </a:fontRef>
+        </p:style>
+      </p:cxnSp>
+      <p:cxnSp>
+        <p:nvCxnSpPr>
+          <p:cNvPr id="46" name="Elbow Connector 45"/>
+          <p:cNvCxnSpPr>
+            <a:stCxn id="42" idx="1"/>
+            <a:endCxn id="10" idx="2"/>
+          </p:cNvCxnSpPr>
+          <p:nvPr/>
+        </p:nvCxnSpPr>
+        <p:spPr>
+          <a:xfrm rot="10800000">
+            <a:off x="3003699" y="5294900"/>
+            <a:ext cx="6349595" cy="286988"/>
+          </a:xfrm>
+          <a:prstGeom prst="bentConnector2">
+            <a:avLst/>
+          </a:prstGeom>
+          <a:ln>
+            <a:tailEnd type="triangle"/>
+          </a:ln>
+        </p:spPr>
+        <p:style>
+          <a:lnRef idx="1">
+            <a:schemeClr val="accent1"/>
+          </a:lnRef>
+          <a:fillRef idx="0">
+            <a:schemeClr val="accent1"/>
+          </a:fillRef>
+          <a:effectRef idx="0">
+            <a:schemeClr val="accent1"/>
+          </a:effectRef>
+          <a:fontRef idx="minor">
+            <a:schemeClr val="tx1"/>
+          </a:fontRef>
+        </p:style>
+      </p:cxnSp>
+    </p:spTree>
+    <p:extLst>
+      <p:ext uri="{BB962C8B-B14F-4D97-AF65-F5344CB8AC3E}">
+        <p14:creationId xmlns:p14="http://schemas.microsoft.com/office/powerpoint/2010/main" val="154042774"/>
+      </p:ext>
+    </p:extLst>
+  </p:cSld>
+  <p:clrMapOvr>
+    <a:masterClrMapping/>
+  </p:clrMapOvr>
+</p:sld>
+</file>
+
+<file path=ppt/slides/slide12.xml><?xml version="1.0" encoding="utf-8"?>
+<p:sld xmlns:a="http://schemas.openxmlformats.org/drawingml/2006/main" xmlns:r="http://schemas.openxmlformats.org/officeDocument/2006/relationships" xmlns:p="http://schemas.openxmlformats.org/presentationml/2006/main">
+  <p:cSld>
+    <p:spTree>
+      <p:nvGrpSpPr>
+        <p:cNvPr id="1" name=""/>
+        <p:cNvGrpSpPr/>
+        <p:nvPr/>
+      </p:nvGrpSpPr>
+      <p:grpSpPr>
+        <a:xfrm>
+          <a:off x="0" y="0"/>
+          <a:ext cx="0" cy="0"/>
+          <a:chOff x="0" y="0"/>
+          <a:chExt cx="0" cy="0"/>
+        </a:xfrm>
+      </p:grpSpPr>
+      <p:sp>
+        <p:nvSpPr>
+          <p:cNvPr id="2" name="Title 1"/>
+          <p:cNvSpPr>
+            <a:spLocks noGrp="1"/>
+          </p:cNvSpPr>
+          <p:nvPr>
+            <p:ph type="title"/>
+          </p:nvPr>
+        </p:nvSpPr>
+        <p:spPr/>
+        <p:txBody>
+          <a:bodyPr/>
+          <a:lstStyle/>
+          <a:p>
+            <a:r>
               <a:rPr lang="en-US" dirty="0" err="1" smtClean="0"/>
               <a:t>PoC</a:t>
             </a:r>
@@ -4578,7 +5641,7 @@
 </p:sld>
 </file>
 
-<file path=ppt/slides/slide12.xml><?xml version="1.0" encoding="utf-8"?>
+<file path=ppt/slides/slide13.xml><?xml version="1.0" encoding="utf-8"?>
 <p:sld xmlns:a="http://schemas.openxmlformats.org/drawingml/2006/main" xmlns:r="http://schemas.openxmlformats.org/officeDocument/2006/relationships" xmlns:p="http://schemas.openxmlformats.org/presentationml/2006/main">
   <p:cSld>
     <p:spTree>
@@ -6159,11 +7222,7 @@
           <a:p>
             <a:r>
               <a:rPr lang="en-US" dirty="0" smtClean="0"/>
-              <a:t>Key </a:t>
-            </a:r>
-            <a:r>
-              <a:rPr lang="en-US" dirty="0" smtClean="0"/>
-              <a:t>features/requirements for RPC between microservices</a:t>
+              <a:t>Key features/requirements for RPC between microservices</a:t>
             </a:r>
             <a:endParaRPr lang="en-US" dirty="0"/>
           </a:p>

--- a/Polyglot Microservices.pptx
+++ b/Polyglot Microservices.pptx
@@ -2998,7 +2998,15 @@
           <a:p>
             <a:r>
               <a:rPr lang="en-US" dirty="0" smtClean="0"/>
-              <a:t>Polyglot MicroServices/APIs with modern RPCs</a:t>
+              <a:t>Polyglot </a:t>
+            </a:r>
+            <a:r>
+              <a:rPr lang="en-US" dirty="0" err="1" smtClean="0"/>
+              <a:t>MicroServices</a:t>
+            </a:r>
+            <a:r>
+              <a:rPr lang="en-US" dirty="0" smtClean="0"/>
+              <a:t>/APIs with modern RPCs</a:t>
             </a:r>
             <a:endParaRPr lang="en-US" dirty="0"/>
           </a:p>
@@ -4937,7 +4945,6 @@
               <a:rPr lang="en-US" sz="1200" dirty="0" smtClean="0"/>
               <a:t>Note</a:t>
             </a:r>
-            <a:endParaRPr lang="en-US" sz="1200" dirty="0" smtClean="0"/>
           </a:p>
           <a:p>
             <a:pPr algn="ctr"/>
@@ -5255,11 +5262,7 @@
             <a:pPr algn="ctr"/>
             <a:r>
               <a:rPr lang="en-US" sz="1200" dirty="0" smtClean="0"/>
-              <a:t>API </a:t>
-            </a:r>
-            <a:r>
-              <a:rPr lang="en-US" sz="1200" dirty="0" smtClean="0"/>
-              <a:t>Clients</a:t>
+              <a:t>API Clients</a:t>
             </a:r>
           </a:p>
           <a:p>
@@ -5346,7 +5349,6 @@
               <a:rPr lang="en-US" sz="1200" dirty="0" smtClean="0"/>
               <a:t>Java Client</a:t>
             </a:r>
-            <a:endParaRPr lang="en-US" sz="1200" dirty="0" smtClean="0"/>
           </a:p>
           <a:p>
             <a:pPr algn="ctr"/>
@@ -5559,8 +5561,13 @@
             <a:pPr lvl="1"/>
             <a:r>
               <a:rPr lang="en-US" dirty="0" smtClean="0"/>
-              <a:t>Agree on the RPC framework for microservices</a:t>
-            </a:r>
+              <a:t>Agree on the RPC framework for </a:t>
+            </a:r>
+            <a:r>
+              <a:rPr lang="en-US" dirty="0" err="1" smtClean="0"/>
+              <a:t>microservices</a:t>
+            </a:r>
+            <a:endParaRPr lang="en-US" dirty="0" smtClean="0"/>
           </a:p>
           <a:p>
             <a:pPr lvl="1"/>
@@ -5580,8 +5587,13 @@
             <a:pPr lvl="1"/>
             <a:r>
               <a:rPr lang="en-US" dirty="0" smtClean="0"/>
-              <a:t>Fully implement a sample scenario consisting of polyglot microservices</a:t>
-            </a:r>
+              <a:t>Fully implement a sample scenario consisting of polyglot </a:t>
+            </a:r>
+            <a:r>
+              <a:rPr lang="en-US" dirty="0" err="1" smtClean="0"/>
+              <a:t>microservices</a:t>
+            </a:r>
+            <a:endParaRPr lang="en-US" dirty="0" smtClean="0"/>
           </a:p>
           <a:p>
             <a:pPr lvl="1"/>
@@ -5798,7 +5810,7 @@
         </p:nvSpPr>
         <p:spPr>
           <a:xfrm>
-            <a:off x="1844746" y="2058188"/>
+            <a:off x="1026047" y="2058188"/>
             <a:ext cx="4657060" cy="3545170"/>
           </a:xfrm>
           <a:prstGeom prst="roundRect">
@@ -5842,7 +5854,7 @@
         </p:nvSpPr>
         <p:spPr>
           <a:xfrm>
-            <a:off x="6602819" y="1690688"/>
+            <a:off x="5784120" y="1690688"/>
             <a:ext cx="4657060" cy="4975926"/>
           </a:xfrm>
           <a:prstGeom prst="roundRect">
@@ -5908,7 +5920,7 @@
         </p:nvSpPr>
         <p:spPr>
           <a:xfrm>
-            <a:off x="6267893" y="2071010"/>
+            <a:off x="5449194" y="2071010"/>
             <a:ext cx="1265275" cy="673930"/>
           </a:xfrm>
           <a:prstGeom prst="roundRect">
@@ -5957,7 +5969,7 @@
         </p:nvSpPr>
         <p:spPr>
           <a:xfrm>
-            <a:off x="6262576" y="3306839"/>
+            <a:off x="5443877" y="3306839"/>
             <a:ext cx="1265275" cy="683310"/>
           </a:xfrm>
           <a:prstGeom prst="roundRect">
@@ -6006,7 +6018,7 @@
         </p:nvSpPr>
         <p:spPr>
           <a:xfrm>
-            <a:off x="6267893" y="4518753"/>
+            <a:off x="5449194" y="4518753"/>
             <a:ext cx="1265275" cy="663575"/>
           </a:xfrm>
           <a:prstGeom prst="roundRect">
@@ -6055,7 +6067,7 @@
         </p:nvSpPr>
         <p:spPr>
           <a:xfrm>
-            <a:off x="8447565" y="2661958"/>
+            <a:off x="7628866" y="2661958"/>
             <a:ext cx="1265275" cy="657481"/>
           </a:xfrm>
           <a:prstGeom prst="roundRect">
@@ -6104,7 +6116,7 @@
         </p:nvSpPr>
         <p:spPr>
           <a:xfrm>
-            <a:off x="3416602" y="3078181"/>
+            <a:off x="2597903" y="3078181"/>
             <a:ext cx="1265275" cy="839972"/>
           </a:xfrm>
           <a:prstGeom prst="roundRect">
@@ -6149,7 +6161,7 @@
         </p:nvCxnSpPr>
         <p:spPr>
           <a:xfrm>
-            <a:off x="4377959" y="3274236"/>
+            <a:off x="3559260" y="3274236"/>
             <a:ext cx="1884617" cy="374258"/>
           </a:xfrm>
           <a:prstGeom prst="bentConnector3">
@@ -6179,7 +6191,7 @@
         </p:nvSpPr>
         <p:spPr>
           <a:xfrm>
-            <a:off x="8463518" y="3496811"/>
+            <a:off x="7644819" y="3496811"/>
             <a:ext cx="1265275" cy="631931"/>
           </a:xfrm>
           <a:prstGeom prst="roundRect">
@@ -6228,7 +6240,7 @@
         </p:nvSpPr>
         <p:spPr>
           <a:xfrm>
-            <a:off x="8463518" y="4354716"/>
+            <a:off x="7644819" y="4354716"/>
             <a:ext cx="1265275" cy="695359"/>
           </a:xfrm>
           <a:prstGeom prst="roundRect">
@@ -6280,7 +6292,7 @@
         </p:nvCxnSpPr>
         <p:spPr>
           <a:xfrm>
-            <a:off x="7533168" y="2407975"/>
+            <a:off x="6714469" y="2407975"/>
             <a:ext cx="2195625" cy="2294421"/>
           </a:xfrm>
           <a:prstGeom prst="bentConnector3">
@@ -6318,7 +6330,7 @@
         </p:nvCxnSpPr>
         <p:spPr>
           <a:xfrm flipV="1">
-            <a:off x="7527851" y="2990699"/>
+            <a:off x="6709152" y="2990699"/>
             <a:ext cx="919714" cy="657795"/>
           </a:xfrm>
           <a:prstGeom prst="bentConnector3">
@@ -6356,7 +6368,7 @@
         </p:nvCxnSpPr>
         <p:spPr>
           <a:xfrm rot="5400000">
-            <a:off x="6151358" y="4106685"/>
+            <a:off x="5332659" y="4106685"/>
             <a:ext cx="860392" cy="627321"/>
           </a:xfrm>
           <a:prstGeom prst="bentConnector4">
@@ -6395,7 +6407,7 @@
         </p:nvCxnSpPr>
         <p:spPr>
           <a:xfrm>
-            <a:off x="7527851" y="3648494"/>
+            <a:off x="6709152" y="3648494"/>
             <a:ext cx="935667" cy="164283"/>
           </a:xfrm>
           <a:prstGeom prst="bentConnector3">
@@ -6433,7 +6445,7 @@
         </p:nvCxnSpPr>
         <p:spPr>
           <a:xfrm rot="5400000" flipH="1" flipV="1">
-            <a:off x="6616923" y="3023232"/>
+            <a:off x="5798224" y="3023232"/>
             <a:ext cx="561899" cy="5317"/>
           </a:xfrm>
           <a:prstGeom prst="bentConnector3">
@@ -6466,7 +6478,7 @@
         </p:nvGrpSpPr>
         <p:grpSpPr>
           <a:xfrm>
-            <a:off x="7054702" y="5363506"/>
+            <a:off x="6236003" y="5363506"/>
             <a:ext cx="3753293" cy="1129598"/>
             <a:chOff x="4518837" y="5752326"/>
             <a:chExt cx="3753293" cy="1129598"/>
@@ -6729,7 +6741,7 @@
         </p:nvSpPr>
         <p:spPr>
           <a:xfrm>
-            <a:off x="1309581" y="3203114"/>
+            <a:off x="490882" y="3203114"/>
             <a:ext cx="1265275" cy="587393"/>
           </a:xfrm>
           <a:prstGeom prst="roundRect">
@@ -6774,7 +6786,7 @@
         </p:nvCxnSpPr>
         <p:spPr>
           <a:xfrm>
-            <a:off x="2574856" y="3496811"/>
+            <a:off x="1756157" y="3496811"/>
             <a:ext cx="841746" cy="1356"/>
           </a:xfrm>
           <a:prstGeom prst="bentConnector3">
@@ -6807,7 +6819,7 @@
         </p:nvSpPr>
         <p:spPr>
           <a:xfrm>
-            <a:off x="1461981" y="3355514"/>
+            <a:off x="643282" y="3355514"/>
             <a:ext cx="1265275" cy="587393"/>
           </a:xfrm>
           <a:prstGeom prst="roundRect">
@@ -6852,7 +6864,7 @@
         </p:nvCxnSpPr>
         <p:spPr>
           <a:xfrm flipV="1">
-            <a:off x="4377959" y="2407975"/>
+            <a:off x="3559260" y="2407975"/>
             <a:ext cx="1889934" cy="866261"/>
           </a:xfrm>
           <a:prstGeom prst="bentConnector3">
@@ -6882,7 +6894,7 @@
         </p:nvGrpSpPr>
         <p:grpSpPr>
           <a:xfrm>
-            <a:off x="3708105" y="3161840"/>
+            <a:off x="2889406" y="3161840"/>
             <a:ext cx="669854" cy="219542"/>
             <a:chOff x="3703676" y="2990699"/>
             <a:chExt cx="669854" cy="307024"/>
@@ -7014,7 +7026,7 @@
         </p:nvCxnSpPr>
         <p:spPr>
           <a:xfrm rot="5400000" flipH="1" flipV="1">
-            <a:off x="6310569" y="392206"/>
+            <a:off x="5491870" y="392206"/>
             <a:ext cx="499882" cy="5039386"/>
           </a:xfrm>
           <a:prstGeom prst="bentConnector3">
@@ -7041,6 +7053,112 @@
           </a:fontRef>
         </p:style>
       </p:cxnSp>
+      <p:sp>
+        <p:nvSpPr>
+          <p:cNvPr id="35" name="Rounded Rectangle 34"/>
+          <p:cNvSpPr/>
+          <p:nvPr/>
+        </p:nvSpPr>
+        <p:spPr>
+          <a:xfrm>
+            <a:off x="9861707" y="2407975"/>
+            <a:ext cx="1887267" cy="2774354"/>
+          </a:xfrm>
+          <a:prstGeom prst="roundRect">
+            <a:avLst/>
+          </a:prstGeom>
+        </p:spPr>
+        <p:style>
+          <a:lnRef idx="1">
+            <a:schemeClr val="accent5"/>
+          </a:lnRef>
+          <a:fillRef idx="2">
+            <a:schemeClr val="accent5"/>
+          </a:fillRef>
+          <a:effectRef idx="1">
+            <a:schemeClr val="accent5"/>
+          </a:effectRef>
+          <a:fontRef idx="minor">
+            <a:schemeClr val="dk1"/>
+          </a:fontRef>
+        </p:style>
+        <p:txBody>
+          <a:bodyPr rtlCol="0" anchor="ctr"/>
+          <a:lstStyle/>
+          <a:p>
+            <a:pPr algn="ctr"/>
+            <a:r>
+              <a:rPr lang="en-US" sz="1600" dirty="0" smtClean="0"/>
+              <a:t>System of Records Tier</a:t>
+            </a:r>
+            <a:endParaRPr lang="en-US" sz="1600" dirty="0"/>
+          </a:p>
+        </p:txBody>
+      </p:sp>
+      <p:sp>
+        <p:nvSpPr>
+          <p:cNvPr id="3" name="TextBox 2"/>
+          <p:cNvSpPr txBox="1"/>
+          <p:nvPr/>
+        </p:nvSpPr>
+        <p:spPr>
+          <a:xfrm>
+            <a:off x="2862674" y="5102933"/>
+            <a:ext cx="827471" cy="338554"/>
+          </a:xfrm>
+          <a:prstGeom prst="rect">
+            <a:avLst/>
+          </a:prstGeom>
+          <a:noFill/>
+        </p:spPr>
+        <p:txBody>
+          <a:bodyPr wrap="none" rtlCol="0">
+            <a:spAutoFit/>
+          </a:bodyPr>
+          <a:lstStyle/>
+          <a:p>
+            <a:r>
+              <a:rPr lang="en-US" sz="1600" smtClean="0"/>
+              <a:t>API Tier</a:t>
+            </a:r>
+            <a:endParaRPr lang="en-US" sz="1600"/>
+          </a:p>
+        </p:txBody>
+      </p:sp>
+      <p:sp>
+        <p:nvSpPr>
+          <p:cNvPr id="37" name="TextBox 36"/>
+          <p:cNvSpPr txBox="1"/>
+          <p:nvPr/>
+        </p:nvSpPr>
+        <p:spPr>
+          <a:xfrm>
+            <a:off x="8343765" y="1760005"/>
+            <a:ext cx="1702902" cy="338554"/>
+          </a:xfrm>
+          <a:prstGeom prst="rect">
+            <a:avLst/>
+          </a:prstGeom>
+          <a:noFill/>
+        </p:spPr>
+        <p:txBody>
+          <a:bodyPr wrap="none" rtlCol="0">
+            <a:spAutoFit/>
+          </a:bodyPr>
+          <a:lstStyle/>
+          <a:p>
+            <a:r>
+              <a:rPr lang="en-US" sz="1600" smtClean="0"/>
+              <a:t>Microservices</a:t>
+            </a:r>
+            <a:r>
+              <a:rPr lang="en-US" sz="1600" dirty="0" smtClean="0"/>
+              <a:t> Tier</a:t>
+            </a:r>
+            <a:endParaRPr lang="en-US" sz="1600" dirty="0"/>
+          </a:p>
+        </p:txBody>
+      </p:sp>
     </p:spTree>
     <p:extLst>
       <p:ext uri="{BB962C8B-B14F-4D97-AF65-F5344CB8AC3E}">
@@ -7091,11 +7209,11 @@
               <a:t>APIs vs </a:t>
             </a:r>
             <a:r>
-              <a:rPr lang="en-US" dirty="0"/>
+              <a:rPr lang="en-US" dirty="0" err="1"/>
               <a:t>m</a:t>
             </a:r>
             <a:r>
-              <a:rPr lang="en-US" dirty="0" smtClean="0"/>
+              <a:rPr lang="en-US" dirty="0" err="1" smtClean="0"/>
               <a:t>icroservices</a:t>
             </a:r>
             <a:endParaRPr lang="en-US" dirty="0"/>
@@ -7124,19 +7242,28 @@
               <a:t>APIs and </a:t>
             </a:r>
             <a:r>
-              <a:rPr lang="en-US" dirty="0"/>
+              <a:rPr lang="en-US" dirty="0" err="1"/>
               <a:t>m</a:t>
             </a:r>
             <a:r>
+              <a:rPr lang="en-US" dirty="0" err="1" smtClean="0"/>
+              <a:t>icroservices</a:t>
+            </a:r>
+            <a:r>
               <a:rPr lang="en-US" dirty="0" smtClean="0"/>
-              <a:t>icroservices are friends</a:t>
+              <a:t> are friends</a:t>
             </a:r>
           </a:p>
           <a:p>
             <a:r>
               <a:rPr lang="en-US" dirty="0" smtClean="0"/>
-              <a:t>APIs are the faces/facades/orchestrations of microservices</a:t>
-            </a:r>
+              <a:t>APIs are the faces/facades/orchestrations of </a:t>
+            </a:r>
+            <a:r>
+              <a:rPr lang="en-US" dirty="0" err="1" smtClean="0"/>
+              <a:t>microservices</a:t>
+            </a:r>
+            <a:endParaRPr lang="en-US" dirty="0" smtClean="0"/>
           </a:p>
           <a:p>
             <a:r>
@@ -7222,7 +7349,11 @@
           <a:p>
             <a:r>
               <a:rPr lang="en-US" dirty="0" smtClean="0"/>
-              <a:t>Key features/requirements for RPC between microservices</a:t>
+              <a:t>Key features/requirements for RPC between </a:t>
+            </a:r>
+            <a:r>
+              <a:rPr lang="en-US" dirty="0" err="1" smtClean="0"/>
+              <a:t>microservices</a:t>
             </a:r>
             <a:endParaRPr lang="en-US" dirty="0"/>
           </a:p>
@@ -7668,7 +7799,15 @@
           <a:p>
             <a:r>
               <a:rPr lang="en-US" dirty="0" smtClean="0"/>
-              <a:t>Let’s assume microservices speak </a:t>
+              <a:t>Let’s assume </a:t>
+            </a:r>
+            <a:r>
+              <a:rPr lang="en-US" dirty="0" err="1" smtClean="0"/>
+              <a:t>microservices</a:t>
+            </a:r>
+            <a:r>
+              <a:rPr lang="en-US" dirty="0" smtClean="0"/>
+              <a:t> speak </a:t>
             </a:r>
             <a:r>
               <a:rPr lang="en-US" dirty="0"/>
@@ -7690,14 +7829,30 @@
             <a:pPr lvl="1"/>
             <a:r>
               <a:rPr lang="en-US" dirty="0" smtClean="0"/>
-              <a:t>I should be able to connect to other microservices, regardless of the programming language</a:t>
+              <a:t>I should be able to connect to other </a:t>
+            </a:r>
+            <a:r>
+              <a:rPr lang="en-US" dirty="0" err="1" smtClean="0"/>
+              <a:t>microservices</a:t>
+            </a:r>
+            <a:r>
+              <a:rPr lang="en-US" dirty="0" smtClean="0"/>
+              <a:t>, regardless of the programming language</a:t>
             </a:r>
           </a:p>
           <a:p>
             <a:pPr lvl="1"/>
             <a:r>
               <a:rPr lang="en-US" dirty="0" smtClean="0"/>
-              <a:t>I should be able to expose LoopBack models as a microservice so that other microservices can interact with LoopBack apps</a:t>
+              <a:t>I should be able to expose LoopBack models as a microservice so that other </a:t>
+            </a:r>
+            <a:r>
+              <a:rPr lang="en-US" dirty="0" err="1" smtClean="0"/>
+              <a:t>microservices</a:t>
+            </a:r>
+            <a:r>
+              <a:rPr lang="en-US" dirty="0" smtClean="0"/>
+              <a:t> can interact with LoopBack apps</a:t>
             </a:r>
           </a:p>
           <a:p>
@@ -8469,7 +8624,11 @@
             <a:pPr algn="ctr"/>
             <a:r>
               <a:rPr lang="en-US" sz="1200" dirty="0" smtClean="0"/>
-              <a:t>gRPC microservices</a:t>
+              <a:t>gRPC </a:t>
+            </a:r>
+            <a:r>
+              <a:rPr lang="en-US" sz="1200" dirty="0" err="1" smtClean="0"/>
+              <a:t>microservices</a:t>
             </a:r>
             <a:endParaRPr lang="en-US" sz="1200" dirty="0"/>
           </a:p>

--- a/Polyglot Microservices.pptx
+++ b/Polyglot Microservices.pptx
@@ -5432,6 +5432,148 @@
           </a:fontRef>
         </p:style>
       </p:cxnSp>
+      <p:sp>
+        <p:nvSpPr>
+          <p:cNvPr id="3" name="Rectangle 2"/>
+          <p:cNvSpPr/>
+          <p:nvPr/>
+        </p:nvSpPr>
+        <p:spPr>
+          <a:xfrm>
+            <a:off x="6183103" y="5985926"/>
+            <a:ext cx="1704201" cy="499730"/>
+          </a:xfrm>
+          <a:prstGeom prst="rect">
+            <a:avLst/>
+          </a:prstGeom>
+          <a:ln>
+            <a:prstDash val="solid"/>
+          </a:ln>
+        </p:spPr>
+        <p:style>
+          <a:lnRef idx="1">
+            <a:schemeClr val="accent1"/>
+          </a:lnRef>
+          <a:fillRef idx="2">
+            <a:schemeClr val="accent1"/>
+          </a:fillRef>
+          <a:effectRef idx="1">
+            <a:schemeClr val="accent1"/>
+          </a:effectRef>
+          <a:fontRef idx="minor">
+            <a:schemeClr val="dk1"/>
+          </a:fontRef>
+        </p:style>
+        <p:txBody>
+          <a:bodyPr rtlCol="0" anchor="ctr"/>
+          <a:lstStyle/>
+          <a:p>
+            <a:pPr algn="ctr"/>
+            <a:r>
+              <a:rPr lang="en-US" sz="1400" dirty="0" smtClean="0"/>
+              <a:t>open zipkin</a:t>
+            </a:r>
+          </a:p>
+          <a:p>
+            <a:pPr algn="ctr"/>
+            <a:r>
+              <a:rPr lang="en-US" sz="1400" dirty="0" smtClean="0"/>
+              <a:t>(distributed tracing)</a:t>
+            </a:r>
+            <a:endParaRPr lang="en-US" sz="1400" dirty="0"/>
+          </a:p>
+        </p:txBody>
+      </p:sp>
+      <p:sp>
+        <p:nvSpPr>
+          <p:cNvPr id="28" name="Rectangle 27"/>
+          <p:cNvSpPr/>
+          <p:nvPr/>
+        </p:nvSpPr>
+        <p:spPr>
+          <a:xfrm>
+            <a:off x="4529469" y="6001855"/>
+            <a:ext cx="1398031" cy="499730"/>
+          </a:xfrm>
+          <a:prstGeom prst="rect">
+            <a:avLst/>
+          </a:prstGeom>
+          <a:ln>
+            <a:prstDash val="dash"/>
+          </a:ln>
+        </p:spPr>
+        <p:style>
+          <a:lnRef idx="1">
+            <a:schemeClr val="accent1"/>
+          </a:lnRef>
+          <a:fillRef idx="2">
+            <a:schemeClr val="accent1"/>
+          </a:fillRef>
+          <a:effectRef idx="1">
+            <a:schemeClr val="accent1"/>
+          </a:effectRef>
+          <a:fontRef idx="minor">
+            <a:schemeClr val="dk1"/>
+          </a:fontRef>
+        </p:style>
+        <p:txBody>
+          <a:bodyPr rtlCol="0" anchor="ctr"/>
+          <a:lstStyle/>
+          <a:p>
+            <a:pPr algn="ctr"/>
+            <a:r>
+              <a:rPr lang="en-US" sz="1400" dirty="0" smtClean="0"/>
+              <a:t>service registry</a:t>
+            </a:r>
+            <a:endParaRPr lang="en-US" sz="1400" dirty="0"/>
+          </a:p>
+        </p:txBody>
+      </p:sp>
+      <p:sp>
+        <p:nvSpPr>
+          <p:cNvPr id="29" name="Rectangle 28"/>
+          <p:cNvSpPr/>
+          <p:nvPr/>
+        </p:nvSpPr>
+        <p:spPr>
+          <a:xfrm>
+            <a:off x="2875835" y="6001855"/>
+            <a:ext cx="1398031" cy="499730"/>
+          </a:xfrm>
+          <a:prstGeom prst="rect">
+            <a:avLst/>
+          </a:prstGeom>
+          <a:ln>
+            <a:prstDash val="dash"/>
+          </a:ln>
+        </p:spPr>
+        <p:style>
+          <a:lnRef idx="1">
+            <a:schemeClr val="accent1"/>
+          </a:lnRef>
+          <a:fillRef idx="2">
+            <a:schemeClr val="accent1"/>
+          </a:fillRef>
+          <a:effectRef idx="1">
+            <a:schemeClr val="accent1"/>
+          </a:effectRef>
+          <a:fontRef idx="minor">
+            <a:schemeClr val="dk1"/>
+          </a:fontRef>
+        </p:style>
+        <p:txBody>
+          <a:bodyPr rtlCol="0" anchor="ctr"/>
+          <a:lstStyle/>
+          <a:p>
+            <a:pPr algn="ctr"/>
+            <a:r>
+              <a:rPr lang="en-US" sz="1400" dirty="0" smtClean="0"/>
+              <a:t>auth</a:t>
+            </a:r>
+            <a:endParaRPr lang="en-US" sz="1400" dirty="0"/>
+          </a:p>
+        </p:txBody>
+      </p:sp>
     </p:spTree>
     <p:extLst>
       <p:ext uri="{BB962C8B-B14F-4D97-AF65-F5344CB8AC3E}">
@@ -5561,13 +5703,8 @@
             <a:pPr lvl="1"/>
             <a:r>
               <a:rPr lang="en-US" dirty="0" smtClean="0"/>
-              <a:t>Agree on the RPC framework for </a:t>
-            </a:r>
-            <a:r>
-              <a:rPr lang="en-US" dirty="0" err="1" smtClean="0"/>
-              <a:t>microservices</a:t>
-            </a:r>
-            <a:endParaRPr lang="en-US" dirty="0" smtClean="0"/>
+              <a:t>Agree on the RPC framework for microservices</a:t>
+            </a:r>
           </a:p>
           <a:p>
             <a:pPr lvl="1"/>
@@ -5587,13 +5724,8 @@
             <a:pPr lvl="1"/>
             <a:r>
               <a:rPr lang="en-US" dirty="0" smtClean="0"/>
-              <a:t>Fully implement a sample scenario consisting of polyglot </a:t>
-            </a:r>
-            <a:r>
-              <a:rPr lang="en-US" dirty="0" err="1" smtClean="0"/>
-              <a:t>microservices</a:t>
-            </a:r>
-            <a:endParaRPr lang="en-US" dirty="0" smtClean="0"/>
+              <a:t>Fully implement a sample scenario consisting of polyglot microservices</a:t>
+            </a:r>
           </a:p>
           <a:p>
             <a:pPr lvl="1"/>
@@ -7148,12 +7280,8 @@
           <a:lstStyle/>
           <a:p>
             <a:r>
-              <a:rPr lang="en-US" sz="1600" smtClean="0"/>
-              <a:t>Microservices</a:t>
-            </a:r>
-            <a:r>
               <a:rPr lang="en-US" sz="1600" dirty="0" smtClean="0"/>
-              <a:t> Tier</a:t>
+              <a:t>Microservices Tier</a:t>
             </a:r>
             <a:endParaRPr lang="en-US" sz="1600" dirty="0"/>
           </a:p>
@@ -7206,14 +7334,18 @@
           <a:p>
             <a:r>
               <a:rPr lang="en-US" dirty="0" smtClean="0"/>
-              <a:t>APIs vs </a:t>
-            </a:r>
-            <a:r>
-              <a:rPr lang="en-US" dirty="0" err="1"/>
-              <a:t>m</a:t>
-            </a:r>
-            <a:r>
-              <a:rPr lang="en-US" dirty="0" err="1" smtClean="0"/>
+              <a:t>APIs </a:t>
+            </a:r>
+            <a:r>
+              <a:rPr lang="en-US" dirty="0" smtClean="0"/>
+              <a:t>and </a:t>
+            </a:r>
+            <a:r>
+              <a:rPr lang="en-US" dirty="0" smtClean="0"/>
+              <a:t>M</a:t>
+            </a:r>
+            <a:r>
+              <a:rPr lang="en-US" dirty="0" smtClean="0"/>
               <a:t>icroservices</a:t>
             </a:r>
             <a:endParaRPr lang="en-US" dirty="0"/>
@@ -7230,10 +7362,15 @@
             <p:ph idx="1"/>
           </p:nvPr>
         </p:nvSpPr>
-        <p:spPr/>
+        <p:spPr>
+          <a:xfrm>
+            <a:off x="838200" y="1825625"/>
+            <a:ext cx="7040523" cy="4351338"/>
+          </a:xfrm>
+        </p:spPr>
         <p:txBody>
           <a:bodyPr>
-            <a:normAutofit/>
+            <a:normAutofit fontScale="85000" lnSpcReduction="20000"/>
           </a:bodyPr>
           <a:lstStyle/>
           <a:p>
@@ -7242,51 +7379,84 @@
               <a:t>APIs and </a:t>
             </a:r>
             <a:r>
-              <a:rPr lang="en-US" dirty="0" err="1"/>
-              <a:t>m</a:t>
+              <a:rPr lang="en-US" dirty="0"/>
+              <a:t>M</a:t>
+            </a:r>
+            <a:r>
+              <a:rPr lang="en-US" dirty="0" smtClean="0"/>
+              <a:t>icroservices </a:t>
+            </a:r>
+            <a:r>
+              <a:rPr lang="en-US" dirty="0" smtClean="0"/>
+              <a:t>are </a:t>
+            </a:r>
+            <a:r>
+              <a:rPr lang="en-US" dirty="0" smtClean="0"/>
+              <a:t>Yin/Yang of modern web applications</a:t>
+            </a:r>
+            <a:endParaRPr lang="en-US" dirty="0" smtClean="0"/>
+          </a:p>
+          <a:p>
+            <a:r>
+              <a:rPr lang="en-US" dirty="0" smtClean="0"/>
+              <a:t>APIs should be created as composition of microservices</a:t>
+            </a:r>
+          </a:p>
+          <a:p>
+            <a:r>
+              <a:rPr lang="en-US" dirty="0" smtClean="0"/>
+              <a:t>APIs </a:t>
+            </a:r>
+            <a:r>
+              <a:rPr lang="en-US" dirty="0" smtClean="0">
+                <a:sym typeface="Wingdings"/>
+              </a:rPr>
+              <a:t>-&gt; </a:t>
+            </a:r>
+            <a:r>
+              <a:rPr lang="en-US" dirty="0" smtClean="0"/>
+              <a:t>REST/HTTP/JSON</a:t>
+            </a:r>
+          </a:p>
+          <a:p>
+            <a:r>
+              <a:rPr lang="en-US" dirty="0" smtClean="0"/>
+              <a:t>Microservices -&gt; REST|RPC/TCP|HTTP2/</a:t>
             </a:r>
             <a:r>
               <a:rPr lang="en-US" dirty="0" err="1" smtClean="0"/>
-              <a:t>icroservices</a:t>
-            </a:r>
+              <a:t>Binary|JSON</a:t>
+            </a:r>
+            <a:endParaRPr lang="en-US" dirty="0">
+              <a:hlinkClick r:id="rId2"/>
+            </a:endParaRPr>
+          </a:p>
+          <a:p>
             <a:r>
               <a:rPr lang="en-US" dirty="0" smtClean="0"/>
-              <a:t> are friends</a:t>
-            </a:r>
-          </a:p>
-          <a:p>
+              <a:t>Reference architectures</a:t>
+            </a:r>
+          </a:p>
+          <a:p>
+            <a:pPr lvl="1"/>
             <a:r>
               <a:rPr lang="en-US" dirty="0" smtClean="0"/>
-              <a:t>APIs are the faces/facades/orchestrations of </a:t>
-            </a:r>
-            <a:r>
-              <a:rPr lang="en-US" dirty="0" err="1" smtClean="0"/>
-              <a:t>microservices</a:t>
-            </a:r>
-            <a:endParaRPr lang="en-US" dirty="0" smtClean="0"/>
-          </a:p>
-          <a:p>
-            <a:r>
-              <a:rPr lang="en-US" dirty="0" smtClean="0"/>
-              <a:t>Microservices are representation/delegation of system of records</a:t>
-            </a:r>
-            <a:endParaRPr lang="en-US" dirty="0"/>
-          </a:p>
-          <a:p>
-            <a:endParaRPr lang="en-US" dirty="0" smtClean="0"/>
-          </a:p>
-          <a:p>
-            <a:endParaRPr lang="en-US" dirty="0"/>
-          </a:p>
-          <a:p>
-            <a:endParaRPr lang="en-US" dirty="0" smtClean="0"/>
-          </a:p>
-          <a:p>
+              <a:t>Netflix</a:t>
+            </a:r>
+          </a:p>
+          <a:p>
+            <a:pPr lvl="2"/>
+            <a:r>
+              <a:rPr lang="en-US" dirty="0" smtClean="0">
+                <a:hlinkClick r:id="rId2"/>
+              </a:rPr>
+              <a:t>http</a:t>
+            </a:r>
             <a:r>
               <a:rPr lang="en-US" dirty="0">
                 <a:hlinkClick r:id="rId2"/>
               </a:rPr>
-              <a:t>http://</a:t>
+              <a:t>://</a:t>
             </a:r>
             <a:r>
               <a:rPr lang="en-US" dirty="0" smtClean="0">
@@ -7298,10 +7468,232 @@
               <a:rPr lang="en-US" dirty="0" smtClean="0"/>
               <a:t> </a:t>
             </a:r>
+            <a:endParaRPr lang="en-US" dirty="0" smtClean="0"/>
+          </a:p>
+          <a:p>
+            <a:pPr lvl="1"/>
+            <a:r>
+              <a:rPr lang="en-US" dirty="0" smtClean="0"/>
+              <a:t>Uber</a:t>
+            </a:r>
+          </a:p>
+          <a:p>
+            <a:pPr lvl="2"/>
+            <a:r>
+              <a:rPr lang="en-US" dirty="0">
+                <a:hlinkClick r:id="rId3"/>
+              </a:rPr>
+              <a:t>https://eng.uber.com/tech-stack-part-one</a:t>
+            </a:r>
+            <a:r>
+              <a:rPr lang="en-US" dirty="0" smtClean="0">
+                <a:hlinkClick r:id="rId3"/>
+              </a:rPr>
+              <a:t>/</a:t>
+            </a:r>
+            <a:r>
+              <a:rPr lang="en-US" dirty="0" smtClean="0"/>
+              <a:t> </a:t>
+            </a:r>
+          </a:p>
+          <a:p>
+            <a:pPr lvl="2"/>
+            <a:r>
+              <a:rPr lang="en-US" dirty="0" smtClean="0">
+                <a:hlinkClick r:id="rId4"/>
+              </a:rPr>
+              <a:t>https</a:t>
+            </a:r>
+            <a:r>
+              <a:rPr lang="en-US" dirty="0">
+                <a:hlinkClick r:id="rId4"/>
+              </a:rPr>
+              <a:t>://eng.uber.com/soa</a:t>
+            </a:r>
+            <a:r>
+              <a:rPr lang="en-US" dirty="0" smtClean="0">
+                <a:hlinkClick r:id="rId4"/>
+              </a:rPr>
+              <a:t>/</a:t>
+            </a:r>
+            <a:r>
+              <a:rPr lang="en-US" dirty="0" smtClean="0"/>
+              <a:t> </a:t>
+            </a:r>
+          </a:p>
+          <a:p>
+            <a:pPr lvl="2"/>
+            <a:r>
+              <a:rPr lang="en-US" dirty="0">
+                <a:hlinkClick r:id="rId5"/>
+              </a:rPr>
+              <a:t>https://eng.uber.com/building-tincup</a:t>
+            </a:r>
+            <a:r>
+              <a:rPr lang="en-US" dirty="0" smtClean="0">
+                <a:hlinkClick r:id="rId5"/>
+              </a:rPr>
+              <a:t>/</a:t>
+            </a:r>
+            <a:r>
+              <a:rPr lang="en-US" dirty="0" smtClean="0"/>
+              <a:t> </a:t>
+            </a:r>
             <a:endParaRPr lang="en-US" dirty="0"/>
           </a:p>
         </p:txBody>
       </p:sp>
+      <p:grpSp>
+        <p:nvGrpSpPr>
+          <p:cNvPr id="9" name="Group 8"/>
+          <p:cNvGrpSpPr/>
+          <p:nvPr/>
+        </p:nvGrpSpPr>
+        <p:grpSpPr>
+          <a:xfrm>
+            <a:off x="6932329" y="1959843"/>
+            <a:ext cx="4724976" cy="2041451"/>
+            <a:chOff x="3657502" y="2502269"/>
+            <a:chExt cx="4724976" cy="2041451"/>
+          </a:xfrm>
+        </p:grpSpPr>
+        <p:pic>
+          <p:nvPicPr>
+            <p:cNvPr id="6" name="Picture 5"/>
+            <p:cNvPicPr>
+              <a:picLocks noChangeAspect="1"/>
+            </p:cNvPicPr>
+            <p:nvPr/>
+          </p:nvPicPr>
+          <p:blipFill>
+            <a:blip r:embed="rId6">
+              <a:extLst>
+                <a:ext uri="{28A0092B-C50C-407E-A947-70E740481C1C}">
+                  <a14:useLocalDpi xmlns:a14="http://schemas.microsoft.com/office/drawing/2010/main" val="0"/>
+                </a:ext>
+              </a:extLst>
+            </a:blip>
+            <a:stretch>
+              <a:fillRect/>
+            </a:stretch>
+          </p:blipFill>
+          <p:spPr>
+            <a:xfrm>
+              <a:off x="4433775" y="2502269"/>
+              <a:ext cx="2041451" cy="2041451"/>
+            </a:xfrm>
+            <a:prstGeom prst="rect">
+              <a:avLst/>
+            </a:prstGeom>
+          </p:spPr>
+        </p:pic>
+        <p:sp>
+          <p:nvSpPr>
+            <p:cNvPr id="7" name="TextBox 6"/>
+            <p:cNvSpPr txBox="1"/>
+            <p:nvPr/>
+          </p:nvSpPr>
+          <p:spPr>
+            <a:xfrm>
+              <a:off x="5736113" y="3599769"/>
+              <a:ext cx="2646365" cy="584775"/>
+            </a:xfrm>
+            <a:prstGeom prst="rect">
+              <a:avLst/>
+            </a:prstGeom>
+          </p:spPr>
+          <p:style>
+            <a:lnRef idx="3">
+              <a:schemeClr val="lt1"/>
+            </a:lnRef>
+            <a:fillRef idx="1">
+              <a:schemeClr val="accent5"/>
+            </a:fillRef>
+            <a:effectRef idx="1">
+              <a:schemeClr val="accent5"/>
+            </a:effectRef>
+            <a:fontRef idx="minor">
+              <a:schemeClr val="lt1"/>
+            </a:fontRef>
+          </p:style>
+          <p:txBody>
+            <a:bodyPr wrap="none" rtlCol="0">
+              <a:spAutoFit/>
+            </a:bodyPr>
+            <a:lstStyle/>
+            <a:p>
+              <a:r>
+                <a:rPr lang="en-US" sz="1600" dirty="0" smtClean="0"/>
+                <a:t>Microservices</a:t>
+              </a:r>
+            </a:p>
+            <a:p>
+              <a:r>
+                <a:rPr lang="en-US" sz="1600" dirty="0" smtClean="0"/>
+                <a:t>(autonomous </a:t>
+              </a:r>
+              <a:r>
+                <a:rPr lang="en-US" sz="1600" dirty="0"/>
+                <a:t>building </a:t>
+              </a:r>
+              <a:r>
+                <a:rPr lang="en-US" sz="1600" dirty="0" smtClean="0"/>
+                <a:t>blocks)</a:t>
+              </a:r>
+              <a:endParaRPr lang="en-US" sz="1600" dirty="0"/>
+            </a:p>
+          </p:txBody>
+        </p:sp>
+        <p:sp>
+          <p:nvSpPr>
+            <p:cNvPr id="8" name="TextBox 7"/>
+            <p:cNvSpPr txBox="1"/>
+            <p:nvPr/>
+          </p:nvSpPr>
+          <p:spPr>
+            <a:xfrm>
+              <a:off x="3657502" y="2953438"/>
+              <a:ext cx="1283621" cy="584775"/>
+            </a:xfrm>
+            <a:prstGeom prst="rect">
+              <a:avLst/>
+            </a:prstGeom>
+          </p:spPr>
+          <p:style>
+            <a:lnRef idx="3">
+              <a:schemeClr val="lt1"/>
+            </a:lnRef>
+            <a:fillRef idx="1">
+              <a:schemeClr val="accent6"/>
+            </a:fillRef>
+            <a:effectRef idx="1">
+              <a:schemeClr val="accent6"/>
+            </a:effectRef>
+            <a:fontRef idx="minor">
+              <a:schemeClr val="lt1"/>
+            </a:fontRef>
+          </p:style>
+          <p:txBody>
+            <a:bodyPr wrap="none" rtlCol="0">
+              <a:spAutoFit/>
+            </a:bodyPr>
+            <a:lstStyle/>
+            <a:p>
+              <a:r>
+                <a:rPr lang="en-US" sz="1600" dirty="0" smtClean="0"/>
+                <a:t>APIs</a:t>
+              </a:r>
+            </a:p>
+            <a:p>
+              <a:r>
+                <a:rPr lang="en-US" sz="1600" dirty="0" smtClean="0"/>
+                <a:t>(public faces)</a:t>
+              </a:r>
+              <a:endParaRPr lang="en-US" sz="1600" dirty="0"/>
+            </a:p>
+          </p:txBody>
+        </p:sp>
+      </p:grpSp>
     </p:spTree>
     <p:extLst>
       <p:ext uri="{BB962C8B-B14F-4D97-AF65-F5344CB8AC3E}">
@@ -7349,11 +7741,15 @@
           <a:p>
             <a:r>
               <a:rPr lang="en-US" dirty="0" smtClean="0"/>
-              <a:t>Key features/requirements for RPC between </a:t>
-            </a:r>
-            <a:r>
-              <a:rPr lang="en-US" dirty="0" err="1" smtClean="0"/>
-              <a:t>microservices</a:t>
+              <a:t>Key </a:t>
+            </a:r>
+            <a:r>
+              <a:rPr lang="en-US" dirty="0" smtClean="0"/>
+              <a:t>requirements </a:t>
+            </a:r>
+            <a:r>
+              <a:rPr lang="en-US" dirty="0" smtClean="0"/>
+              <a:t>for RPC between microservices</a:t>
             </a:r>
             <a:endParaRPr lang="en-US" dirty="0"/>
           </a:p>
@@ -7799,15 +8195,7 @@
           <a:p>
             <a:r>
               <a:rPr lang="en-US" dirty="0" smtClean="0"/>
-              <a:t>Let’s assume </a:t>
-            </a:r>
-            <a:r>
-              <a:rPr lang="en-US" dirty="0" err="1" smtClean="0"/>
-              <a:t>microservices</a:t>
-            </a:r>
-            <a:r>
-              <a:rPr lang="en-US" dirty="0" smtClean="0"/>
-              <a:t> speak </a:t>
+              <a:t>Let’s assume microservices speak </a:t>
             </a:r>
             <a:r>
               <a:rPr lang="en-US" dirty="0"/>
@@ -7829,30 +8217,14 @@
             <a:pPr lvl="1"/>
             <a:r>
               <a:rPr lang="en-US" dirty="0" smtClean="0"/>
-              <a:t>I should be able to connect to other </a:t>
-            </a:r>
-            <a:r>
-              <a:rPr lang="en-US" dirty="0" err="1" smtClean="0"/>
-              <a:t>microservices</a:t>
-            </a:r>
+              <a:t>I should be able to connect to other microservices, regardless of the programming language</a:t>
+            </a:r>
+          </a:p>
+          <a:p>
+            <a:pPr lvl="1"/>
             <a:r>
               <a:rPr lang="en-US" dirty="0" smtClean="0"/>
-              <a:t>, regardless of the programming language</a:t>
-            </a:r>
-          </a:p>
-          <a:p>
-            <a:pPr lvl="1"/>
-            <a:r>
-              <a:rPr lang="en-US" dirty="0" smtClean="0"/>
-              <a:t>I should be able to expose LoopBack models as a microservice so that other </a:t>
-            </a:r>
-            <a:r>
-              <a:rPr lang="en-US" dirty="0" err="1" smtClean="0"/>
-              <a:t>microservices</a:t>
-            </a:r>
-            <a:r>
-              <a:rPr lang="en-US" dirty="0" smtClean="0"/>
-              <a:t> can interact with LoopBack apps</a:t>
+              <a:t>I should be able to expose LoopBack models as a microservice so that other microservices can interact with LoopBack apps</a:t>
             </a:r>
           </a:p>
           <a:p>
@@ -8624,11 +8996,7 @@
             <a:pPr algn="ctr"/>
             <a:r>
               <a:rPr lang="en-US" sz="1200" dirty="0" smtClean="0"/>
-              <a:t>gRPC </a:t>
-            </a:r>
-            <a:r>
-              <a:rPr lang="en-US" sz="1200" dirty="0" err="1" smtClean="0"/>
-              <a:t>microservices</a:t>
+              <a:t>gRPC microservices</a:t>
             </a:r>
             <a:endParaRPr lang="en-US" sz="1200" dirty="0"/>
           </a:p>

--- a/Polyglot Microservices.pptx
+++ b/Polyglot Microservices.pptx
@@ -10,8 +10,8 @@
     <p:sldId id="265" r:id="rId4"/>
     <p:sldId id="258" r:id="rId5"/>
     <p:sldId id="259" r:id="rId6"/>
-    <p:sldId id="260" r:id="rId7"/>
-    <p:sldId id="266" r:id="rId8"/>
+    <p:sldId id="266" r:id="rId7"/>
+    <p:sldId id="260" r:id="rId8"/>
     <p:sldId id="264" r:id="rId9"/>
     <p:sldId id="261" r:id="rId10"/>
     <p:sldId id="263" r:id="rId11"/>
@@ -255,7 +255,7 @@
           <a:p>
             <a:fld id="{D3E90C50-6FBB-2247-BEF7-451AA7AB9405}" type="datetimeFigureOut">
               <a:rPr lang="en-US" smtClean="0"/>
-              <a:t>9/13/16</a:t>
+              <a:t>9/15/16</a:t>
             </a:fld>
             <a:endParaRPr lang="en-US"/>
           </a:p>
@@ -425,7 +425,7 @@
           <a:p>
             <a:fld id="{D3E90C50-6FBB-2247-BEF7-451AA7AB9405}" type="datetimeFigureOut">
               <a:rPr lang="en-US" smtClean="0"/>
-              <a:t>9/13/16</a:t>
+              <a:t>9/15/16</a:t>
             </a:fld>
             <a:endParaRPr lang="en-US"/>
           </a:p>
@@ -605,7 +605,7 @@
           <a:p>
             <a:fld id="{D3E90C50-6FBB-2247-BEF7-451AA7AB9405}" type="datetimeFigureOut">
               <a:rPr lang="en-US" smtClean="0"/>
-              <a:t>9/13/16</a:t>
+              <a:t>9/15/16</a:t>
             </a:fld>
             <a:endParaRPr lang="en-US"/>
           </a:p>
@@ -775,7 +775,7 @@
           <a:p>
             <a:fld id="{D3E90C50-6FBB-2247-BEF7-451AA7AB9405}" type="datetimeFigureOut">
               <a:rPr lang="en-US" smtClean="0"/>
-              <a:t>9/13/16</a:t>
+              <a:t>9/15/16</a:t>
             </a:fld>
             <a:endParaRPr lang="en-US"/>
           </a:p>
@@ -1021,7 +1021,7 @@
           <a:p>
             <a:fld id="{D3E90C50-6FBB-2247-BEF7-451AA7AB9405}" type="datetimeFigureOut">
               <a:rPr lang="en-US" smtClean="0"/>
-              <a:t>9/13/16</a:t>
+              <a:t>9/15/16</a:t>
             </a:fld>
             <a:endParaRPr lang="en-US"/>
           </a:p>
@@ -1253,7 +1253,7 @@
           <a:p>
             <a:fld id="{D3E90C50-6FBB-2247-BEF7-451AA7AB9405}" type="datetimeFigureOut">
               <a:rPr lang="en-US" smtClean="0"/>
-              <a:t>9/13/16</a:t>
+              <a:t>9/15/16</a:t>
             </a:fld>
             <a:endParaRPr lang="en-US"/>
           </a:p>
@@ -1620,7 +1620,7 @@
           <a:p>
             <a:fld id="{D3E90C50-6FBB-2247-BEF7-451AA7AB9405}" type="datetimeFigureOut">
               <a:rPr lang="en-US" smtClean="0"/>
-              <a:t>9/13/16</a:t>
+              <a:t>9/15/16</a:t>
             </a:fld>
             <a:endParaRPr lang="en-US"/>
           </a:p>
@@ -1738,7 +1738,7 @@
           <a:p>
             <a:fld id="{D3E90C50-6FBB-2247-BEF7-451AA7AB9405}" type="datetimeFigureOut">
               <a:rPr lang="en-US" smtClean="0"/>
-              <a:t>9/13/16</a:t>
+              <a:t>9/15/16</a:t>
             </a:fld>
             <a:endParaRPr lang="en-US"/>
           </a:p>
@@ -1833,7 +1833,7 @@
           <a:p>
             <a:fld id="{D3E90C50-6FBB-2247-BEF7-451AA7AB9405}" type="datetimeFigureOut">
               <a:rPr lang="en-US" smtClean="0"/>
-              <a:t>9/13/16</a:t>
+              <a:t>9/15/16</a:t>
             </a:fld>
             <a:endParaRPr lang="en-US"/>
           </a:p>
@@ -2110,7 +2110,7 @@
           <a:p>
             <a:fld id="{D3E90C50-6FBB-2247-BEF7-451AA7AB9405}" type="datetimeFigureOut">
               <a:rPr lang="en-US" smtClean="0"/>
-              <a:t>9/13/16</a:t>
+              <a:t>9/15/16</a:t>
             </a:fld>
             <a:endParaRPr lang="en-US"/>
           </a:p>
@@ -2363,7 +2363,7 @@
           <a:p>
             <a:fld id="{D3E90C50-6FBB-2247-BEF7-451AA7AB9405}" type="datetimeFigureOut">
               <a:rPr lang="en-US" smtClean="0"/>
-              <a:t>9/13/16</a:t>
+              <a:t>9/15/16</a:t>
             </a:fld>
             <a:endParaRPr lang="en-US"/>
           </a:p>
@@ -2576,7 +2576,7 @@
           <a:p>
             <a:fld id="{D3E90C50-6FBB-2247-BEF7-451AA7AB9405}" type="datetimeFigureOut">
               <a:rPr lang="en-US" smtClean="0"/>
-              <a:t>9/13/16</a:t>
+              <a:t>9/15/16</a:t>
             </a:fld>
             <a:endParaRPr lang="en-US"/>
           </a:p>
@@ -3001,12 +3001,12 @@
               <a:t>Polyglot </a:t>
             </a:r>
             <a:r>
-              <a:rPr lang="en-US" dirty="0" err="1" smtClean="0"/>
-              <a:t>MicroServices</a:t>
-            </a:r>
-            <a:r>
               <a:rPr lang="en-US" dirty="0" smtClean="0"/>
-              <a:t>/APIs with modern RPCs</a:t>
+              <a:t>Microservices/APIs </a:t>
+            </a:r>
+            <a:r>
+              <a:rPr lang="en-US" dirty="0" smtClean="0"/>
+              <a:t>with modern RPCs</a:t>
             </a:r>
             <a:endParaRPr lang="en-US" dirty="0"/>
           </a:p>
@@ -4410,8 +4410,12 @@
           <a:lstStyle/>
           <a:p>
             <a:r>
+              <a:rPr lang="en-US" dirty="0" err="1" smtClean="0"/>
+              <a:t>PoC</a:t>
+            </a:r>
+            <a:r>
               <a:rPr lang="en-US" dirty="0" smtClean="0"/>
-              <a:t>Demo</a:t>
+              <a:t> Demo</a:t>
             </a:r>
             <a:endParaRPr lang="en-US" dirty="0"/>
           </a:p>
@@ -5571,6 +5575,134 @@
               <a:t>auth</a:t>
             </a:r>
             <a:endParaRPr lang="en-US" sz="1400" dirty="0"/>
+          </a:p>
+        </p:txBody>
+      </p:sp>
+      <p:sp>
+        <p:nvSpPr>
+          <p:cNvPr id="31" name="Rounded Rectangle 30"/>
+          <p:cNvSpPr/>
+          <p:nvPr/>
+        </p:nvSpPr>
+        <p:spPr>
+          <a:xfrm>
+            <a:off x="9105013" y="2076014"/>
+            <a:ext cx="1158949" cy="813389"/>
+          </a:xfrm>
+          <a:prstGeom prst="roundRect">
+            <a:avLst/>
+          </a:prstGeom>
+          <a:solidFill>
+            <a:schemeClr val="accent6">
+              <a:lumMod val="40000"/>
+              <a:lumOff val="60000"/>
+            </a:schemeClr>
+          </a:solidFill>
+          <a:ln>
+            <a:prstDash val="dash"/>
+          </a:ln>
+        </p:spPr>
+        <p:style>
+          <a:lnRef idx="1">
+            <a:schemeClr val="accent3"/>
+          </a:lnRef>
+          <a:fillRef idx="2">
+            <a:schemeClr val="accent3"/>
+          </a:fillRef>
+          <a:effectRef idx="1">
+            <a:schemeClr val="accent3"/>
+          </a:effectRef>
+          <a:fontRef idx="minor">
+            <a:schemeClr val="dk1"/>
+          </a:fontRef>
+        </p:style>
+        <p:txBody>
+          <a:bodyPr rtlCol="0" anchor="ctr"/>
+          <a:lstStyle/>
+          <a:p>
+            <a:pPr algn="ctr"/>
+            <a:r>
+              <a:rPr lang="en-US" sz="1200" dirty="0" smtClean="0"/>
+              <a:t>Translation</a:t>
+            </a:r>
+            <a:endParaRPr lang="en-US" sz="1200" dirty="0" smtClean="0"/>
+          </a:p>
+          <a:p>
+            <a:pPr algn="ctr"/>
+            <a:r>
+              <a:rPr lang="en-US" sz="1200" dirty="0" smtClean="0"/>
+              <a:t>Service</a:t>
+            </a:r>
+          </a:p>
+          <a:p>
+            <a:pPr algn="ctr"/>
+            <a:r>
+              <a:rPr lang="en-US" sz="1200" dirty="0" smtClean="0"/>
+              <a:t>(</a:t>
+            </a:r>
+            <a:r>
+              <a:rPr lang="en-US" sz="1200" dirty="0" smtClean="0"/>
+              <a:t>gRPC/Swift - TBD)</a:t>
+            </a:r>
+            <a:endParaRPr lang="en-US" sz="1200" dirty="0"/>
+          </a:p>
+        </p:txBody>
+      </p:sp>
+      <p:sp>
+        <p:nvSpPr>
+          <p:cNvPr id="34" name="Rounded Rectangle 33"/>
+          <p:cNvSpPr/>
+          <p:nvPr/>
+        </p:nvSpPr>
+        <p:spPr>
+          <a:xfrm>
+            <a:off x="10419897" y="2046769"/>
+            <a:ext cx="1158949" cy="813389"/>
+          </a:xfrm>
+          <a:prstGeom prst="roundRect">
+            <a:avLst/>
+          </a:prstGeom>
+          <a:solidFill>
+            <a:schemeClr val="accent6">
+              <a:lumMod val="40000"/>
+              <a:lumOff val="60000"/>
+            </a:schemeClr>
+          </a:solidFill>
+          <a:ln>
+            <a:prstDash val="dash"/>
+          </a:ln>
+        </p:spPr>
+        <p:style>
+          <a:lnRef idx="1">
+            <a:schemeClr val="accent3"/>
+          </a:lnRef>
+          <a:fillRef idx="2">
+            <a:schemeClr val="accent3"/>
+          </a:fillRef>
+          <a:effectRef idx="1">
+            <a:schemeClr val="accent3"/>
+          </a:effectRef>
+          <a:fontRef idx="minor">
+            <a:schemeClr val="dk1"/>
+          </a:fontRef>
+        </p:style>
+        <p:txBody>
+          <a:bodyPr rtlCol="0" anchor="ctr"/>
+          <a:lstStyle/>
+          <a:p>
+            <a:pPr algn="ctr"/>
+            <a:r>
+              <a:rPr lang="en-US" sz="1200" dirty="0" smtClean="0"/>
+              <a:t>NLP</a:t>
+            </a:r>
+          </a:p>
+          <a:p>
+            <a:pPr algn="ctr"/>
+            <a:r>
+              <a:rPr lang="en-US" sz="1200" dirty="0" smtClean="0"/>
+              <a:t>(OpenWhisk action - TBD)</a:t>
+            </a:r>
+            <a:endParaRPr lang="en-US" sz="1200" dirty="0"/>
           </a:p>
         </p:txBody>
       </p:sp>
@@ -5703,8 +5835,13 @@
             <a:pPr lvl="1"/>
             <a:r>
               <a:rPr lang="en-US" dirty="0" smtClean="0"/>
-              <a:t>Agree on the RPC framework for microservices</a:t>
-            </a:r>
+              <a:t>Agree on the RPC framework for </a:t>
+            </a:r>
+            <a:r>
+              <a:rPr lang="en-US" dirty="0" err="1" smtClean="0"/>
+              <a:t>microservices</a:t>
+            </a:r>
+            <a:endParaRPr lang="en-US" dirty="0" smtClean="0"/>
           </a:p>
           <a:p>
             <a:pPr lvl="1"/>
@@ -5724,8 +5861,13 @@
             <a:pPr lvl="1"/>
             <a:r>
               <a:rPr lang="en-US" dirty="0" smtClean="0"/>
-              <a:t>Fully implement a sample scenario consisting of polyglot microservices</a:t>
-            </a:r>
+              <a:t>Fully implement a sample scenario consisting of polyglot </a:t>
+            </a:r>
+            <a:r>
+              <a:rPr lang="en-US" dirty="0" err="1" smtClean="0"/>
+              <a:t>microservices</a:t>
+            </a:r>
+            <a:endParaRPr lang="en-US" dirty="0" smtClean="0"/>
           </a:p>
           <a:p>
             <a:pPr lvl="1"/>
@@ -7334,19 +7476,7 @@
           <a:p>
             <a:r>
               <a:rPr lang="en-US" dirty="0" smtClean="0"/>
-              <a:t>APIs </a:t>
-            </a:r>
-            <a:r>
-              <a:rPr lang="en-US" dirty="0" smtClean="0"/>
-              <a:t>and </a:t>
-            </a:r>
-            <a:r>
-              <a:rPr lang="en-US" dirty="0" smtClean="0"/>
-              <a:t>M</a:t>
-            </a:r>
-            <a:r>
-              <a:rPr lang="en-US" dirty="0" smtClean="0"/>
-              <a:t>icroservices</a:t>
+              <a:t>APIs and Microservices</a:t>
             </a:r>
             <a:endParaRPr lang="en-US" dirty="0"/>
           </a:p>
@@ -7384,23 +7514,19 @@
             </a:r>
             <a:r>
               <a:rPr lang="en-US" dirty="0" smtClean="0"/>
-              <a:t>icroservices </a:t>
-            </a:r>
+              <a:t>icroservices are Yin/Yang of modern web applications</a:t>
+            </a:r>
+          </a:p>
+          <a:p>
             <a:r>
               <a:rPr lang="en-US" dirty="0" smtClean="0"/>
-              <a:t>are </a:t>
-            </a:r>
-            <a:r>
-              <a:rPr lang="en-US" dirty="0" smtClean="0"/>
-              <a:t>Yin/Yang of modern web applications</a:t>
+              <a:t>APIs should be created as composition of </a:t>
+            </a:r>
+            <a:r>
+              <a:rPr lang="en-US" dirty="0" err="1" smtClean="0"/>
+              <a:t>microservices</a:t>
             </a:r>
             <a:endParaRPr lang="en-US" dirty="0" smtClean="0"/>
-          </a:p>
-          <a:p>
-            <a:r>
-              <a:rPr lang="en-US" dirty="0" smtClean="0"/>
-              <a:t>APIs should be created as composition of microservices</a:t>
-            </a:r>
           </a:p>
           <a:p>
             <a:r>
@@ -7468,7 +7594,6 @@
               <a:rPr lang="en-US" dirty="0" smtClean="0"/>
               <a:t> </a:t>
             </a:r>
-            <a:endParaRPr lang="en-US" dirty="0" smtClean="0"/>
           </a:p>
           <a:p>
             <a:pPr lvl="1"/>
@@ -7741,15 +7866,11 @@
           <a:p>
             <a:r>
               <a:rPr lang="en-US" dirty="0" smtClean="0"/>
-              <a:t>Key </a:t>
-            </a:r>
-            <a:r>
-              <a:rPr lang="en-US" dirty="0" smtClean="0"/>
-              <a:t>requirements </a:t>
-            </a:r>
-            <a:r>
-              <a:rPr lang="en-US" dirty="0" smtClean="0"/>
-              <a:t>for RPC between microservices</a:t>
+              <a:t>Key requirements for RPC between </a:t>
+            </a:r>
+            <a:r>
+              <a:rPr lang="en-US" dirty="0" err="1" smtClean="0"/>
+              <a:t>microservices</a:t>
             </a:r>
             <a:endParaRPr lang="en-US" dirty="0"/>
           </a:p>
@@ -8048,7 +8169,7 @@
           <a:p>
             <a:r>
               <a:rPr lang="en-US" dirty="0" smtClean="0"/>
-              <a:t>Possible paths</a:t>
+              <a:t>User experience</a:t>
             </a:r>
             <a:endParaRPr lang="en-US" dirty="0"/>
           </a:p>
@@ -8071,56 +8192,84 @@
           <a:p>
             <a:r>
               <a:rPr lang="en-US" dirty="0" smtClean="0"/>
-              <a:t>Start with API design using Swagger</a:t>
-            </a:r>
-          </a:p>
-          <a:p>
+              <a:t>Let’s assume </a:t>
+            </a:r>
+            <a:r>
+              <a:rPr lang="en-US" dirty="0" err="1" smtClean="0"/>
+              <a:t>microservices</a:t>
+            </a:r>
             <a:r>
               <a:rPr lang="en-US" dirty="0" smtClean="0"/>
-              <a:t>Generate </a:t>
+              <a:t> speak </a:t>
+            </a:r>
+            <a:r>
+              <a:rPr lang="en-US" dirty="0"/>
+              <a:t>g</a:t>
+            </a:r>
+            <a:r>
+              <a:rPr lang="en-US" dirty="0" smtClean="0"/>
+              <a:t>RPC and APIs use REST.</a:t>
+            </a:r>
+          </a:p>
+          <a:p>
+            <a:r>
+              <a:rPr lang="en-US" dirty="0" smtClean="0"/>
+              <a:t>As a LoopBack user</a:t>
+            </a:r>
+            <a:endParaRPr lang="en-US" dirty="0"/>
+          </a:p>
+          <a:p>
+            <a:pPr lvl="1"/>
+            <a:r>
+              <a:rPr lang="en-US" dirty="0" smtClean="0"/>
+              <a:t>I should be able to connect to other </a:t>
             </a:r>
             <a:r>
               <a:rPr lang="en-US" dirty="0" err="1" smtClean="0"/>
-              <a:t>gPRC</a:t>
+              <a:t>microservices</a:t>
             </a:r>
             <a:r>
               <a:rPr lang="en-US" dirty="0" smtClean="0"/>
-              <a:t> service/message definition from Swagger</a:t>
-            </a:r>
-          </a:p>
-          <a:p>
+              <a:t>, regardless of the programming language</a:t>
+            </a:r>
+          </a:p>
+          <a:p>
+            <a:pPr lvl="1"/>
             <a:r>
               <a:rPr lang="en-US" dirty="0" smtClean="0"/>
-              <a:t>Generate stubs for Java/Swift/</a:t>
-            </a:r>
-            <a:r>
-              <a:rPr lang="is-IS" dirty="0" smtClean="0"/>
-              <a:t>…</a:t>
-            </a:r>
-          </a:p>
-          <a:p>
-            <a:r>
-              <a:rPr lang="is-IS" dirty="0" smtClean="0"/>
-              <a:t>Implement API logic in Java/Swift</a:t>
-            </a:r>
-          </a:p>
-          <a:p>
-            <a:endParaRPr lang="is-IS" dirty="0"/>
-          </a:p>
-          <a:p>
-            <a:r>
-              <a:rPr lang="is-IS" dirty="0" smtClean="0"/>
-              <a:t>Consume microservices using gRPC (loopback-connector-grpc)</a:t>
-            </a:r>
-          </a:p>
-          <a:p>
-            <a:r>
-              <a:rPr lang="is-IS" dirty="0" smtClean="0"/>
-              <a:t>Expose LoopBack remote methods over gRPC (strong-remoting-grpc)</a:t>
-            </a:r>
-            <a:endParaRPr lang="en-US" dirty="0" smtClean="0"/>
-          </a:p>
-          <a:p>
+              <a:t>I should be able to expose LoopBack models as a microservice so that other </a:t>
+            </a:r>
+            <a:r>
+              <a:rPr lang="en-US" dirty="0" err="1" smtClean="0"/>
+              <a:t>microservices</a:t>
+            </a:r>
+            <a:r>
+              <a:rPr lang="en-US" dirty="0" smtClean="0"/>
+              <a:t> can interact with LoopBack apps</a:t>
+            </a:r>
+          </a:p>
+          <a:p>
+            <a:r>
+              <a:rPr lang="en-US" dirty="0" smtClean="0"/>
+              <a:t>As an API Gateway user</a:t>
+            </a:r>
+          </a:p>
+          <a:p>
+            <a:pPr lvl="1"/>
+            <a:r>
+              <a:rPr lang="en-US" dirty="0" smtClean="0"/>
+              <a:t>I should be able to invoke a microservice to enforce a policy</a:t>
+            </a:r>
+          </a:p>
+          <a:p>
+            <a:pPr lvl="1"/>
+            <a:r>
+              <a:rPr lang="en-US" dirty="0" smtClean="0"/>
+              <a:t>I should be able to import a microservice as a public REST API</a:t>
+            </a:r>
+          </a:p>
+          <a:p>
+            <a:pPr lvl="1"/>
             <a:endParaRPr lang="en-US" dirty="0"/>
           </a:p>
         </p:txBody>
@@ -8128,7 +8277,7 @@
     </p:spTree>
     <p:extLst>
       <p:ext uri="{BB962C8B-B14F-4D97-AF65-F5344CB8AC3E}">
-        <p14:creationId xmlns:p14="http://schemas.microsoft.com/office/powerpoint/2010/main" val="144302484"/>
+        <p14:creationId xmlns:p14="http://schemas.microsoft.com/office/powerpoint/2010/main" val="1002203072"/>
       </p:ext>
     </p:extLst>
   </p:cSld>
@@ -8172,7 +8321,7 @@
           <a:p>
             <a:r>
               <a:rPr lang="en-US" dirty="0" smtClean="0"/>
-              <a:t>User experience</a:t>
+              <a:t>Possible paths</a:t>
             </a:r>
             <a:endParaRPr lang="en-US" dirty="0"/>
           </a:p>
@@ -8195,60 +8344,56 @@
           <a:p>
             <a:r>
               <a:rPr lang="en-US" dirty="0" smtClean="0"/>
-              <a:t>Let’s assume microservices speak </a:t>
-            </a:r>
-            <a:r>
-              <a:rPr lang="en-US" dirty="0"/>
-              <a:t>g</a:t>
-            </a:r>
+              <a:t>Start with API design using Swagger</a:t>
+            </a:r>
+          </a:p>
+          <a:p>
             <a:r>
               <a:rPr lang="en-US" dirty="0" smtClean="0"/>
-              <a:t>RPC and APIs use REST.</a:t>
-            </a:r>
-          </a:p>
-          <a:p>
+              <a:t>Generate </a:t>
+            </a:r>
+            <a:r>
+              <a:rPr lang="en-US" dirty="0" err="1" smtClean="0"/>
+              <a:t>gPRC</a:t>
+            </a:r>
             <a:r>
               <a:rPr lang="en-US" dirty="0" smtClean="0"/>
-              <a:t>As a LoopBack user</a:t>
-            </a:r>
-            <a:endParaRPr lang="en-US" dirty="0"/>
-          </a:p>
-          <a:p>
-            <a:pPr lvl="1"/>
+              <a:t> service/message definition from Swagger</a:t>
+            </a:r>
+          </a:p>
+          <a:p>
             <a:r>
               <a:rPr lang="en-US" dirty="0" smtClean="0"/>
-              <a:t>I should be able to connect to other microservices, regardless of the programming language</a:t>
-            </a:r>
-          </a:p>
-          <a:p>
-            <a:pPr lvl="1"/>
-            <a:r>
-              <a:rPr lang="en-US" dirty="0" smtClean="0"/>
-              <a:t>I should be able to expose LoopBack models as a microservice so that other microservices can interact with LoopBack apps</a:t>
-            </a:r>
-          </a:p>
-          <a:p>
-            <a:r>
-              <a:rPr lang="en-US" dirty="0" smtClean="0"/>
-              <a:t>As an API Gateway user</a:t>
-            </a:r>
-          </a:p>
-          <a:p>
-            <a:pPr lvl="1"/>
-            <a:r>
-              <a:rPr lang="en-US" dirty="0" smtClean="0"/>
-              <a:t>I should be able to invoke a microservice to enforce a policy</a:t>
-            </a:r>
-          </a:p>
-          <a:p>
-            <a:pPr lvl="1"/>
-            <a:r>
-              <a:rPr lang="en-US" dirty="0" smtClean="0"/>
-              <a:t>I should be able to import a microservice as a public REST API</a:t>
-            </a:r>
-          </a:p>
-          <a:p>
-            <a:pPr lvl="1"/>
+              <a:t>Generate stubs for Java/Swift/</a:t>
+            </a:r>
+            <a:r>
+              <a:rPr lang="is-IS" dirty="0" smtClean="0"/>
+              <a:t>…</a:t>
+            </a:r>
+          </a:p>
+          <a:p>
+            <a:r>
+              <a:rPr lang="is-IS" dirty="0" smtClean="0"/>
+              <a:t>Implement API logic in Java/Swift</a:t>
+            </a:r>
+          </a:p>
+          <a:p>
+            <a:endParaRPr lang="is-IS" dirty="0"/>
+          </a:p>
+          <a:p>
+            <a:r>
+              <a:rPr lang="is-IS" dirty="0" smtClean="0"/>
+              <a:t>Consume microservices using gRPC (loopback-connector-grpc)</a:t>
+            </a:r>
+          </a:p>
+          <a:p>
+            <a:r>
+              <a:rPr lang="is-IS" dirty="0" smtClean="0"/>
+              <a:t>Expose LoopBack remote methods over gRPC (strong-remoting-grpc)</a:t>
+            </a:r>
+            <a:endParaRPr lang="en-US" dirty="0" smtClean="0"/>
+          </a:p>
+          <a:p>
             <a:endParaRPr lang="en-US" dirty="0"/>
           </a:p>
         </p:txBody>
@@ -8256,7 +8401,7 @@
     </p:spTree>
     <p:extLst>
       <p:ext uri="{BB962C8B-B14F-4D97-AF65-F5344CB8AC3E}">
-        <p14:creationId xmlns:p14="http://schemas.microsoft.com/office/powerpoint/2010/main" val="1002203072"/>
+        <p14:creationId xmlns:p14="http://schemas.microsoft.com/office/powerpoint/2010/main" val="144302484"/>
       </p:ext>
     </p:extLst>
   </p:cSld>
@@ -8996,7 +9141,11 @@
             <a:pPr algn="ctr"/>
             <a:r>
               <a:rPr lang="en-US" sz="1200" dirty="0" smtClean="0"/>
-              <a:t>gRPC microservices</a:t>
+              <a:t>gRPC </a:t>
+            </a:r>
+            <a:r>
+              <a:rPr lang="en-US" sz="1200" dirty="0" err="1" smtClean="0"/>
+              <a:t>microservices</a:t>
             </a:r>
             <a:endParaRPr lang="en-US" sz="1200" dirty="0"/>
           </a:p>
@@ -9165,7 +9314,11 @@
           <a:p>
             <a:r>
               <a:rPr lang="en-US" dirty="0" smtClean="0"/>
-              <a:t>Node.js as the primary path</a:t>
+              <a:t>Node.js as the primary </a:t>
+            </a:r>
+            <a:r>
+              <a:rPr lang="en-US" dirty="0" smtClean="0"/>
+              <a:t>E2E API solution</a:t>
             </a:r>
             <a:endParaRPr lang="en-US" dirty="0"/>
           </a:p>

--- a/Polyglot Microservices.pptx
+++ b/Polyglot Microservices.pptx
@@ -255,7 +255,7 @@
           <a:p>
             <a:fld id="{D3E90C50-6FBB-2247-BEF7-451AA7AB9405}" type="datetimeFigureOut">
               <a:rPr lang="en-US" smtClean="0"/>
-              <a:t>9/15/16</a:t>
+              <a:t>9/19/16</a:t>
             </a:fld>
             <a:endParaRPr lang="en-US"/>
           </a:p>
@@ -425,7 +425,7 @@
           <a:p>
             <a:fld id="{D3E90C50-6FBB-2247-BEF7-451AA7AB9405}" type="datetimeFigureOut">
               <a:rPr lang="en-US" smtClean="0"/>
-              <a:t>9/15/16</a:t>
+              <a:t>9/19/16</a:t>
             </a:fld>
             <a:endParaRPr lang="en-US"/>
           </a:p>
@@ -605,7 +605,7 @@
           <a:p>
             <a:fld id="{D3E90C50-6FBB-2247-BEF7-451AA7AB9405}" type="datetimeFigureOut">
               <a:rPr lang="en-US" smtClean="0"/>
-              <a:t>9/15/16</a:t>
+              <a:t>9/19/16</a:t>
             </a:fld>
             <a:endParaRPr lang="en-US"/>
           </a:p>
@@ -775,7 +775,7 @@
           <a:p>
             <a:fld id="{D3E90C50-6FBB-2247-BEF7-451AA7AB9405}" type="datetimeFigureOut">
               <a:rPr lang="en-US" smtClean="0"/>
-              <a:t>9/15/16</a:t>
+              <a:t>9/19/16</a:t>
             </a:fld>
             <a:endParaRPr lang="en-US"/>
           </a:p>
@@ -1021,7 +1021,7 @@
           <a:p>
             <a:fld id="{D3E90C50-6FBB-2247-BEF7-451AA7AB9405}" type="datetimeFigureOut">
               <a:rPr lang="en-US" smtClean="0"/>
-              <a:t>9/15/16</a:t>
+              <a:t>9/19/16</a:t>
             </a:fld>
             <a:endParaRPr lang="en-US"/>
           </a:p>
@@ -1253,7 +1253,7 @@
           <a:p>
             <a:fld id="{D3E90C50-6FBB-2247-BEF7-451AA7AB9405}" type="datetimeFigureOut">
               <a:rPr lang="en-US" smtClean="0"/>
-              <a:t>9/15/16</a:t>
+              <a:t>9/19/16</a:t>
             </a:fld>
             <a:endParaRPr lang="en-US"/>
           </a:p>
@@ -1620,7 +1620,7 @@
           <a:p>
             <a:fld id="{D3E90C50-6FBB-2247-BEF7-451AA7AB9405}" type="datetimeFigureOut">
               <a:rPr lang="en-US" smtClean="0"/>
-              <a:t>9/15/16</a:t>
+              <a:t>9/19/16</a:t>
             </a:fld>
             <a:endParaRPr lang="en-US"/>
           </a:p>
@@ -1738,7 +1738,7 @@
           <a:p>
             <a:fld id="{D3E90C50-6FBB-2247-BEF7-451AA7AB9405}" type="datetimeFigureOut">
               <a:rPr lang="en-US" smtClean="0"/>
-              <a:t>9/15/16</a:t>
+              <a:t>9/19/16</a:t>
             </a:fld>
             <a:endParaRPr lang="en-US"/>
           </a:p>
@@ -1833,7 +1833,7 @@
           <a:p>
             <a:fld id="{D3E90C50-6FBB-2247-BEF7-451AA7AB9405}" type="datetimeFigureOut">
               <a:rPr lang="en-US" smtClean="0"/>
-              <a:t>9/15/16</a:t>
+              <a:t>9/19/16</a:t>
             </a:fld>
             <a:endParaRPr lang="en-US"/>
           </a:p>
@@ -2110,7 +2110,7 @@
           <a:p>
             <a:fld id="{D3E90C50-6FBB-2247-BEF7-451AA7AB9405}" type="datetimeFigureOut">
               <a:rPr lang="en-US" smtClean="0"/>
-              <a:t>9/15/16</a:t>
+              <a:t>9/19/16</a:t>
             </a:fld>
             <a:endParaRPr lang="en-US"/>
           </a:p>
@@ -2363,7 +2363,7 @@
           <a:p>
             <a:fld id="{D3E90C50-6FBB-2247-BEF7-451AA7AB9405}" type="datetimeFigureOut">
               <a:rPr lang="en-US" smtClean="0"/>
-              <a:t>9/15/16</a:t>
+              <a:t>9/19/16</a:t>
             </a:fld>
             <a:endParaRPr lang="en-US"/>
           </a:p>
@@ -2576,7 +2576,7 @@
           <a:p>
             <a:fld id="{D3E90C50-6FBB-2247-BEF7-451AA7AB9405}" type="datetimeFigureOut">
               <a:rPr lang="en-US" smtClean="0"/>
-              <a:t>9/15/16</a:t>
+              <a:t>9/19/16</a:t>
             </a:fld>
             <a:endParaRPr lang="en-US"/>
           </a:p>
@@ -2998,15 +2998,7 @@
           <a:p>
             <a:r>
               <a:rPr lang="en-US" dirty="0" smtClean="0"/>
-              <a:t>Polyglot </a:t>
-            </a:r>
-            <a:r>
-              <a:rPr lang="en-US" dirty="0" smtClean="0"/>
-              <a:t>Microservices/APIs </a:t>
-            </a:r>
-            <a:r>
-              <a:rPr lang="en-US" dirty="0" smtClean="0"/>
-              <a:t>with modern RPCs</a:t>
+              <a:t>Polyglot Microservices/APIs with modern RPCs</a:t>
             </a:r>
             <a:endParaRPr lang="en-US" dirty="0"/>
           </a:p>
@@ -3034,12 +3026,8 @@
           </a:p>
           <a:p>
             <a:r>
-              <a:rPr lang="en-US" dirty="0" err="1" smtClean="0"/>
-              <a:t>PoC</a:t>
-            </a:r>
-            <a:r>
               <a:rPr lang="en-US" dirty="0" smtClean="0"/>
-              <a:t>: </a:t>
+              <a:t>PoC: </a:t>
             </a:r>
             <a:r>
               <a:rPr lang="en-US" dirty="0" smtClean="0">
@@ -4410,12 +4398,8 @@
           <a:lstStyle/>
           <a:p>
             <a:r>
-              <a:rPr lang="en-US" dirty="0" err="1" smtClean="0"/>
-              <a:t>PoC</a:t>
-            </a:r>
-            <a:r>
               <a:rPr lang="en-US" dirty="0" smtClean="0"/>
-              <a:t> Demo</a:t>
+              <a:t>PoC Demo</a:t>
             </a:r>
             <a:endParaRPr lang="en-US" dirty="0"/>
           </a:p>
@@ -5625,7 +5609,6 @@
               <a:rPr lang="en-US" sz="1200" dirty="0" smtClean="0"/>
               <a:t>Translation</a:t>
             </a:r>
-            <a:endParaRPr lang="en-US" sz="1200" dirty="0" smtClean="0"/>
           </a:p>
           <a:p>
             <a:pPr algn="ctr"/>
@@ -5638,11 +5621,7 @@
             <a:pPr algn="ctr"/>
             <a:r>
               <a:rPr lang="en-US" sz="1200" dirty="0" smtClean="0"/>
-              <a:t>(</a:t>
-            </a:r>
-            <a:r>
-              <a:rPr lang="en-US" sz="1200" dirty="0" smtClean="0"/>
-              <a:t>gRPC/Swift - TBD)</a:t>
+              <a:t>(gRPC/Swift - TBD)</a:t>
             </a:r>
             <a:endParaRPr lang="en-US" sz="1200" dirty="0"/>
           </a:p>
@@ -5752,12 +5731,8 @@
           <a:lstStyle/>
           <a:p>
             <a:r>
-              <a:rPr lang="en-US" dirty="0" err="1" smtClean="0"/>
-              <a:t>PoC</a:t>
-            </a:r>
-            <a:r>
               <a:rPr lang="en-US" dirty="0" smtClean="0"/>
-              <a:t> and beyond</a:t>
+              <a:t>PoC and beyond</a:t>
             </a:r>
             <a:endParaRPr lang="en-US" dirty="0"/>
           </a:p>
@@ -5881,13 +5856,8 @@
             </a:r>
             <a:r>
               <a:rPr lang="en-US" dirty="0" smtClean="0"/>
-              <a:t> </a:t>
-            </a:r>
-            <a:r>
-              <a:rPr lang="en-US" dirty="0" err="1" smtClean="0"/>
-              <a:t>PoC</a:t>
-            </a:r>
-            <a:endParaRPr lang="en-US" dirty="0" smtClean="0"/>
+              <a:t> PoC</a:t>
+            </a:r>
           </a:p>
           <a:p>
             <a:pPr lvl="1"/>
@@ -9314,11 +9284,7 @@
           <a:p>
             <a:r>
               <a:rPr lang="en-US" dirty="0" smtClean="0"/>
-              <a:t>Node.js as the primary </a:t>
-            </a:r>
-            <a:r>
-              <a:rPr lang="en-US" dirty="0" smtClean="0"/>
-              <a:t>E2E API solution</a:t>
+              <a:t>Node.js as the primary E2E API solution</a:t>
             </a:r>
             <a:endParaRPr lang="en-US" dirty="0"/>
           </a:p>

--- a/Polyglot Microservices.pptx
+++ b/Polyglot Microservices.pptx
@@ -16,8 +16,9 @@
     <p:sldId id="261" r:id="rId10"/>
     <p:sldId id="263" r:id="rId11"/>
     <p:sldId id="269" r:id="rId12"/>
-    <p:sldId id="267" r:id="rId13"/>
-    <p:sldId id="262" r:id="rId14"/>
+    <p:sldId id="270" r:id="rId13"/>
+    <p:sldId id="267" r:id="rId14"/>
+    <p:sldId id="262" r:id="rId15"/>
   </p:sldIdLst>
   <p:sldSz cx="12192000" cy="6858000"/>
   <p:notesSz cx="6858000" cy="9144000"/>
@@ -255,7 +256,7 @@
           <a:p>
             <a:fld id="{D3E90C50-6FBB-2247-BEF7-451AA7AB9405}" type="datetimeFigureOut">
               <a:rPr lang="en-US" smtClean="0"/>
-              <a:t>9/19/16</a:t>
+              <a:t>9/21/16</a:t>
             </a:fld>
             <a:endParaRPr lang="en-US"/>
           </a:p>
@@ -425,7 +426,7 @@
           <a:p>
             <a:fld id="{D3E90C50-6FBB-2247-BEF7-451AA7AB9405}" type="datetimeFigureOut">
               <a:rPr lang="en-US" smtClean="0"/>
-              <a:t>9/19/16</a:t>
+              <a:t>9/21/16</a:t>
             </a:fld>
             <a:endParaRPr lang="en-US"/>
           </a:p>
@@ -605,7 +606,7 @@
           <a:p>
             <a:fld id="{D3E90C50-6FBB-2247-BEF7-451AA7AB9405}" type="datetimeFigureOut">
               <a:rPr lang="en-US" smtClean="0"/>
-              <a:t>9/19/16</a:t>
+              <a:t>9/21/16</a:t>
             </a:fld>
             <a:endParaRPr lang="en-US"/>
           </a:p>
@@ -775,7 +776,7 @@
           <a:p>
             <a:fld id="{D3E90C50-6FBB-2247-BEF7-451AA7AB9405}" type="datetimeFigureOut">
               <a:rPr lang="en-US" smtClean="0"/>
-              <a:t>9/19/16</a:t>
+              <a:t>9/21/16</a:t>
             </a:fld>
             <a:endParaRPr lang="en-US"/>
           </a:p>
@@ -1021,7 +1022,7 @@
           <a:p>
             <a:fld id="{D3E90C50-6FBB-2247-BEF7-451AA7AB9405}" type="datetimeFigureOut">
               <a:rPr lang="en-US" smtClean="0"/>
-              <a:t>9/19/16</a:t>
+              <a:t>9/21/16</a:t>
             </a:fld>
             <a:endParaRPr lang="en-US"/>
           </a:p>
@@ -1253,7 +1254,7 @@
           <a:p>
             <a:fld id="{D3E90C50-6FBB-2247-BEF7-451AA7AB9405}" type="datetimeFigureOut">
               <a:rPr lang="en-US" smtClean="0"/>
-              <a:t>9/19/16</a:t>
+              <a:t>9/21/16</a:t>
             </a:fld>
             <a:endParaRPr lang="en-US"/>
           </a:p>
@@ -1620,7 +1621,7 @@
           <a:p>
             <a:fld id="{D3E90C50-6FBB-2247-BEF7-451AA7AB9405}" type="datetimeFigureOut">
               <a:rPr lang="en-US" smtClean="0"/>
-              <a:t>9/19/16</a:t>
+              <a:t>9/21/16</a:t>
             </a:fld>
             <a:endParaRPr lang="en-US"/>
           </a:p>
@@ -1738,7 +1739,7 @@
           <a:p>
             <a:fld id="{D3E90C50-6FBB-2247-BEF7-451AA7AB9405}" type="datetimeFigureOut">
               <a:rPr lang="en-US" smtClean="0"/>
-              <a:t>9/19/16</a:t>
+              <a:t>9/21/16</a:t>
             </a:fld>
             <a:endParaRPr lang="en-US"/>
           </a:p>
@@ -1833,7 +1834,7 @@
           <a:p>
             <a:fld id="{D3E90C50-6FBB-2247-BEF7-451AA7AB9405}" type="datetimeFigureOut">
               <a:rPr lang="en-US" smtClean="0"/>
-              <a:t>9/19/16</a:t>
+              <a:t>9/21/16</a:t>
             </a:fld>
             <a:endParaRPr lang="en-US"/>
           </a:p>
@@ -2110,7 +2111,7 @@
           <a:p>
             <a:fld id="{D3E90C50-6FBB-2247-BEF7-451AA7AB9405}" type="datetimeFigureOut">
               <a:rPr lang="en-US" smtClean="0"/>
-              <a:t>9/19/16</a:t>
+              <a:t>9/21/16</a:t>
             </a:fld>
             <a:endParaRPr lang="en-US"/>
           </a:p>
@@ -2363,7 +2364,7 @@
           <a:p>
             <a:fld id="{D3E90C50-6FBB-2247-BEF7-451AA7AB9405}" type="datetimeFigureOut">
               <a:rPr lang="en-US" smtClean="0"/>
-              <a:t>9/19/16</a:t>
+              <a:t>9/21/16</a:t>
             </a:fld>
             <a:endParaRPr lang="en-US"/>
           </a:p>
@@ -2576,7 +2577,7 @@
           <a:p>
             <a:fld id="{D3E90C50-6FBB-2247-BEF7-451AA7AB9405}" type="datetimeFigureOut">
               <a:rPr lang="en-US" smtClean="0"/>
-              <a:t>9/19/16</a:t>
+              <a:t>9/21/16</a:t>
             </a:fld>
             <a:endParaRPr lang="en-US"/>
           </a:p>
@@ -5685,6 +5686,103 @@
           </a:p>
         </p:txBody>
       </p:sp>
+      <p:sp>
+        <p:nvSpPr>
+          <p:cNvPr id="35" name="Rounded Rectangle 34"/>
+          <p:cNvSpPr/>
+          <p:nvPr/>
+        </p:nvSpPr>
+        <p:spPr>
+          <a:xfrm>
+            <a:off x="437717" y="5100780"/>
+            <a:ext cx="1158949" cy="813389"/>
+          </a:xfrm>
+          <a:prstGeom prst="roundRect">
+            <a:avLst/>
+          </a:prstGeom>
+        </p:spPr>
+        <p:style>
+          <a:lnRef idx="1">
+            <a:schemeClr val="accent4"/>
+          </a:lnRef>
+          <a:fillRef idx="2">
+            <a:schemeClr val="accent4"/>
+          </a:fillRef>
+          <a:effectRef idx="1">
+            <a:schemeClr val="accent4"/>
+          </a:effectRef>
+          <a:fontRef idx="minor">
+            <a:schemeClr val="dk1"/>
+          </a:fontRef>
+        </p:style>
+        <p:txBody>
+          <a:bodyPr rtlCol="0" anchor="ctr"/>
+          <a:lstStyle/>
+          <a:p>
+            <a:pPr algn="ctr"/>
+            <a:r>
+              <a:rPr lang="en-US" sz="1200" dirty="0" smtClean="0"/>
+              <a:t>Node </a:t>
+            </a:r>
+            <a:r>
+              <a:rPr lang="en-US" sz="1200" dirty="0" smtClean="0"/>
+              <a:t>Client</a:t>
+            </a:r>
+          </a:p>
+          <a:p>
+            <a:pPr algn="ctr"/>
+            <a:r>
+              <a:rPr lang="en-US" sz="1200" dirty="0" smtClean="0"/>
+              <a:t>(</a:t>
+            </a:r>
+            <a:r>
+              <a:rPr lang="en-US" sz="1200" dirty="0" err="1" smtClean="0"/>
+              <a:t>gRPC</a:t>
+            </a:r>
+            <a:r>
+              <a:rPr lang="en-US" sz="1200" dirty="0" smtClean="0"/>
+              <a:t>/Node)</a:t>
+            </a:r>
+            <a:endParaRPr lang="en-US" sz="1200" dirty="0"/>
+          </a:p>
+        </p:txBody>
+      </p:sp>
+      <p:cxnSp>
+        <p:nvCxnSpPr>
+          <p:cNvPr id="36" name="Elbow Connector 35"/>
+          <p:cNvCxnSpPr>
+            <a:stCxn id="35" idx="0"/>
+            <a:endCxn id="10" idx="1"/>
+          </p:cNvCxnSpPr>
+          <p:nvPr/>
+        </p:nvCxnSpPr>
+        <p:spPr>
+          <a:xfrm rot="5400000" flipH="1" flipV="1">
+            <a:off x="1567903" y="4340153"/>
+            <a:ext cx="209917" cy="1311338"/>
+          </a:xfrm>
+          <a:prstGeom prst="bentConnector2">
+            <a:avLst/>
+          </a:prstGeom>
+          <a:ln>
+            <a:tailEnd type="triangle"/>
+          </a:ln>
+        </p:spPr>
+        <p:style>
+          <a:lnRef idx="1">
+            <a:schemeClr val="accent1"/>
+          </a:lnRef>
+          <a:fillRef idx="0">
+            <a:schemeClr val="accent1"/>
+          </a:fillRef>
+          <a:effectRef idx="0">
+            <a:schemeClr val="accent1"/>
+          </a:effectRef>
+          <a:fontRef idx="minor">
+            <a:schemeClr val="tx1"/>
+          </a:fontRef>
+        </p:style>
+      </p:cxnSp>
     </p:spTree>
     <p:extLst>
       <p:ext uri="{BB962C8B-B14F-4D97-AF65-F5344CB8AC3E}">
@@ -5717,6 +5815,565 @@
       </p:grpSpPr>
       <p:sp>
         <p:nvSpPr>
+          <p:cNvPr id="51" name="Rounded Rectangle 50"/>
+          <p:cNvSpPr/>
+          <p:nvPr/>
+        </p:nvSpPr>
+        <p:spPr>
+          <a:xfrm>
+            <a:off x="2481943" y="1611086"/>
+            <a:ext cx="6270171" cy="4049485"/>
+          </a:xfrm>
+          <a:prstGeom prst="roundRect">
+            <a:avLst/>
+          </a:prstGeom>
+        </p:spPr>
+        <p:style>
+          <a:lnRef idx="3">
+            <a:schemeClr val="lt1"/>
+          </a:lnRef>
+          <a:fillRef idx="1">
+            <a:schemeClr val="accent6"/>
+          </a:fillRef>
+          <a:effectRef idx="1">
+            <a:schemeClr val="accent6"/>
+          </a:effectRef>
+          <a:fontRef idx="minor">
+            <a:schemeClr val="lt1"/>
+          </a:fontRef>
+        </p:style>
+        <p:txBody>
+          <a:bodyPr rtlCol="0" anchor="ctr"/>
+          <a:lstStyle/>
+          <a:p>
+            <a:pPr algn="ctr"/>
+            <a:endParaRPr lang="en-US" dirty="0" smtClean="0"/>
+          </a:p>
+          <a:p>
+            <a:pPr algn="ctr"/>
+            <a:endParaRPr lang="en-US" dirty="0"/>
+          </a:p>
+          <a:p>
+            <a:pPr algn="ctr"/>
+            <a:endParaRPr lang="en-US" dirty="0" smtClean="0"/>
+          </a:p>
+          <a:p>
+            <a:pPr algn="ctr"/>
+            <a:endParaRPr lang="en-US" dirty="0"/>
+          </a:p>
+          <a:p>
+            <a:pPr algn="ctr"/>
+            <a:endParaRPr lang="en-US" dirty="0" smtClean="0"/>
+          </a:p>
+          <a:p>
+            <a:pPr algn="ctr"/>
+            <a:endParaRPr lang="en-US" dirty="0"/>
+          </a:p>
+          <a:p>
+            <a:pPr algn="ctr"/>
+            <a:endParaRPr lang="en-US" dirty="0" smtClean="0"/>
+          </a:p>
+          <a:p>
+            <a:pPr algn="ctr"/>
+            <a:endParaRPr lang="en-US" dirty="0"/>
+          </a:p>
+          <a:p>
+            <a:pPr algn="ctr"/>
+            <a:endParaRPr lang="en-US" dirty="0" smtClean="0"/>
+          </a:p>
+          <a:p>
+            <a:pPr algn="ctr"/>
+            <a:endParaRPr lang="en-US" dirty="0"/>
+          </a:p>
+          <a:p>
+            <a:pPr algn="ctr"/>
+            <a:endParaRPr lang="en-US" dirty="0" smtClean="0"/>
+          </a:p>
+          <a:p>
+            <a:pPr algn="ctr"/>
+            <a:endParaRPr lang="en-US" dirty="0"/>
+          </a:p>
+          <a:p>
+            <a:pPr algn="ctr"/>
+            <a:endParaRPr lang="en-US" dirty="0" smtClean="0"/>
+          </a:p>
+          <a:p>
+            <a:pPr algn="ctr"/>
+            <a:r>
+              <a:rPr lang="en-US" dirty="0" smtClean="0"/>
+              <a:t>Docker compose for local testing</a:t>
+            </a:r>
+            <a:endParaRPr lang="en-US" dirty="0"/>
+          </a:p>
+        </p:txBody>
+      </p:sp>
+      <p:sp>
+        <p:nvSpPr>
+          <p:cNvPr id="2" name="Title 1"/>
+          <p:cNvSpPr>
+            <a:spLocks noGrp="1"/>
+          </p:cNvSpPr>
+          <p:nvPr>
+            <p:ph type="title"/>
+          </p:nvPr>
+        </p:nvSpPr>
+        <p:spPr/>
+        <p:txBody>
+          <a:bodyPr/>
+          <a:lstStyle/>
+          <a:p>
+            <a:r>
+              <a:rPr lang="en-US" dirty="0" smtClean="0"/>
+              <a:t>Docker containers</a:t>
+            </a:r>
+            <a:endParaRPr lang="en-US" dirty="0"/>
+          </a:p>
+        </p:txBody>
+      </p:sp>
+      <p:sp>
+        <p:nvSpPr>
+          <p:cNvPr id="6" name="Rectangle 5"/>
+          <p:cNvSpPr/>
+          <p:nvPr/>
+        </p:nvSpPr>
+        <p:spPr>
+          <a:xfrm>
+            <a:off x="3505200" y="2601685"/>
+            <a:ext cx="1447800" cy="1186543"/>
+          </a:xfrm>
+          <a:prstGeom prst="rect">
+            <a:avLst/>
+          </a:prstGeom>
+        </p:spPr>
+        <p:style>
+          <a:lnRef idx="1">
+            <a:schemeClr val="accent4"/>
+          </a:lnRef>
+          <a:fillRef idx="2">
+            <a:schemeClr val="accent4"/>
+          </a:fillRef>
+          <a:effectRef idx="1">
+            <a:schemeClr val="accent4"/>
+          </a:effectRef>
+          <a:fontRef idx="minor">
+            <a:schemeClr val="dk1"/>
+          </a:fontRef>
+        </p:style>
+        <p:txBody>
+          <a:bodyPr rtlCol="0" anchor="ctr"/>
+          <a:lstStyle/>
+          <a:p>
+            <a:pPr algn="ctr"/>
+            <a:r>
+              <a:rPr lang="en-US" smtClean="0"/>
+              <a:t>note-loopback</a:t>
+            </a:r>
+            <a:endParaRPr lang="en-US"/>
+          </a:p>
+        </p:txBody>
+      </p:sp>
+      <p:sp>
+        <p:nvSpPr>
+          <p:cNvPr id="35" name="Rectangle 34"/>
+          <p:cNvSpPr/>
+          <p:nvPr/>
+        </p:nvSpPr>
+        <p:spPr>
+          <a:xfrm>
+            <a:off x="6003471" y="1993786"/>
+            <a:ext cx="1447800" cy="1186543"/>
+          </a:xfrm>
+          <a:prstGeom prst="rect">
+            <a:avLst/>
+          </a:prstGeom>
+        </p:spPr>
+        <p:style>
+          <a:lnRef idx="1">
+            <a:schemeClr val="accent4"/>
+          </a:lnRef>
+          <a:fillRef idx="2">
+            <a:schemeClr val="accent4"/>
+          </a:fillRef>
+          <a:effectRef idx="1">
+            <a:schemeClr val="accent4"/>
+          </a:effectRef>
+          <a:fontRef idx="minor">
+            <a:schemeClr val="dk1"/>
+          </a:fontRef>
+        </p:style>
+        <p:txBody>
+          <a:bodyPr rtlCol="0" anchor="ctr"/>
+          <a:lstStyle/>
+          <a:p>
+            <a:pPr algn="ctr"/>
+            <a:r>
+              <a:rPr lang="en-US" dirty="0" smtClean="0"/>
+              <a:t>note-java</a:t>
+            </a:r>
+            <a:endParaRPr lang="en-US" dirty="0"/>
+          </a:p>
+        </p:txBody>
+      </p:sp>
+      <p:sp>
+        <p:nvSpPr>
+          <p:cNvPr id="36" name="Rectangle 35"/>
+          <p:cNvSpPr/>
+          <p:nvPr/>
+        </p:nvSpPr>
+        <p:spPr>
+          <a:xfrm>
+            <a:off x="6727371" y="3788228"/>
+            <a:ext cx="1447800" cy="1186543"/>
+          </a:xfrm>
+          <a:prstGeom prst="rect">
+            <a:avLst/>
+          </a:prstGeom>
+        </p:spPr>
+        <p:style>
+          <a:lnRef idx="1">
+            <a:schemeClr val="accent4"/>
+          </a:lnRef>
+          <a:fillRef idx="2">
+            <a:schemeClr val="accent4"/>
+          </a:fillRef>
+          <a:effectRef idx="1">
+            <a:schemeClr val="accent4"/>
+          </a:effectRef>
+          <a:fontRef idx="minor">
+            <a:schemeClr val="dk1"/>
+          </a:fontRef>
+        </p:style>
+        <p:txBody>
+          <a:bodyPr rtlCol="0" anchor="ctr"/>
+          <a:lstStyle/>
+          <a:p>
+            <a:pPr algn="ctr"/>
+            <a:r>
+              <a:rPr lang="en-US" dirty="0" smtClean="0"/>
+              <a:t>zipkin</a:t>
+            </a:r>
+            <a:endParaRPr lang="en-US" dirty="0"/>
+          </a:p>
+        </p:txBody>
+      </p:sp>
+      <p:cxnSp>
+        <p:nvCxnSpPr>
+          <p:cNvPr id="15" name="Elbow Connector 14"/>
+          <p:cNvCxnSpPr>
+            <a:stCxn id="6" idx="3"/>
+            <a:endCxn id="35" idx="1"/>
+          </p:cNvCxnSpPr>
+          <p:nvPr/>
+        </p:nvCxnSpPr>
+        <p:spPr>
+          <a:xfrm flipV="1">
+            <a:off x="4953000" y="2587058"/>
+            <a:ext cx="1050471" cy="607899"/>
+          </a:xfrm>
+          <a:prstGeom prst="bentConnector3">
+            <a:avLst/>
+          </a:prstGeom>
+          <a:ln>
+            <a:tailEnd type="triangle"/>
+          </a:ln>
+        </p:spPr>
+        <p:style>
+          <a:lnRef idx="1">
+            <a:schemeClr val="accent4"/>
+          </a:lnRef>
+          <a:fillRef idx="2">
+            <a:schemeClr val="accent4"/>
+          </a:fillRef>
+          <a:effectRef idx="1">
+            <a:schemeClr val="accent4"/>
+          </a:effectRef>
+          <a:fontRef idx="minor">
+            <a:schemeClr val="dk1"/>
+          </a:fontRef>
+        </p:style>
+      </p:cxnSp>
+      <p:cxnSp>
+        <p:nvCxnSpPr>
+          <p:cNvPr id="37" name="Elbow Connector 36"/>
+          <p:cNvCxnSpPr>
+            <a:stCxn id="6" idx="2"/>
+            <a:endCxn id="36" idx="1"/>
+          </p:cNvCxnSpPr>
+          <p:nvPr/>
+        </p:nvCxnSpPr>
+        <p:spPr>
+          <a:xfrm rot="16200000" flipH="1">
+            <a:off x="5181599" y="2835728"/>
+            <a:ext cx="593272" cy="2498271"/>
+          </a:xfrm>
+          <a:prstGeom prst="bentConnector2">
+            <a:avLst/>
+          </a:prstGeom>
+          <a:ln>
+            <a:tailEnd type="triangle"/>
+          </a:ln>
+        </p:spPr>
+        <p:style>
+          <a:lnRef idx="1">
+            <a:schemeClr val="accent4"/>
+          </a:lnRef>
+          <a:fillRef idx="2">
+            <a:schemeClr val="accent4"/>
+          </a:fillRef>
+          <a:effectRef idx="1">
+            <a:schemeClr val="accent4"/>
+          </a:effectRef>
+          <a:fontRef idx="minor">
+            <a:schemeClr val="dk1"/>
+          </a:fontRef>
+        </p:style>
+      </p:cxnSp>
+      <p:cxnSp>
+        <p:nvCxnSpPr>
+          <p:cNvPr id="38" name="Elbow Connector 37"/>
+          <p:cNvCxnSpPr>
+            <a:stCxn id="35" idx="3"/>
+            <a:endCxn id="36" idx="3"/>
+          </p:cNvCxnSpPr>
+          <p:nvPr/>
+        </p:nvCxnSpPr>
+        <p:spPr>
+          <a:xfrm>
+            <a:off x="7451271" y="2587058"/>
+            <a:ext cx="723900" cy="1794442"/>
+          </a:xfrm>
+          <a:prstGeom prst="bentConnector3">
+            <a:avLst>
+              <a:gd name="adj1" fmla="val 131579"/>
+            </a:avLst>
+          </a:prstGeom>
+          <a:ln>
+            <a:tailEnd type="triangle"/>
+          </a:ln>
+        </p:spPr>
+        <p:style>
+          <a:lnRef idx="1">
+            <a:schemeClr val="accent4"/>
+          </a:lnRef>
+          <a:fillRef idx="2">
+            <a:schemeClr val="accent4"/>
+          </a:fillRef>
+          <a:effectRef idx="1">
+            <a:schemeClr val="accent4"/>
+          </a:effectRef>
+          <a:fontRef idx="minor">
+            <a:schemeClr val="dk1"/>
+          </a:fontRef>
+        </p:style>
+      </p:cxnSp>
+      <p:sp>
+        <p:nvSpPr>
+          <p:cNvPr id="27" name="Rectangle 26"/>
+          <p:cNvSpPr/>
+          <p:nvPr/>
+        </p:nvSpPr>
+        <p:spPr>
+          <a:xfrm>
+            <a:off x="2781300" y="2746770"/>
+            <a:ext cx="963386" cy="303949"/>
+          </a:xfrm>
+          <a:prstGeom prst="rect">
+            <a:avLst/>
+          </a:prstGeom>
+        </p:spPr>
+        <p:style>
+          <a:lnRef idx="2">
+            <a:schemeClr val="accent1">
+              <a:shade val="50000"/>
+            </a:schemeClr>
+          </a:lnRef>
+          <a:fillRef idx="1">
+            <a:schemeClr val="accent1"/>
+          </a:fillRef>
+          <a:effectRef idx="0">
+            <a:schemeClr val="accent1"/>
+          </a:effectRef>
+          <a:fontRef idx="minor">
+            <a:schemeClr val="lt1"/>
+          </a:fontRef>
+        </p:style>
+        <p:txBody>
+          <a:bodyPr rtlCol="0" anchor="ctr"/>
+          <a:lstStyle/>
+          <a:p>
+            <a:pPr algn="ctr"/>
+            <a:r>
+              <a:rPr lang="en-US" sz="1100" smtClean="0"/>
+              <a:t>http:3000</a:t>
+            </a:r>
+            <a:endParaRPr lang="en-US" sz="1100"/>
+          </a:p>
+        </p:txBody>
+      </p:sp>
+      <p:sp>
+        <p:nvSpPr>
+          <p:cNvPr id="45" name="Rectangle 44"/>
+          <p:cNvSpPr/>
+          <p:nvPr/>
+        </p:nvSpPr>
+        <p:spPr>
+          <a:xfrm>
+            <a:off x="2781300" y="3267499"/>
+            <a:ext cx="963386" cy="303949"/>
+          </a:xfrm>
+          <a:prstGeom prst="rect">
+            <a:avLst/>
+          </a:prstGeom>
+        </p:spPr>
+        <p:style>
+          <a:lnRef idx="2">
+            <a:schemeClr val="accent1">
+              <a:shade val="50000"/>
+            </a:schemeClr>
+          </a:lnRef>
+          <a:fillRef idx="1">
+            <a:schemeClr val="accent1"/>
+          </a:fillRef>
+          <a:effectRef idx="0">
+            <a:schemeClr val="accent1"/>
+          </a:effectRef>
+          <a:fontRef idx="minor">
+            <a:schemeClr val="lt1"/>
+          </a:fontRef>
+        </p:style>
+        <p:txBody>
+          <a:bodyPr rtlCol="0" anchor="ctr"/>
+          <a:lstStyle/>
+          <a:p>
+            <a:pPr algn="ctr"/>
+            <a:r>
+              <a:rPr lang="en-US" sz="1100" dirty="0" smtClean="0"/>
+              <a:t>http2:50051</a:t>
+            </a:r>
+            <a:endParaRPr lang="en-US" sz="1100" dirty="0"/>
+          </a:p>
+        </p:txBody>
+      </p:sp>
+      <p:sp>
+        <p:nvSpPr>
+          <p:cNvPr id="47" name="Rectangle 46"/>
+          <p:cNvSpPr/>
+          <p:nvPr/>
+        </p:nvSpPr>
+        <p:spPr>
+          <a:xfrm>
+            <a:off x="5614307" y="2164726"/>
+            <a:ext cx="963386" cy="303949"/>
+          </a:xfrm>
+          <a:prstGeom prst="rect">
+            <a:avLst/>
+          </a:prstGeom>
+        </p:spPr>
+        <p:style>
+          <a:lnRef idx="2">
+            <a:schemeClr val="accent1">
+              <a:shade val="50000"/>
+            </a:schemeClr>
+          </a:lnRef>
+          <a:fillRef idx="1">
+            <a:schemeClr val="accent1"/>
+          </a:fillRef>
+          <a:effectRef idx="0">
+            <a:schemeClr val="accent1"/>
+          </a:effectRef>
+          <a:fontRef idx="minor">
+            <a:schemeClr val="lt1"/>
+          </a:fontRef>
+        </p:style>
+        <p:txBody>
+          <a:bodyPr rtlCol="0" anchor="ctr"/>
+          <a:lstStyle/>
+          <a:p>
+            <a:pPr algn="ctr"/>
+            <a:r>
+              <a:rPr lang="en-US" sz="1100" dirty="0" smtClean="0"/>
+              <a:t>http2:50052</a:t>
+            </a:r>
+            <a:endParaRPr lang="en-US" sz="1100" dirty="0"/>
+          </a:p>
+        </p:txBody>
+      </p:sp>
+      <p:sp>
+        <p:nvSpPr>
+          <p:cNvPr id="48" name="Rectangle 47"/>
+          <p:cNvSpPr/>
+          <p:nvPr/>
+        </p:nvSpPr>
+        <p:spPr>
+          <a:xfrm>
+            <a:off x="6245678" y="3932888"/>
+            <a:ext cx="963386" cy="303949"/>
+          </a:xfrm>
+          <a:prstGeom prst="rect">
+            <a:avLst/>
+          </a:prstGeom>
+        </p:spPr>
+        <p:style>
+          <a:lnRef idx="2">
+            <a:schemeClr val="accent1">
+              <a:shade val="50000"/>
+            </a:schemeClr>
+          </a:lnRef>
+          <a:fillRef idx="1">
+            <a:schemeClr val="accent1"/>
+          </a:fillRef>
+          <a:effectRef idx="0">
+            <a:schemeClr val="accent1"/>
+          </a:effectRef>
+          <a:fontRef idx="minor">
+            <a:schemeClr val="lt1"/>
+          </a:fontRef>
+        </p:style>
+        <p:txBody>
+          <a:bodyPr rtlCol="0" anchor="ctr"/>
+          <a:lstStyle/>
+          <a:p>
+            <a:pPr algn="ctr"/>
+            <a:r>
+              <a:rPr lang="en-US" sz="1100" dirty="0" smtClean="0"/>
+              <a:t>http:9411</a:t>
+            </a:r>
+            <a:endParaRPr lang="en-US" sz="1100" dirty="0"/>
+          </a:p>
+        </p:txBody>
+      </p:sp>
+    </p:spTree>
+    <p:extLst>
+      <p:ext uri="{BB962C8B-B14F-4D97-AF65-F5344CB8AC3E}">
+        <p14:creationId xmlns:p14="http://schemas.microsoft.com/office/powerpoint/2010/main" val="1222209439"/>
+      </p:ext>
+    </p:extLst>
+  </p:cSld>
+  <p:clrMapOvr>
+    <a:masterClrMapping/>
+  </p:clrMapOvr>
+</p:sld>
+</file>
+
+<file path=ppt/slides/slide13.xml><?xml version="1.0" encoding="utf-8"?>
+<p:sld xmlns:a="http://schemas.openxmlformats.org/drawingml/2006/main" xmlns:r="http://schemas.openxmlformats.org/officeDocument/2006/relationships" xmlns:p="http://schemas.openxmlformats.org/presentationml/2006/main">
+  <p:cSld>
+    <p:spTree>
+      <p:nvGrpSpPr>
+        <p:cNvPr id="1" name=""/>
+        <p:cNvGrpSpPr/>
+        <p:nvPr/>
+      </p:nvGrpSpPr>
+      <p:grpSpPr>
+        <a:xfrm>
+          <a:off x="0" y="0"/>
+          <a:ext cx="0" cy="0"/>
+          <a:chOff x="0" y="0"/>
+          <a:chExt cx="0" cy="0"/>
+        </a:xfrm>
+      </p:grpSpPr>
+      <p:sp>
+        <p:nvSpPr>
           <p:cNvPr id="2" name="Title 1"/>
           <p:cNvSpPr>
             <a:spLocks noGrp="1"/>
@@ -5897,7 +6554,7 @@
 </p:sld>
 </file>
 
-<file path=ppt/slides/slide13.xml><?xml version="1.0" encoding="utf-8"?>
+<file path=ppt/slides/slide14.xml><?xml version="1.0" encoding="utf-8"?>
 <p:sld xmlns:a="http://schemas.openxmlformats.org/drawingml/2006/main" xmlns:r="http://schemas.openxmlformats.org/officeDocument/2006/relationships" xmlns:p="http://schemas.openxmlformats.org/presentationml/2006/main">
   <p:cSld>
     <p:spTree>

--- a/Polyglot Microservices.pptx
+++ b/Polyglot Microservices.pptx
@@ -256,7 +256,7 @@
           <a:p>
             <a:fld id="{D3E90C50-6FBB-2247-BEF7-451AA7AB9405}" type="datetimeFigureOut">
               <a:rPr lang="en-US" smtClean="0"/>
-              <a:t>9/21/16</a:t>
+              <a:t>9/26/16</a:t>
             </a:fld>
             <a:endParaRPr lang="en-US"/>
           </a:p>
@@ -426,7 +426,7 @@
           <a:p>
             <a:fld id="{D3E90C50-6FBB-2247-BEF7-451AA7AB9405}" type="datetimeFigureOut">
               <a:rPr lang="en-US" smtClean="0"/>
-              <a:t>9/21/16</a:t>
+              <a:t>9/26/16</a:t>
             </a:fld>
             <a:endParaRPr lang="en-US"/>
           </a:p>
@@ -606,7 +606,7 @@
           <a:p>
             <a:fld id="{D3E90C50-6FBB-2247-BEF7-451AA7AB9405}" type="datetimeFigureOut">
               <a:rPr lang="en-US" smtClean="0"/>
-              <a:t>9/21/16</a:t>
+              <a:t>9/26/16</a:t>
             </a:fld>
             <a:endParaRPr lang="en-US"/>
           </a:p>
@@ -776,7 +776,7 @@
           <a:p>
             <a:fld id="{D3E90C50-6FBB-2247-BEF7-451AA7AB9405}" type="datetimeFigureOut">
               <a:rPr lang="en-US" smtClean="0"/>
-              <a:t>9/21/16</a:t>
+              <a:t>9/26/16</a:t>
             </a:fld>
             <a:endParaRPr lang="en-US"/>
           </a:p>
@@ -1022,7 +1022,7 @@
           <a:p>
             <a:fld id="{D3E90C50-6FBB-2247-BEF7-451AA7AB9405}" type="datetimeFigureOut">
               <a:rPr lang="en-US" smtClean="0"/>
-              <a:t>9/21/16</a:t>
+              <a:t>9/26/16</a:t>
             </a:fld>
             <a:endParaRPr lang="en-US"/>
           </a:p>
@@ -1254,7 +1254,7 @@
           <a:p>
             <a:fld id="{D3E90C50-6FBB-2247-BEF7-451AA7AB9405}" type="datetimeFigureOut">
               <a:rPr lang="en-US" smtClean="0"/>
-              <a:t>9/21/16</a:t>
+              <a:t>9/26/16</a:t>
             </a:fld>
             <a:endParaRPr lang="en-US"/>
           </a:p>
@@ -1621,7 +1621,7 @@
           <a:p>
             <a:fld id="{D3E90C50-6FBB-2247-BEF7-451AA7AB9405}" type="datetimeFigureOut">
               <a:rPr lang="en-US" smtClean="0"/>
-              <a:t>9/21/16</a:t>
+              <a:t>9/26/16</a:t>
             </a:fld>
             <a:endParaRPr lang="en-US"/>
           </a:p>
@@ -1739,7 +1739,7 @@
           <a:p>
             <a:fld id="{D3E90C50-6FBB-2247-BEF7-451AA7AB9405}" type="datetimeFigureOut">
               <a:rPr lang="en-US" smtClean="0"/>
-              <a:t>9/21/16</a:t>
+              <a:t>9/26/16</a:t>
             </a:fld>
             <a:endParaRPr lang="en-US"/>
           </a:p>
@@ -1834,7 +1834,7 @@
           <a:p>
             <a:fld id="{D3E90C50-6FBB-2247-BEF7-451AA7AB9405}" type="datetimeFigureOut">
               <a:rPr lang="en-US" smtClean="0"/>
-              <a:t>9/21/16</a:t>
+              <a:t>9/26/16</a:t>
             </a:fld>
             <a:endParaRPr lang="en-US"/>
           </a:p>
@@ -2111,7 +2111,7 @@
           <a:p>
             <a:fld id="{D3E90C50-6FBB-2247-BEF7-451AA7AB9405}" type="datetimeFigureOut">
               <a:rPr lang="en-US" smtClean="0"/>
-              <a:t>9/21/16</a:t>
+              <a:t>9/26/16</a:t>
             </a:fld>
             <a:endParaRPr lang="en-US"/>
           </a:p>
@@ -2364,7 +2364,7 @@
           <a:p>
             <a:fld id="{D3E90C50-6FBB-2247-BEF7-451AA7AB9405}" type="datetimeFigureOut">
               <a:rPr lang="en-US" smtClean="0"/>
-              <a:t>9/21/16</a:t>
+              <a:t>9/26/16</a:t>
             </a:fld>
             <a:endParaRPr lang="en-US"/>
           </a:p>
@@ -2577,7 +2577,7 @@
           <a:p>
             <a:fld id="{D3E90C50-6FBB-2247-BEF7-451AA7AB9405}" type="datetimeFigureOut">
               <a:rPr lang="en-US" smtClean="0"/>
-              <a:t>9/21/16</a:t>
+              <a:t>9/26/16</a:t>
             </a:fld>
             <a:endParaRPr lang="en-US"/>
           </a:p>
@@ -5722,11 +5722,7 @@
             <a:pPr algn="ctr"/>
             <a:r>
               <a:rPr lang="en-US" sz="1200" dirty="0" smtClean="0"/>
-              <a:t>Node </a:t>
-            </a:r>
-            <a:r>
-              <a:rPr lang="en-US" sz="1200" dirty="0" smtClean="0"/>
-              <a:t>Client</a:t>
+              <a:t>Node Client</a:t>
             </a:r>
           </a:p>
           <a:p>
@@ -6408,7 +6404,7 @@
         <p:spPr/>
         <p:txBody>
           <a:bodyPr>
-            <a:normAutofit fontScale="92500" lnSpcReduction="20000"/>
+            <a:normAutofit fontScale="85000" lnSpcReduction="20000"/>
           </a:bodyPr>
           <a:lstStyle/>
           <a:p>
@@ -6467,11 +6463,49 @@
             <a:pPr lvl="1"/>
             <a:r>
               <a:rPr lang="en-US" dirty="0" smtClean="0"/>
-              <a:t>Agree on the RPC framework for </a:t>
+              <a:t>Agree on the RPC framework for microservices</a:t>
+            </a:r>
+          </a:p>
+          <a:p>
+            <a:pPr lvl="1"/>
+            <a:r>
+              <a:rPr lang="en-US" dirty="0" smtClean="0"/>
+              <a:t>Implement Node/Java/Swift </a:t>
+            </a:r>
+            <a:r>
+              <a:rPr lang="en-US" dirty="0" smtClean="0"/>
+              <a:t>bindings</a:t>
+            </a:r>
+          </a:p>
+          <a:p>
+            <a:pPr lvl="1"/>
+            <a:r>
+              <a:rPr lang="en-US" dirty="0" smtClean="0"/>
+              <a:t>Implement </a:t>
             </a:r>
             <a:r>
               <a:rPr lang="en-US" dirty="0" err="1" smtClean="0"/>
-              <a:t>microservices</a:t>
+              <a:t>gRPC</a:t>
+            </a:r>
+            <a:r>
+              <a:rPr lang="en-US" dirty="0" smtClean="0"/>
+              <a:t> for Swift (</a:t>
+            </a:r>
+            <a:r>
+              <a:rPr lang="en-US" dirty="0" err="1" smtClean="0"/>
+              <a:t>Protobuf</a:t>
+            </a:r>
+            <a:r>
+              <a:rPr lang="en-US" dirty="0" smtClean="0"/>
+              <a:t> support is ready, </a:t>
+            </a:r>
+            <a:r>
+              <a:rPr lang="en-US" dirty="0" err="1" smtClean="0"/>
+              <a:t>gRPC</a:t>
+            </a:r>
+            <a:r>
+              <a:rPr lang="en-US" dirty="0" smtClean="0"/>
+              <a:t> WIP)</a:t>
             </a:r>
             <a:endParaRPr lang="en-US" dirty="0" smtClean="0"/>
           </a:p>
@@ -6479,27 +6513,15 @@
             <a:pPr lvl="1"/>
             <a:r>
               <a:rPr lang="en-US" dirty="0" smtClean="0"/>
-              <a:t>Implement Node/Java/Swift bindings</a:t>
+              <a:t>Build non-functional features such as distributed tracing and circuit breaking</a:t>
             </a:r>
           </a:p>
           <a:p>
             <a:pPr lvl="1"/>
             <a:r>
               <a:rPr lang="en-US" dirty="0" smtClean="0"/>
-              <a:t>Build non-functional features such as distributed tracing and circuit breaking</a:t>
-            </a:r>
-          </a:p>
-          <a:p>
-            <a:pPr lvl="1"/>
-            <a:r>
-              <a:rPr lang="en-US" dirty="0" smtClean="0"/>
-              <a:t>Fully implement a sample scenario consisting of polyglot </a:t>
-            </a:r>
-            <a:r>
-              <a:rPr lang="en-US" dirty="0" err="1" smtClean="0"/>
-              <a:t>microservices</a:t>
-            </a:r>
-            <a:endParaRPr lang="en-US" dirty="0" smtClean="0"/>
+              <a:t>Fully implement a sample scenario consisting of polyglot microservices</a:t>
+            </a:r>
           </a:p>
           <a:p>
             <a:pPr lvl="1"/>
@@ -6513,8 +6535,21 @@
             </a:r>
             <a:r>
               <a:rPr lang="en-US" dirty="0" smtClean="0"/>
-              <a:t> PoC</a:t>
-            </a:r>
+              <a:t> </a:t>
+            </a:r>
+            <a:r>
+              <a:rPr lang="en-US" dirty="0" err="1"/>
+              <a:t>PoC</a:t>
+            </a:r>
+            <a:r>
+              <a:rPr lang="en-US" dirty="0"/>
+              <a:t> and </a:t>
+            </a:r>
+            <a:r>
+              <a:rPr lang="en-US" dirty="0" smtClean="0"/>
+              <a:t>amalgam8</a:t>
+            </a:r>
+            <a:endParaRPr lang="en-US" dirty="0" smtClean="0"/>
           </a:p>
           <a:p>
             <a:pPr lvl="1"/>
@@ -6613,28 +6648,36 @@
               <a:rPr lang="en-US" dirty="0">
                 <a:hlinkClick r:id="rId2"/>
               </a:rPr>
-              <a:t>https://</a:t>
-            </a:r>
-            <a:r>
-              <a:rPr lang="en-US" dirty="0" smtClean="0">
+              <a:t>https://github.com/strongloop</a:t>
+            </a:r>
+            <a:r>
+              <a:rPr lang="en-US">
                 <a:hlinkClick r:id="rId2"/>
               </a:rPr>
-              <a:t>coreos.com/blog/gRPC-protobufs-swagger.html</a:t>
-            </a:r>
-            <a:endParaRPr lang="en-US" dirty="0" smtClean="0"/>
-          </a:p>
-          <a:p>
+              <a:t>/loopback-example-polyglot</a:t>
+            </a:r>
+            <a:endParaRPr lang="en-US" smtClean="0">
+              <a:hlinkClick r:id="rId3"/>
+            </a:endParaRPr>
+          </a:p>
+          <a:p>
+            <a:r>
+              <a:rPr lang="en-US" dirty="0" smtClean="0">
+                <a:hlinkClick r:id="rId3"/>
+              </a:rPr>
+              <a:t>https</a:t>
+            </a:r>
             <a:r>
               <a:rPr lang="en-US" dirty="0">
                 <a:hlinkClick r:id="rId3"/>
               </a:rPr>
-              <a:t>https://www.nginx.com/blog/introduction-to-microservices</a:t>
+              <a:t>://</a:t>
             </a:r>
             <a:r>
               <a:rPr lang="en-US" dirty="0" smtClean="0">
                 <a:hlinkClick r:id="rId3"/>
               </a:rPr>
-              <a:t>/</a:t>
+              <a:t>coreos.com/blog/gRPC-protobufs-swagger.html</a:t>
             </a:r>
             <a:endParaRPr lang="en-US" dirty="0" smtClean="0"/>
           </a:p>
@@ -6643,7 +6686,7 @@
               <a:rPr lang="en-US" dirty="0">
                 <a:hlinkClick r:id="rId4"/>
               </a:rPr>
-              <a:t>http://zipkin.io</a:t>
+              <a:t>https://www.nginx.com/blog/introduction-to-microservices</a:t>
             </a:r>
             <a:r>
               <a:rPr lang="en-US" dirty="0" smtClean="0">
@@ -6658,11 +6701,26 @@
               <a:rPr lang="en-US" dirty="0">
                 <a:hlinkClick r:id="rId5"/>
               </a:rPr>
-              <a:t>http://opentracing.io</a:t>
+              <a:t>http://zipkin.io</a:t>
             </a:r>
             <a:r>
               <a:rPr lang="en-US" dirty="0" smtClean="0">
                 <a:hlinkClick r:id="rId5"/>
+              </a:rPr>
+              <a:t>/</a:t>
+            </a:r>
+            <a:endParaRPr lang="en-US" dirty="0" smtClean="0"/>
+          </a:p>
+          <a:p>
+            <a:r>
+              <a:rPr lang="en-US" dirty="0">
+                <a:hlinkClick r:id="rId6"/>
+              </a:rPr>
+              <a:t>http://opentracing.io</a:t>
+            </a:r>
+            <a:r>
+              <a:rPr lang="en-US" dirty="0" smtClean="0">
+                <a:hlinkClick r:id="rId6"/>
               </a:rPr>
               <a:t>/</a:t>
             </a:r>
@@ -6712,7 +6770,7 @@
         <p:spPr>
           <a:xfrm>
             <a:off x="1026047" y="2058188"/>
-            <a:ext cx="4657060" cy="3545170"/>
+            <a:ext cx="4288622" cy="3545170"/>
           </a:xfrm>
           <a:prstGeom prst="roundRect">
             <a:avLst/>
@@ -6755,7 +6813,7 @@
         </p:nvSpPr>
         <p:spPr>
           <a:xfrm>
-            <a:off x="5784120" y="1690688"/>
+            <a:off x="5430552" y="1690688"/>
             <a:ext cx="4657060" cy="4975926"/>
           </a:xfrm>
           <a:prstGeom prst="roundRect">
@@ -6807,7 +6865,11 @@
           <a:p>
             <a:r>
               <a:rPr lang="en-US" dirty="0" smtClean="0"/>
-              <a:t>Scenario (APIs &amp; Microservices)</a:t>
+              <a:t>A typical scenario </a:t>
+            </a:r>
+            <a:r>
+              <a:rPr lang="en-US" dirty="0" smtClean="0"/>
+              <a:t>(APIs &amp; Microservices)</a:t>
             </a:r>
             <a:endParaRPr lang="en-US" dirty="0"/>
           </a:p>
@@ -6821,7 +6883,7 @@
         </p:nvSpPr>
         <p:spPr>
           <a:xfrm>
-            <a:off x="5449194" y="2071010"/>
+            <a:off x="5095626" y="2071010"/>
             <a:ext cx="1265275" cy="673930"/>
           </a:xfrm>
           <a:prstGeom prst="roundRect">
@@ -6870,7 +6932,7 @@
         </p:nvSpPr>
         <p:spPr>
           <a:xfrm>
-            <a:off x="5443877" y="3306839"/>
+            <a:off x="5090309" y="3306839"/>
             <a:ext cx="1265275" cy="683310"/>
           </a:xfrm>
           <a:prstGeom prst="roundRect">
@@ -6919,7 +6981,7 @@
         </p:nvSpPr>
         <p:spPr>
           <a:xfrm>
-            <a:off x="5449194" y="4518753"/>
+            <a:off x="5095626" y="4518753"/>
             <a:ext cx="1265275" cy="663575"/>
           </a:xfrm>
           <a:prstGeom prst="roundRect">
@@ -6968,7 +7030,7 @@
         </p:nvSpPr>
         <p:spPr>
           <a:xfrm>
-            <a:off x="7628866" y="2661958"/>
+            <a:off x="7275298" y="2661958"/>
             <a:ext cx="1265275" cy="657481"/>
           </a:xfrm>
           <a:prstGeom prst="roundRect">
@@ -7063,7 +7125,7 @@
         <p:spPr>
           <a:xfrm>
             <a:off x="3559260" y="3274236"/>
-            <a:ext cx="1884617" cy="374258"/>
+            <a:ext cx="1531049" cy="374258"/>
           </a:xfrm>
           <a:prstGeom prst="bentConnector3">
             <a:avLst/>
@@ -7092,7 +7154,7 @@
         </p:nvSpPr>
         <p:spPr>
           <a:xfrm>
-            <a:off x="7644819" y="3496811"/>
+            <a:off x="7291251" y="3496811"/>
             <a:ext cx="1265275" cy="631931"/>
           </a:xfrm>
           <a:prstGeom prst="roundRect">
@@ -7141,7 +7203,7 @@
         </p:nvSpPr>
         <p:spPr>
           <a:xfrm>
-            <a:off x="7644819" y="4354716"/>
+            <a:off x="7291251" y="4354716"/>
             <a:ext cx="1265275" cy="695359"/>
           </a:xfrm>
           <a:prstGeom prst="roundRect">
@@ -7193,7 +7255,7 @@
         </p:nvCxnSpPr>
         <p:spPr>
           <a:xfrm>
-            <a:off x="6714469" y="2407975"/>
+            <a:off x="6360901" y="2407975"/>
             <a:ext cx="2195625" cy="2294421"/>
           </a:xfrm>
           <a:prstGeom prst="bentConnector3">
@@ -7231,7 +7293,7 @@
         </p:nvCxnSpPr>
         <p:spPr>
           <a:xfrm flipV="1">
-            <a:off x="6709152" y="2990699"/>
+            <a:off x="6355584" y="2990699"/>
             <a:ext cx="919714" cy="657795"/>
           </a:xfrm>
           <a:prstGeom prst="bentConnector3">
@@ -7269,7 +7331,7 @@
         </p:nvCxnSpPr>
         <p:spPr>
           <a:xfrm rot="5400000">
-            <a:off x="5332659" y="4106685"/>
+            <a:off x="4979091" y="4106685"/>
             <a:ext cx="860392" cy="627321"/>
           </a:xfrm>
           <a:prstGeom prst="bentConnector4">
@@ -7308,7 +7370,7 @@
         </p:nvCxnSpPr>
         <p:spPr>
           <a:xfrm>
-            <a:off x="6709152" y="3648494"/>
+            <a:off x="6355584" y="3648494"/>
             <a:ext cx="935667" cy="164283"/>
           </a:xfrm>
           <a:prstGeom prst="bentConnector3">
@@ -7346,7 +7408,7 @@
         </p:nvCxnSpPr>
         <p:spPr>
           <a:xfrm rot="5400000" flipH="1" flipV="1">
-            <a:off x="5798224" y="3023232"/>
+            <a:off x="5444656" y="3023232"/>
             <a:ext cx="561899" cy="5317"/>
           </a:xfrm>
           <a:prstGeom prst="bentConnector3">
@@ -7379,7 +7441,7 @@
         </p:nvGrpSpPr>
         <p:grpSpPr>
           <a:xfrm>
-            <a:off x="6236003" y="5363506"/>
+            <a:off x="5882435" y="5363506"/>
             <a:ext cx="3753293" cy="1129598"/>
             <a:chOff x="4518837" y="5752326"/>
             <a:chExt cx="3753293" cy="1129598"/>
@@ -7515,7 +7577,7 @@
           </p:nvSpPr>
           <p:spPr>
             <a:xfrm>
-              <a:off x="5930311" y="6410271"/>
+              <a:off x="5927653" y="6410271"/>
               <a:ext cx="1010092" cy="404037"/>
             </a:xfrm>
             <a:prstGeom prst="roundRect">
@@ -7587,6 +7649,13 @@
                 <a:rPr lang="en-US" sz="1200" dirty="0" smtClean="0"/>
                 <a:t>Registry</a:t>
               </a:r>
+            </a:p>
+            <a:p>
+              <a:pPr algn="ctr"/>
+              <a:r>
+                <a:rPr lang="en-US" sz="1200" dirty="0" smtClean="0"/>
+                <a:t>Discovery</a:t>
+              </a:r>
               <a:endParaRPr lang="en-US" sz="1200" dirty="0"/>
             </a:p>
           </p:txBody>
@@ -7766,7 +7835,7 @@
         <p:spPr>
           <a:xfrm flipV="1">
             <a:off x="3559260" y="2407975"/>
-            <a:ext cx="1889934" cy="866261"/>
+            <a:ext cx="1536366" cy="866261"/>
           </a:xfrm>
           <a:prstGeom prst="bentConnector3">
             <a:avLst/>
@@ -7927,12 +7996,12 @@
         </p:nvCxnSpPr>
         <p:spPr>
           <a:xfrm rot="5400000" flipH="1" flipV="1">
-            <a:off x="5491870" y="392206"/>
-            <a:ext cx="499882" cy="5039386"/>
+            <a:off x="5315086" y="568990"/>
+            <a:ext cx="499882" cy="4685818"/>
           </a:xfrm>
           <a:prstGeom prst="bentConnector3">
             <a:avLst>
-              <a:gd name="adj1" fmla="val 322273"/>
+              <a:gd name="adj1" fmla="val 335971"/>
             </a:avLst>
           </a:prstGeom>
           <a:ln>
@@ -7962,8 +8031,8 @@
         </p:nvSpPr>
         <p:spPr>
           <a:xfrm>
-            <a:off x="9861707" y="2407975"/>
-            <a:ext cx="1887267" cy="2774354"/>
+            <a:off x="9396495" y="2545284"/>
+            <a:ext cx="2257141" cy="2431892"/>
           </a:xfrm>
           <a:prstGeom prst="roundRect">
             <a:avLst/>
@@ -7988,10 +8057,6 @@
           <a:lstStyle/>
           <a:p>
             <a:pPr algn="ctr"/>
-            <a:r>
-              <a:rPr lang="en-US" sz="1600" dirty="0" smtClean="0"/>
-              <a:t>System of Records Tier</a:t>
-            </a:r>
             <a:endParaRPr lang="en-US" sz="1600" dirty="0"/>
           </a:p>
         </p:txBody>
@@ -8005,13 +8070,26 @@
         <p:spPr>
           <a:xfrm>
             <a:off x="2862674" y="5102933"/>
-            <a:ext cx="827471" cy="338554"/>
+            <a:ext cx="907621" cy="338554"/>
           </a:xfrm>
           <a:prstGeom prst="rect">
             <a:avLst/>
           </a:prstGeom>
-          <a:noFill/>
-        </p:spPr>
+        </p:spPr>
+        <p:style>
+          <a:lnRef idx="0">
+            <a:schemeClr val="accent2"/>
+          </a:lnRef>
+          <a:fillRef idx="3">
+            <a:schemeClr val="accent2"/>
+          </a:fillRef>
+          <a:effectRef idx="3">
+            <a:schemeClr val="accent2"/>
+          </a:effectRef>
+          <a:fontRef idx="minor">
+            <a:schemeClr val="lt1"/>
+          </a:fontRef>
+        </p:style>
         <p:txBody>
           <a:bodyPr wrap="none" rtlCol="0">
             <a:spAutoFit/>
@@ -8019,10 +8097,14 @@
           <a:lstStyle/>
           <a:p>
             <a:r>
-              <a:rPr lang="en-US" sz="1600" smtClean="0"/>
-              <a:t>API Tier</a:t>
-            </a:r>
-            <a:endParaRPr lang="en-US" sz="1600"/>
+              <a:rPr lang="en-US" sz="1600" dirty="0" smtClean="0"/>
+              <a:t>APIs </a:t>
+            </a:r>
+            <a:r>
+              <a:rPr lang="en-US" sz="1600" dirty="0" smtClean="0"/>
+              <a:t>Tier</a:t>
+            </a:r>
+            <a:endParaRPr lang="en-US" sz="1600" dirty="0"/>
           </a:p>
         </p:txBody>
       </p:sp>
@@ -8034,14 +8116,27 @@
         </p:nvSpPr>
         <p:spPr>
           <a:xfrm>
-            <a:off x="8343765" y="1760005"/>
+            <a:off x="7547925" y="1820400"/>
             <a:ext cx="1702902" cy="338554"/>
           </a:xfrm>
           <a:prstGeom prst="rect">
             <a:avLst/>
           </a:prstGeom>
-          <a:noFill/>
-        </p:spPr>
+        </p:spPr>
+        <p:style>
+          <a:lnRef idx="0">
+            <a:schemeClr val="accent2"/>
+          </a:lnRef>
+          <a:fillRef idx="3">
+            <a:schemeClr val="accent2"/>
+          </a:fillRef>
+          <a:effectRef idx="3">
+            <a:schemeClr val="accent2"/>
+          </a:effectRef>
+          <a:fontRef idx="minor">
+            <a:schemeClr val="lt1"/>
+          </a:fontRef>
+        </p:style>
         <p:txBody>
           <a:bodyPr wrap="none" rtlCol="0">
             <a:spAutoFit/>
@@ -8053,6 +8148,275 @@
               <a:t>Microservices Tier</a:t>
             </a:r>
             <a:endParaRPr lang="en-US" sz="1600" dirty="0"/>
+          </a:p>
+        </p:txBody>
+      </p:sp>
+      <p:sp>
+        <p:nvSpPr>
+          <p:cNvPr id="9" name="Can 8"/>
+          <p:cNvSpPr/>
+          <p:nvPr/>
+        </p:nvSpPr>
+        <p:spPr>
+          <a:xfrm>
+            <a:off x="9805851" y="2815726"/>
+            <a:ext cx="548640" cy="506112"/>
+          </a:xfrm>
+          <a:prstGeom prst="can">
+            <a:avLst/>
+          </a:prstGeom>
+        </p:spPr>
+        <p:style>
+          <a:lnRef idx="2">
+            <a:schemeClr val="accent1">
+              <a:shade val="50000"/>
+            </a:schemeClr>
+          </a:lnRef>
+          <a:fillRef idx="1">
+            <a:schemeClr val="accent1"/>
+          </a:fillRef>
+          <a:effectRef idx="0">
+            <a:schemeClr val="accent1"/>
+          </a:effectRef>
+          <a:fontRef idx="minor">
+            <a:schemeClr val="lt1"/>
+          </a:fontRef>
+        </p:style>
+        <p:txBody>
+          <a:bodyPr rtlCol="0" anchor="ctr"/>
+          <a:lstStyle/>
+          <a:p>
+            <a:pPr algn="ctr"/>
+            <a:r>
+              <a:rPr lang="en-US" sz="1200" smtClean="0"/>
+              <a:t>DB</a:t>
+            </a:r>
+            <a:endParaRPr lang="en-US" sz="1200"/>
+          </a:p>
+        </p:txBody>
+      </p:sp>
+      <p:sp>
+        <p:nvSpPr>
+          <p:cNvPr id="14" name="Rounded Rectangle 13"/>
+          <p:cNvSpPr/>
+          <p:nvPr/>
+        </p:nvSpPr>
+        <p:spPr>
+          <a:xfrm>
+            <a:off x="9718476" y="4209739"/>
+            <a:ext cx="801189" cy="495824"/>
+          </a:xfrm>
+          <a:prstGeom prst="roundRect">
+            <a:avLst/>
+          </a:prstGeom>
+        </p:spPr>
+        <p:style>
+          <a:lnRef idx="2">
+            <a:schemeClr val="accent1">
+              <a:shade val="50000"/>
+            </a:schemeClr>
+          </a:lnRef>
+          <a:fillRef idx="1">
+            <a:schemeClr val="accent1"/>
+          </a:fillRef>
+          <a:effectRef idx="0">
+            <a:schemeClr val="accent1"/>
+          </a:effectRef>
+          <a:fontRef idx="minor">
+            <a:schemeClr val="lt1"/>
+          </a:fontRef>
+        </p:style>
+        <p:txBody>
+          <a:bodyPr rtlCol="0" anchor="ctr"/>
+          <a:lstStyle/>
+          <a:p>
+            <a:pPr algn="ctr"/>
+            <a:r>
+              <a:rPr lang="en-US" sz="1200" smtClean="0"/>
+              <a:t>SOAP</a:t>
+            </a:r>
+            <a:endParaRPr lang="en-US" sz="1200"/>
+          </a:p>
+        </p:txBody>
+      </p:sp>
+      <p:sp>
+        <p:nvSpPr>
+          <p:cNvPr id="47" name="Rounded Rectangle 46"/>
+          <p:cNvSpPr/>
+          <p:nvPr/>
+        </p:nvSpPr>
+        <p:spPr>
+          <a:xfrm>
+            <a:off x="10500315" y="2811015"/>
+            <a:ext cx="801189" cy="495824"/>
+          </a:xfrm>
+          <a:prstGeom prst="roundRect">
+            <a:avLst/>
+          </a:prstGeom>
+        </p:spPr>
+        <p:style>
+          <a:lnRef idx="2">
+            <a:schemeClr val="accent1">
+              <a:shade val="50000"/>
+            </a:schemeClr>
+          </a:lnRef>
+          <a:fillRef idx="1">
+            <a:schemeClr val="accent1"/>
+          </a:fillRef>
+          <a:effectRef idx="0">
+            <a:schemeClr val="accent1"/>
+          </a:effectRef>
+          <a:fontRef idx="minor">
+            <a:schemeClr val="lt1"/>
+          </a:fontRef>
+        </p:style>
+        <p:txBody>
+          <a:bodyPr rtlCol="0" anchor="ctr"/>
+          <a:lstStyle/>
+          <a:p>
+            <a:pPr algn="ctr"/>
+            <a:r>
+              <a:rPr lang="en-US" sz="1200" dirty="0" smtClean="0"/>
+              <a:t>REST</a:t>
+            </a:r>
+            <a:endParaRPr lang="en-US" sz="1200" dirty="0"/>
+          </a:p>
+        </p:txBody>
+      </p:sp>
+      <p:sp>
+        <p:nvSpPr>
+          <p:cNvPr id="15" name="TextBox 14"/>
+          <p:cNvSpPr txBox="1"/>
+          <p:nvPr/>
+        </p:nvSpPr>
+        <p:spPr>
+          <a:xfrm>
+            <a:off x="9537336" y="3620270"/>
+            <a:ext cx="2072619" cy="338554"/>
+          </a:xfrm>
+          <a:prstGeom prst="rect">
+            <a:avLst/>
+          </a:prstGeom>
+        </p:spPr>
+        <p:style>
+          <a:lnRef idx="0">
+            <a:schemeClr val="accent2"/>
+          </a:lnRef>
+          <a:fillRef idx="3">
+            <a:schemeClr val="accent2"/>
+          </a:fillRef>
+          <a:effectRef idx="3">
+            <a:schemeClr val="accent2"/>
+          </a:effectRef>
+          <a:fontRef idx="minor">
+            <a:schemeClr val="lt1"/>
+          </a:fontRef>
+        </p:style>
+        <p:txBody>
+          <a:bodyPr wrap="none" rtlCol="0">
+            <a:spAutoFit/>
+          </a:bodyPr>
+          <a:lstStyle/>
+          <a:p>
+            <a:r>
+              <a:rPr lang="en-US" sz="1600"/>
+              <a:t>System of </a:t>
+            </a:r>
+            <a:r>
+              <a:rPr lang="en-US" sz="1600"/>
+              <a:t>Records </a:t>
+            </a:r>
+            <a:r>
+              <a:rPr lang="en-US" sz="1600" smtClean="0"/>
+              <a:t>Tier</a:t>
+            </a:r>
+            <a:endParaRPr lang="en-US" sz="1600"/>
+          </a:p>
+        </p:txBody>
+      </p:sp>
+      <p:sp>
+        <p:nvSpPr>
+          <p:cNvPr id="48" name="Rounded Rectangle 47"/>
+          <p:cNvSpPr/>
+          <p:nvPr/>
+        </p:nvSpPr>
+        <p:spPr>
+          <a:xfrm>
+            <a:off x="10617097" y="4195299"/>
+            <a:ext cx="801189" cy="495824"/>
+          </a:xfrm>
+          <a:prstGeom prst="roundRect">
+            <a:avLst/>
+          </a:prstGeom>
+        </p:spPr>
+        <p:style>
+          <a:lnRef idx="2">
+            <a:schemeClr val="accent1">
+              <a:shade val="50000"/>
+            </a:schemeClr>
+          </a:lnRef>
+          <a:fillRef idx="1">
+            <a:schemeClr val="accent1"/>
+          </a:fillRef>
+          <a:effectRef idx="0">
+            <a:schemeClr val="accent1"/>
+          </a:effectRef>
+          <a:fontRef idx="minor">
+            <a:schemeClr val="lt1"/>
+          </a:fontRef>
+        </p:style>
+        <p:txBody>
+          <a:bodyPr rtlCol="0" anchor="ctr"/>
+          <a:lstStyle/>
+          <a:p>
+            <a:pPr algn="ctr"/>
+            <a:r>
+              <a:rPr lang="mr-IN" sz="1200" dirty="0" smtClean="0"/>
+              <a:t>…</a:t>
+            </a:r>
+            <a:endParaRPr lang="en-US" sz="1200" dirty="0"/>
+          </a:p>
+        </p:txBody>
+      </p:sp>
+      <p:sp>
+        <p:nvSpPr>
+          <p:cNvPr id="49" name="Rounded Rectangle 48"/>
+          <p:cNvSpPr/>
+          <p:nvPr/>
+        </p:nvSpPr>
+        <p:spPr>
+          <a:xfrm>
+            <a:off x="8386403" y="6020697"/>
+            <a:ext cx="1010092" cy="404037"/>
+          </a:xfrm>
+          <a:prstGeom prst="roundRect">
+            <a:avLst/>
+          </a:prstGeom>
+        </p:spPr>
+        <p:style>
+          <a:lnRef idx="1">
+            <a:schemeClr val="accent3"/>
+          </a:lnRef>
+          <a:fillRef idx="2">
+            <a:schemeClr val="accent3"/>
+          </a:fillRef>
+          <a:effectRef idx="1">
+            <a:schemeClr val="accent3"/>
+          </a:effectRef>
+          <a:fontRef idx="minor">
+            <a:schemeClr val="dk1"/>
+          </a:fontRef>
+        </p:style>
+        <p:txBody>
+          <a:bodyPr rtlCol="0" anchor="ctr"/>
+          <a:lstStyle/>
+          <a:p>
+            <a:pPr algn="ctr"/>
+            <a:r>
+              <a:rPr lang="en-US" sz="1200" dirty="0" smtClean="0"/>
+              <a:t>Analytics</a:t>
+            </a:r>
+            <a:endParaRPr lang="en-US" sz="1200" dirty="0"/>
           </a:p>
         </p:txBody>
       </p:sp>
@@ -8147,13 +8511,8 @@
           <a:p>
             <a:r>
               <a:rPr lang="en-US" dirty="0" smtClean="0"/>
-              <a:t>APIs should be created as composition of </a:t>
-            </a:r>
-            <a:r>
-              <a:rPr lang="en-US" dirty="0" err="1" smtClean="0"/>
-              <a:t>microservices</a:t>
-            </a:r>
-            <a:endParaRPr lang="en-US" dirty="0" smtClean="0"/>
+              <a:t>APIs should be created as composition of microservices</a:t>
+            </a:r>
           </a:p>
           <a:p>
             <a:r>
@@ -8496,8 +8855,12 @@
               <a:t>Key requirements for RPC between </a:t>
             </a:r>
             <a:r>
-              <a:rPr lang="en-US" dirty="0" err="1" smtClean="0"/>
-              <a:t>microservices</a:t>
+              <a:rPr lang="en-US" dirty="0"/>
+              <a:t>M</a:t>
+            </a:r>
+            <a:r>
+              <a:rPr lang="en-US" dirty="0" smtClean="0"/>
+              <a:t>icroservices</a:t>
             </a:r>
             <a:endParaRPr lang="en-US" dirty="0"/>
           </a:p>
@@ -8522,8 +8885,21 @@
           <a:p>
             <a:r>
               <a:rPr lang="en-US" dirty="0" smtClean="0"/>
-              <a:t>Works across languages and platforms</a:t>
-            </a:r>
+              <a:t>Works across languages and </a:t>
+            </a:r>
+            <a:r>
+              <a:rPr lang="en-US" dirty="0" smtClean="0"/>
+              <a:t>platforms (</a:t>
+            </a:r>
+            <a:r>
+              <a:rPr lang="en-US" dirty="0" err="1" smtClean="0"/>
+              <a:t>on-premise</a:t>
+            </a:r>
+            <a:r>
+              <a:rPr lang="en-US" dirty="0" smtClean="0"/>
+              <a:t> &amp; cloud)</a:t>
+            </a:r>
+            <a:endParaRPr lang="en-US" dirty="0" smtClean="0"/>
           </a:p>
           <a:p>
             <a:r>
@@ -8536,8 +8912,21 @@
             </a:r>
             <a:r>
               <a:rPr lang="en-US" dirty="0" smtClean="0"/>
-              <a:t>ervice/message definition (IDL)</a:t>
-            </a:r>
+              <a:t>ervice/message definition (</a:t>
+            </a:r>
+            <a:r>
+              <a:rPr lang="en-US" dirty="0" smtClean="0"/>
+              <a:t>IDL </a:t>
+            </a:r>
+            <a:r>
+              <a:rPr lang="mr-IN" dirty="0" smtClean="0"/>
+              <a:t>–</a:t>
+            </a:r>
+            <a:r>
+              <a:rPr lang="en-US" dirty="0" smtClean="0"/>
+              <a:t> language agnostic)</a:t>
+            </a:r>
+            <a:endParaRPr lang="en-US" dirty="0" smtClean="0"/>
           </a:p>
           <a:p>
             <a:r>
@@ -8644,7 +9033,11 @@
           <a:p>
             <a:r>
               <a:rPr lang="en-US" dirty="0" smtClean="0"/>
-              <a:t>Reference frameworks</a:t>
+              <a:t>Reference </a:t>
+            </a:r>
+            <a:r>
+              <a:rPr lang="en-US" dirty="0" smtClean="0"/>
+              <a:t>RPC frameworks</a:t>
             </a:r>
             <a:endParaRPr lang="en-US" dirty="0"/>
           </a:p>
@@ -8819,15 +9212,7 @@
           <a:p>
             <a:r>
               <a:rPr lang="en-US" dirty="0" smtClean="0"/>
-              <a:t>Let’s assume </a:t>
-            </a:r>
-            <a:r>
-              <a:rPr lang="en-US" dirty="0" err="1" smtClean="0"/>
-              <a:t>microservices</a:t>
-            </a:r>
-            <a:r>
-              <a:rPr lang="en-US" dirty="0" smtClean="0"/>
-              <a:t> speak </a:t>
+              <a:t>Let’s assume microservices speak </a:t>
             </a:r>
             <a:r>
               <a:rPr lang="en-US" dirty="0"/>
@@ -8841,7 +9226,19 @@
           <a:p>
             <a:r>
               <a:rPr lang="en-US" dirty="0" smtClean="0"/>
-              <a:t>As a LoopBack user</a:t>
+              <a:t>As a </a:t>
+            </a:r>
+            <a:r>
+              <a:rPr lang="en-US" dirty="0" err="1" smtClean="0"/>
+              <a:t>LoopBack</a:t>
+            </a:r>
+            <a:r>
+              <a:rPr lang="en-US" dirty="0" smtClean="0"/>
+              <a:t> </a:t>
+            </a:r>
+            <a:r>
+              <a:rPr lang="en-US" dirty="0" smtClean="0"/>
+              <a:t>developer</a:t>
             </a:r>
             <a:endParaRPr lang="en-US" dirty="0"/>
           </a:p>
@@ -8849,37 +9246,26 @@
             <a:pPr lvl="1"/>
             <a:r>
               <a:rPr lang="en-US" dirty="0" smtClean="0"/>
-              <a:t>I should be able to connect to other </a:t>
-            </a:r>
-            <a:r>
-              <a:rPr lang="en-US" dirty="0" err="1" smtClean="0"/>
-              <a:t>microservices</a:t>
-            </a:r>
-            <a:r>
-              <a:rPr lang="en-US" dirty="0" smtClean="0"/>
-              <a:t>, regardless of the programming language</a:t>
+              <a:t>I should be able to connect to other microservices, regardless of the programming language</a:t>
             </a:r>
           </a:p>
           <a:p>
             <a:pPr lvl="1"/>
             <a:r>
               <a:rPr lang="en-US" dirty="0" smtClean="0"/>
-              <a:t>I should be able to expose LoopBack models as a microservice so that other </a:t>
-            </a:r>
-            <a:r>
-              <a:rPr lang="en-US" dirty="0" err="1" smtClean="0"/>
-              <a:t>microservices</a:t>
-            </a:r>
-            <a:r>
-              <a:rPr lang="en-US" dirty="0" smtClean="0"/>
-              <a:t> can interact with LoopBack apps</a:t>
-            </a:r>
-          </a:p>
-          <a:p>
-            <a:r>
-              <a:rPr lang="en-US" dirty="0" smtClean="0"/>
-              <a:t>As an API Gateway user</a:t>
-            </a:r>
+              <a:t>I should be able to expose LoopBack models as a microservice so that other microservices can interact with LoopBack apps</a:t>
+            </a:r>
+          </a:p>
+          <a:p>
+            <a:r>
+              <a:rPr lang="en-US" dirty="0" smtClean="0"/>
+              <a:t>As an API Gateway </a:t>
+            </a:r>
+            <a:r>
+              <a:rPr lang="en-US" dirty="0" smtClean="0"/>
+              <a:t>developer</a:t>
+            </a:r>
+            <a:endParaRPr lang="en-US" dirty="0" smtClean="0"/>
           </a:p>
           <a:p>
             <a:pPr lvl="1"/>
@@ -8971,10 +9357,34 @@
           <a:p>
             <a:r>
               <a:rPr lang="en-US" dirty="0" smtClean="0"/>
-              <a:t>Start with API design using Swagger</a:t>
-            </a:r>
-          </a:p>
-          <a:p>
+              <a:t>Start with API </a:t>
+            </a:r>
+            <a:r>
+              <a:rPr lang="en-US" dirty="0" smtClean="0"/>
+              <a:t>designer to create API spec Swagger</a:t>
+            </a:r>
+          </a:p>
+          <a:p>
+            <a:r>
+              <a:rPr lang="en-US" dirty="0" smtClean="0"/>
+              <a:t>Implement the API as a </a:t>
+            </a:r>
+            <a:r>
+              <a:rPr lang="en-US" dirty="0" err="1" smtClean="0"/>
+              <a:t>gRPC</a:t>
+            </a:r>
+            <a:r>
+              <a:rPr lang="en-US" dirty="0" smtClean="0"/>
+              <a:t> </a:t>
+            </a:r>
+            <a:r>
+              <a:rPr lang="en-US" dirty="0" err="1" smtClean="0"/>
+              <a:t>microservice</a:t>
+            </a:r>
+            <a:endParaRPr lang="en-US" dirty="0" smtClean="0"/>
+          </a:p>
+          <a:p>
+            <a:pPr lvl="1"/>
             <a:r>
               <a:rPr lang="en-US" dirty="0" smtClean="0"/>
               <a:t>Generate </a:t>
@@ -8989,6 +9399,7 @@
             </a:r>
           </a:p>
           <a:p>
+            <a:pPr lvl="1"/>
             <a:r>
               <a:rPr lang="en-US" dirty="0" smtClean="0"/>
               <a:t>Generate stubs for Java/Swift/</a:t>
@@ -8999,9 +9410,16 @@
             </a:r>
           </a:p>
           <a:p>
+            <a:pPr lvl="1"/>
             <a:r>
               <a:rPr lang="is-IS" dirty="0" smtClean="0"/>
               <a:t>Implement API logic in Java/Swift</a:t>
+            </a:r>
+          </a:p>
+          <a:p>
+            <a:r>
+              <a:rPr lang="is-IS" dirty="0" smtClean="0"/>
+              <a:t>Expose a gRPC microservice over REST</a:t>
             </a:r>
           </a:p>
           <a:p>
@@ -9072,7 +9490,23 @@
           <a:p>
             <a:r>
               <a:rPr lang="en-US" dirty="0" smtClean="0"/>
-              <a:t>REST + gRPC</a:t>
+              <a:t>REST + </a:t>
+            </a:r>
+            <a:r>
+              <a:rPr lang="en-US" dirty="0" err="1" smtClean="0"/>
+              <a:t>gRPC</a:t>
+            </a:r>
+            <a:r>
+              <a:rPr lang="en-US" dirty="0" smtClean="0"/>
+              <a:t> (dual faces of a </a:t>
+            </a:r>
+            <a:r>
+              <a:rPr lang="en-US" dirty="0" err="1" smtClean="0"/>
+              <a:t>Microservice</a:t>
+            </a:r>
+            <a:r>
+              <a:rPr lang="en-US" dirty="0" smtClean="0"/>
+              <a:t>?)</a:t>
             </a:r>
             <a:endParaRPr lang="en-US" dirty="0"/>
           </a:p>
@@ -9086,7 +9520,7 @@
         </p:nvSpPr>
         <p:spPr>
           <a:xfrm>
-            <a:off x="5170969" y="2636874"/>
+            <a:off x="5170969" y="3137618"/>
             <a:ext cx="1616148" cy="2115879"/>
           </a:xfrm>
           <a:prstGeom prst="rect">
@@ -9128,7 +9562,7 @@
         </p:nvSpPr>
         <p:spPr>
           <a:xfrm>
-            <a:off x="2328530" y="2224864"/>
+            <a:off x="2328530" y="2725608"/>
             <a:ext cx="1350335" cy="808075"/>
           </a:xfrm>
           <a:prstGeom prst="foldedCorner">
@@ -9177,7 +9611,7 @@
         </p:nvSpPr>
         <p:spPr>
           <a:xfrm>
-            <a:off x="4529470" y="2860158"/>
+            <a:off x="4529470" y="3360902"/>
             <a:ext cx="1045524" cy="542261"/>
           </a:xfrm>
           <a:prstGeom prst="chevron">
@@ -9240,7 +9674,7 @@
         </p:nvSpPr>
         <p:spPr>
           <a:xfrm>
-            <a:off x="4529469" y="4008362"/>
+            <a:off x="4529469" y="4509106"/>
             <a:ext cx="1045525" cy="542261"/>
           </a:xfrm>
           <a:prstGeom prst="chevron">
@@ -9303,7 +9737,7 @@
         </p:nvSpPr>
         <p:spPr>
           <a:xfrm>
-            <a:off x="2328530" y="4486825"/>
+            <a:off x="2328530" y="4987569"/>
             <a:ext cx="1350335" cy="808075"/>
           </a:xfrm>
           <a:prstGeom prst="foldedCorner">
@@ -9357,7 +9791,7 @@
         </p:nvCxnSpPr>
         <p:spPr>
           <a:xfrm>
-            <a:off x="3678865" y="3009012"/>
+            <a:off x="3678865" y="3509756"/>
             <a:ext cx="1088869" cy="159489"/>
           </a:xfrm>
           <a:prstGeom prst="bentConnector3">
@@ -9393,7 +9827,7 @@
         </p:nvCxnSpPr>
         <p:spPr>
           <a:xfrm flipV="1">
-            <a:off x="3678865" y="4279493"/>
+            <a:off x="3678865" y="4780237"/>
             <a:ext cx="1088868" cy="611370"/>
           </a:xfrm>
           <a:prstGeom prst="bentConnector3">
@@ -9429,7 +9863,7 @@
         </p:nvCxnSpPr>
         <p:spPr>
           <a:xfrm>
-            <a:off x="3003698" y="3032939"/>
+            <a:off x="3003698" y="3533683"/>
             <a:ext cx="0" cy="1453886"/>
           </a:xfrm>
           <a:prstGeom prst="straightConnector1">
@@ -9463,7 +9897,7 @@
         </p:nvSpPr>
         <p:spPr>
           <a:xfrm>
-            <a:off x="2530548" y="3540642"/>
+            <a:off x="2530548" y="4041386"/>
             <a:ext cx="978195" cy="467720"/>
           </a:xfrm>
           <a:prstGeom prst="roundRect">
@@ -9505,7 +9939,7 @@
         </p:nvSpPr>
         <p:spPr>
           <a:xfrm>
-            <a:off x="6464592" y="4024199"/>
+            <a:off x="6464592" y="4524943"/>
             <a:ext cx="1277672" cy="542261"/>
           </a:xfrm>
           <a:prstGeom prst="chevron">
@@ -9557,7 +9991,7 @@
         </p:nvSpPr>
         <p:spPr>
           <a:xfrm>
-            <a:off x="6429959" y="2860157"/>
+            <a:off x="6429959" y="3360901"/>
             <a:ext cx="1312305" cy="542261"/>
           </a:xfrm>
           <a:prstGeom prst="chevron">
@@ -9620,7 +10054,7 @@
         </p:nvSpPr>
         <p:spPr>
           <a:xfrm>
-            <a:off x="8686800" y="2317898"/>
+            <a:off x="8686800" y="2818642"/>
             <a:ext cx="1158949" cy="813389"/>
           </a:xfrm>
           <a:prstGeom prst="roundRect">
@@ -9664,7 +10098,7 @@
         </p:nvSpPr>
         <p:spPr>
           <a:xfrm>
-            <a:off x="8683247" y="3758497"/>
+            <a:off x="8683247" y="4259241"/>
             <a:ext cx="1158949" cy="813389"/>
           </a:xfrm>
           <a:prstGeom prst="roundRect">
@@ -9702,7 +10136,7 @@
         </p:nvSpPr>
         <p:spPr>
           <a:xfrm>
-            <a:off x="8835647" y="3910897"/>
+            <a:off x="8835647" y="4411641"/>
             <a:ext cx="1158949" cy="813389"/>
           </a:xfrm>
           <a:prstGeom prst="roundRect">
@@ -9740,7 +10174,7 @@
         </p:nvSpPr>
         <p:spPr>
           <a:xfrm>
-            <a:off x="8988047" y="4063297"/>
+            <a:off x="8988047" y="4564041"/>
             <a:ext cx="1158949" cy="813389"/>
           </a:xfrm>
           <a:prstGeom prst="roundRect">
@@ -9768,11 +10202,7 @@
             <a:pPr algn="ctr"/>
             <a:r>
               <a:rPr lang="en-US" sz="1200" dirty="0" smtClean="0"/>
-              <a:t>gRPC </a:t>
-            </a:r>
-            <a:r>
-              <a:rPr lang="en-US" sz="1200" dirty="0" err="1" smtClean="0"/>
-              <a:t>microservices</a:t>
+              <a:t>gRPC microservices</a:t>
             </a:r>
             <a:endParaRPr lang="en-US" sz="1200" dirty="0"/>
           </a:p>
@@ -9786,7 +10216,7 @@
         </p:nvSpPr>
         <p:spPr>
           <a:xfrm>
-            <a:off x="8839200" y="2470298"/>
+            <a:off x="8839200" y="2971042"/>
             <a:ext cx="1158949" cy="813389"/>
           </a:xfrm>
           <a:prstGeom prst="roundRect">
@@ -9833,7 +10263,7 @@
         </p:nvCxnSpPr>
         <p:spPr>
           <a:xfrm flipV="1">
-            <a:off x="7742264" y="2724593"/>
+            <a:off x="7742264" y="3225337"/>
             <a:ext cx="944536" cy="406695"/>
           </a:xfrm>
           <a:prstGeom prst="bentConnector3">
@@ -9869,7 +10299,7 @@
         </p:nvCxnSpPr>
         <p:spPr>
           <a:xfrm flipV="1">
-            <a:off x="7742264" y="4165192"/>
+            <a:off x="7742264" y="4665936"/>
             <a:ext cx="940983" cy="130138"/>
           </a:xfrm>
           <a:prstGeom prst="bentConnector3">
@@ -9894,6 +10324,238 @@
           </a:fontRef>
         </p:style>
       </p:cxnSp>
+      <p:sp>
+        <p:nvSpPr>
+          <p:cNvPr id="3" name="Rounded Rectangle 2"/>
+          <p:cNvSpPr/>
+          <p:nvPr/>
+        </p:nvSpPr>
+        <p:spPr>
+          <a:xfrm>
+            <a:off x="4930994" y="1722269"/>
+            <a:ext cx="2155117" cy="938325"/>
+          </a:xfrm>
+          <a:prstGeom prst="roundRect">
+            <a:avLst/>
+          </a:prstGeom>
+          <a:ln>
+            <a:noFill/>
+          </a:ln>
+        </p:spPr>
+        <p:style>
+          <a:lnRef idx="1">
+            <a:schemeClr val="dk1"/>
+          </a:lnRef>
+          <a:fillRef idx="2">
+            <a:schemeClr val="dk1"/>
+          </a:fillRef>
+          <a:effectRef idx="1">
+            <a:schemeClr val="dk1"/>
+          </a:effectRef>
+          <a:fontRef idx="minor">
+            <a:schemeClr val="dk1"/>
+          </a:fontRef>
+        </p:style>
+        <p:txBody>
+          <a:bodyPr rtlCol="0" anchor="ctr"/>
+          <a:lstStyle/>
+          <a:p>
+            <a:pPr algn="ctr"/>
+            <a:r>
+              <a:rPr lang="en-US" sz="1200" dirty="0" smtClean="0">
+                <a:solidFill>
+                  <a:schemeClr val="accent4">
+                    <a:lumMod val="20000"/>
+                    <a:lumOff val="80000"/>
+                  </a:schemeClr>
+                </a:solidFill>
+              </a:rPr>
+              <a:t>in-process sidecar</a:t>
+            </a:r>
+          </a:p>
+          <a:p>
+            <a:pPr algn="ctr"/>
+            <a:r>
+              <a:rPr lang="en-US" sz="1200" dirty="0" smtClean="0">
+                <a:solidFill>
+                  <a:schemeClr val="accent4">
+                    <a:lumMod val="20000"/>
+                    <a:lumOff val="80000"/>
+                  </a:schemeClr>
+                </a:solidFill>
+              </a:rPr>
+              <a:t>for service registry, load balancing, circuit break, A/B testing, distributed tracing/monitoring</a:t>
+            </a:r>
+            <a:endParaRPr lang="en-US" sz="1200" dirty="0">
+              <a:solidFill>
+                <a:schemeClr val="accent4">
+                  <a:lumMod val="20000"/>
+                  <a:lumOff val="80000"/>
+                </a:schemeClr>
+              </a:solidFill>
+            </a:endParaRPr>
+          </a:p>
+        </p:txBody>
+      </p:sp>
+      <p:cxnSp>
+        <p:nvCxnSpPr>
+          <p:cNvPr id="6" name="Elbow Connector 5"/>
+          <p:cNvCxnSpPr>
+            <a:stCxn id="3" idx="3"/>
+            <a:endCxn id="23" idx="0"/>
+          </p:cNvCxnSpPr>
+          <p:nvPr/>
+        </p:nvCxnSpPr>
+        <p:spPr>
+          <a:xfrm flipH="1">
+            <a:off x="6984296" y="2191432"/>
+            <a:ext cx="101815" cy="2333511"/>
+          </a:xfrm>
+          <a:prstGeom prst="bentConnector4">
+            <a:avLst>
+              <a:gd name="adj1" fmla="val -224525"/>
+              <a:gd name="adj2" fmla="val 60053"/>
+            </a:avLst>
+          </a:prstGeom>
+          <a:ln>
+            <a:prstDash val="dash"/>
+            <a:tailEnd type="triangle"/>
+          </a:ln>
+        </p:spPr>
+        <p:style>
+          <a:lnRef idx="1">
+            <a:schemeClr val="accent1"/>
+          </a:lnRef>
+          <a:fillRef idx="0">
+            <a:schemeClr val="accent1"/>
+          </a:fillRef>
+          <a:effectRef idx="0">
+            <a:schemeClr val="accent1"/>
+          </a:effectRef>
+          <a:fontRef idx="minor">
+            <a:schemeClr val="tx1"/>
+          </a:fontRef>
+        </p:style>
+      </p:cxnSp>
+      <p:cxnSp>
+        <p:nvCxnSpPr>
+          <p:cNvPr id="30" name="Elbow Connector 29"/>
+          <p:cNvCxnSpPr>
+            <a:stCxn id="3" idx="1"/>
+            <a:endCxn id="9" idx="0"/>
+          </p:cNvCxnSpPr>
+          <p:nvPr/>
+        </p:nvCxnSpPr>
+        <p:spPr>
+          <a:xfrm rot="10800000" flipH="1" flipV="1">
+            <a:off x="4930993" y="2191432"/>
+            <a:ext cx="2105" cy="2317674"/>
+          </a:xfrm>
+          <a:prstGeom prst="bentConnector4">
+            <a:avLst>
+              <a:gd name="adj1" fmla="val -10859857"/>
+              <a:gd name="adj2" fmla="val 60121"/>
+            </a:avLst>
+          </a:prstGeom>
+          <a:ln>
+            <a:prstDash val="dash"/>
+            <a:tailEnd type="triangle"/>
+          </a:ln>
+        </p:spPr>
+        <p:style>
+          <a:lnRef idx="1">
+            <a:schemeClr val="accent1"/>
+          </a:lnRef>
+          <a:fillRef idx="0">
+            <a:schemeClr val="accent1"/>
+          </a:fillRef>
+          <a:effectRef idx="0">
+            <a:schemeClr val="accent1"/>
+          </a:effectRef>
+          <a:fontRef idx="minor">
+            <a:schemeClr val="tx1"/>
+          </a:fontRef>
+        </p:style>
+      </p:cxnSp>
+      <p:sp>
+        <p:nvSpPr>
+          <p:cNvPr id="5" name="Rectangle 4"/>
+          <p:cNvSpPr/>
+          <p:nvPr/>
+        </p:nvSpPr>
+        <p:spPr>
+          <a:xfrm>
+            <a:off x="4223299" y="5604743"/>
+            <a:ext cx="3852672" cy="739268"/>
+          </a:xfrm>
+          <a:prstGeom prst="rect">
+            <a:avLst/>
+          </a:prstGeom>
+        </p:spPr>
+        <p:style>
+          <a:lnRef idx="2">
+            <a:schemeClr val="accent2"/>
+          </a:lnRef>
+          <a:fillRef idx="1">
+            <a:schemeClr val="lt1"/>
+          </a:fillRef>
+          <a:effectRef idx="0">
+            <a:schemeClr val="accent2"/>
+          </a:effectRef>
+          <a:fontRef idx="minor">
+            <a:schemeClr val="dk1"/>
+          </a:fontRef>
+        </p:style>
+        <p:txBody>
+          <a:bodyPr rtlCol="0" anchor="ctr"/>
+          <a:lstStyle/>
+          <a:p>
+            <a:pPr algn="ctr"/>
+            <a:r>
+              <a:rPr lang="en-US" sz="1600" dirty="0" smtClean="0"/>
+              <a:t>Crazy analogy?</a:t>
+            </a:r>
+          </a:p>
+          <a:p>
+            <a:pPr marL="285750" indent="-285750">
+              <a:buFont typeface="Arial" charset="0"/>
+              <a:buChar char="•"/>
+            </a:pPr>
+            <a:r>
+              <a:rPr lang="en-US" sz="1600" dirty="0" err="1" smtClean="0"/>
+              <a:t>gRPC</a:t>
+            </a:r>
+            <a:r>
+              <a:rPr lang="en-US" sz="1600" dirty="0" smtClean="0"/>
+              <a:t> endpoint </a:t>
+            </a:r>
+            <a:r>
+              <a:rPr lang="en-US" sz="1600" dirty="0" smtClean="0">
+                <a:sym typeface="Wingdings"/>
+              </a:rPr>
+              <a:t> internal interface</a:t>
+            </a:r>
+            <a:endParaRPr lang="en-US" sz="1600" dirty="0" smtClean="0"/>
+          </a:p>
+          <a:p>
+            <a:pPr marL="285750" indent="-285750">
+              <a:buFont typeface="Arial" charset="0"/>
+              <a:buChar char="•"/>
+            </a:pPr>
+            <a:r>
+              <a:rPr lang="en-US" sz="1600" dirty="0" smtClean="0"/>
+              <a:t>REST endpoint </a:t>
+            </a:r>
+            <a:r>
+              <a:rPr lang="en-US" sz="1600" dirty="0" smtClean="0">
+                <a:sym typeface="Wingdings"/>
+              </a:rPr>
+              <a:t> public interface</a:t>
+            </a:r>
+            <a:endParaRPr lang="en-US" sz="1600" dirty="0"/>
+          </a:p>
+        </p:txBody>
+      </p:sp>
     </p:spTree>
     <p:extLst>
       <p:ext uri="{BB962C8B-B14F-4D97-AF65-F5344CB8AC3E}">
@@ -9941,7 +10603,19 @@
           <a:p>
             <a:r>
               <a:rPr lang="en-US" dirty="0" smtClean="0"/>
-              <a:t>Node.js as the primary E2E API solution</a:t>
+              <a:t>Node.js as the primary </a:t>
+            </a:r>
+            <a:r>
+              <a:rPr lang="en-US" dirty="0" smtClean="0"/>
+              <a:t>glue for </a:t>
+            </a:r>
+            <a:r>
+              <a:rPr lang="en-US" dirty="0" smtClean="0"/>
+              <a:t>API </a:t>
+            </a:r>
+            <a:r>
+              <a:rPr lang="en-US" dirty="0" smtClean="0"/>
+              <a:t>solution</a:t>
             </a:r>
             <a:endParaRPr lang="en-US" dirty="0"/>
           </a:p>
@@ -9964,29 +10638,59 @@
           <a:p>
             <a:r>
               <a:rPr lang="en-US" dirty="0" smtClean="0"/>
-              <a:t>Define extension points with IDL</a:t>
-            </a:r>
-          </a:p>
-          <a:p>
-            <a:r>
-              <a:rPr lang="en-US" dirty="0" smtClean="0"/>
-              <a:t>Allow extensions to be implemented using other languages/platforms</a:t>
-            </a:r>
-          </a:p>
-          <a:p>
+              <a:t>Extensibility and pluggability is key for </a:t>
+            </a:r>
+            <a:r>
+              <a:rPr lang="en-US" dirty="0" err="1" smtClean="0"/>
+              <a:t>LoopBack</a:t>
+            </a:r>
+            <a:r>
+              <a:rPr lang="en-US" dirty="0" smtClean="0"/>
+              <a:t> to allow polyglot solutions</a:t>
+            </a:r>
+          </a:p>
+          <a:p>
+            <a:pPr lvl="1"/>
+            <a:r>
+              <a:rPr lang="en-US" dirty="0" smtClean="0"/>
+              <a:t>Define </a:t>
+            </a:r>
+            <a:r>
+              <a:rPr lang="en-US" dirty="0" smtClean="0"/>
+              <a:t>extension </a:t>
+            </a:r>
+            <a:r>
+              <a:rPr lang="en-US" dirty="0" smtClean="0"/>
+              <a:t>points </a:t>
+            </a:r>
+          </a:p>
+          <a:p>
+            <a:pPr lvl="1"/>
+            <a:r>
+              <a:rPr lang="en-US" dirty="0" smtClean="0"/>
+              <a:t>Allow </a:t>
+            </a:r>
+            <a:r>
+              <a:rPr lang="en-US" dirty="0" smtClean="0"/>
+              <a:t>extensions to be implemented using other languages/platforms</a:t>
+            </a:r>
+          </a:p>
+          <a:p>
+            <a:pPr lvl="1"/>
             <a:r>
               <a:rPr lang="en-US" dirty="0" smtClean="0"/>
               <a:t>Use modern RPC to communicate between Node and other runtimes</a:t>
             </a:r>
           </a:p>
           <a:p>
+            <a:pPr lvl="1"/>
             <a:r>
               <a:rPr lang="en-US" dirty="0" smtClean="0"/>
               <a:t>Possible extensions:</a:t>
             </a:r>
           </a:p>
           <a:p>
-            <a:pPr lvl="1"/>
+            <a:pPr lvl="2"/>
             <a:r>
               <a:rPr lang="en-US" dirty="0" smtClean="0"/>
               <a:t>Policies to enforce </a:t>
@@ -9998,14 +10702,14 @@
             <a:endParaRPr lang="en-US" dirty="0" smtClean="0"/>
           </a:p>
           <a:p>
-            <a:pPr lvl="1"/>
+            <a:pPr lvl="2"/>
             <a:r>
               <a:rPr lang="en-US" dirty="0" smtClean="0"/>
               <a:t>API implementations</a:t>
             </a:r>
           </a:p>
           <a:p>
-            <a:pPr lvl="1"/>
+            <a:pPr lvl="2"/>
             <a:r>
               <a:rPr lang="en-US" dirty="0" smtClean="0"/>
               <a:t>Connectivity to backend systems </a:t>

--- a/Polyglot Microservices.pptx
+++ b/Polyglot Microservices.pptx
@@ -256,7 +256,7 @@
           <a:p>
             <a:fld id="{D3E90C50-6FBB-2247-BEF7-451AA7AB9405}" type="datetimeFigureOut">
               <a:rPr lang="en-US" smtClean="0"/>
-              <a:t>9/26/16</a:t>
+              <a:t>9/30/16</a:t>
             </a:fld>
             <a:endParaRPr lang="en-US"/>
           </a:p>
@@ -426,7 +426,7 @@
           <a:p>
             <a:fld id="{D3E90C50-6FBB-2247-BEF7-451AA7AB9405}" type="datetimeFigureOut">
               <a:rPr lang="en-US" smtClean="0"/>
-              <a:t>9/26/16</a:t>
+              <a:t>9/30/16</a:t>
             </a:fld>
             <a:endParaRPr lang="en-US"/>
           </a:p>
@@ -606,7 +606,7 @@
           <a:p>
             <a:fld id="{D3E90C50-6FBB-2247-BEF7-451AA7AB9405}" type="datetimeFigureOut">
               <a:rPr lang="en-US" smtClean="0"/>
-              <a:t>9/26/16</a:t>
+              <a:t>9/30/16</a:t>
             </a:fld>
             <a:endParaRPr lang="en-US"/>
           </a:p>
@@ -776,7 +776,7 @@
           <a:p>
             <a:fld id="{D3E90C50-6FBB-2247-BEF7-451AA7AB9405}" type="datetimeFigureOut">
               <a:rPr lang="en-US" smtClean="0"/>
-              <a:t>9/26/16</a:t>
+              <a:t>9/30/16</a:t>
             </a:fld>
             <a:endParaRPr lang="en-US"/>
           </a:p>
@@ -1022,7 +1022,7 @@
           <a:p>
             <a:fld id="{D3E90C50-6FBB-2247-BEF7-451AA7AB9405}" type="datetimeFigureOut">
               <a:rPr lang="en-US" smtClean="0"/>
-              <a:t>9/26/16</a:t>
+              <a:t>9/30/16</a:t>
             </a:fld>
             <a:endParaRPr lang="en-US"/>
           </a:p>
@@ -1254,7 +1254,7 @@
           <a:p>
             <a:fld id="{D3E90C50-6FBB-2247-BEF7-451AA7AB9405}" type="datetimeFigureOut">
               <a:rPr lang="en-US" smtClean="0"/>
-              <a:t>9/26/16</a:t>
+              <a:t>9/30/16</a:t>
             </a:fld>
             <a:endParaRPr lang="en-US"/>
           </a:p>
@@ -1621,7 +1621,7 @@
           <a:p>
             <a:fld id="{D3E90C50-6FBB-2247-BEF7-451AA7AB9405}" type="datetimeFigureOut">
               <a:rPr lang="en-US" smtClean="0"/>
-              <a:t>9/26/16</a:t>
+              <a:t>9/30/16</a:t>
             </a:fld>
             <a:endParaRPr lang="en-US"/>
           </a:p>
@@ -1739,7 +1739,7 @@
           <a:p>
             <a:fld id="{D3E90C50-6FBB-2247-BEF7-451AA7AB9405}" type="datetimeFigureOut">
               <a:rPr lang="en-US" smtClean="0"/>
-              <a:t>9/26/16</a:t>
+              <a:t>9/30/16</a:t>
             </a:fld>
             <a:endParaRPr lang="en-US"/>
           </a:p>
@@ -1834,7 +1834,7 @@
           <a:p>
             <a:fld id="{D3E90C50-6FBB-2247-BEF7-451AA7AB9405}" type="datetimeFigureOut">
               <a:rPr lang="en-US" smtClean="0"/>
-              <a:t>9/26/16</a:t>
+              <a:t>9/30/16</a:t>
             </a:fld>
             <a:endParaRPr lang="en-US"/>
           </a:p>
@@ -2111,7 +2111,7 @@
           <a:p>
             <a:fld id="{D3E90C50-6FBB-2247-BEF7-451AA7AB9405}" type="datetimeFigureOut">
               <a:rPr lang="en-US" smtClean="0"/>
-              <a:t>9/26/16</a:t>
+              <a:t>9/30/16</a:t>
             </a:fld>
             <a:endParaRPr lang="en-US"/>
           </a:p>
@@ -2364,7 +2364,7 @@
           <a:p>
             <a:fld id="{D3E90C50-6FBB-2247-BEF7-451AA7AB9405}" type="datetimeFigureOut">
               <a:rPr lang="en-US" smtClean="0"/>
-              <a:t>9/26/16</a:t>
+              <a:t>9/30/16</a:t>
             </a:fld>
             <a:endParaRPr lang="en-US"/>
           </a:p>
@@ -2577,7 +2577,7 @@
           <a:p>
             <a:fld id="{D3E90C50-6FBB-2247-BEF7-451AA7AB9405}" type="datetimeFigureOut">
               <a:rPr lang="en-US" smtClean="0"/>
-              <a:t>9/26/16</a:t>
+              <a:t>9/30/16</a:t>
             </a:fld>
             <a:endParaRPr lang="en-US"/>
           </a:p>
@@ -4385,6 +4385,72 @@
       </p:grpSpPr>
       <p:sp>
         <p:nvSpPr>
+          <p:cNvPr id="37" name="Rectangle 36"/>
+          <p:cNvSpPr/>
+          <p:nvPr/>
+        </p:nvSpPr>
+        <p:spPr>
+          <a:xfrm>
+            <a:off x="9231682" y="3279765"/>
+            <a:ext cx="2308615" cy="1705594"/>
+          </a:xfrm>
+          <a:prstGeom prst="rect">
+            <a:avLst/>
+          </a:prstGeom>
+        </p:spPr>
+        <p:style>
+          <a:lnRef idx="1">
+            <a:schemeClr val="accent6"/>
+          </a:lnRef>
+          <a:fillRef idx="2">
+            <a:schemeClr val="accent6"/>
+          </a:fillRef>
+          <a:effectRef idx="1">
+            <a:schemeClr val="accent6"/>
+          </a:effectRef>
+          <a:fontRef idx="minor">
+            <a:schemeClr val="dk1"/>
+          </a:fontRef>
+        </p:style>
+        <p:txBody>
+          <a:bodyPr rtlCol="0" anchor="ctr"/>
+          <a:lstStyle/>
+          <a:p>
+            <a:pPr algn="ctr"/>
+            <a:endParaRPr lang="en-US" sz="1400" dirty="0" smtClean="0"/>
+          </a:p>
+          <a:p>
+            <a:pPr algn="ctr"/>
+            <a:endParaRPr lang="en-US" sz="1400" dirty="0"/>
+          </a:p>
+          <a:p>
+            <a:pPr algn="ctr"/>
+            <a:endParaRPr lang="en-US" sz="1400" dirty="0" smtClean="0"/>
+          </a:p>
+          <a:p>
+            <a:pPr algn="ctr"/>
+            <a:endParaRPr lang="en-US" sz="1400" dirty="0"/>
+          </a:p>
+          <a:p>
+            <a:pPr algn="ctr"/>
+            <a:endParaRPr lang="en-US" sz="1400" dirty="0" smtClean="0"/>
+          </a:p>
+          <a:p>
+            <a:pPr algn="ctr"/>
+            <a:endParaRPr lang="en-US" sz="1400" dirty="0"/>
+          </a:p>
+          <a:p>
+            <a:pPr algn="ctr"/>
+            <a:r>
+              <a:rPr lang="en-US" sz="1400" dirty="0" smtClean="0"/>
+              <a:t>Java</a:t>
+            </a:r>
+            <a:endParaRPr lang="en-US" sz="1400" dirty="0" smtClean="0"/>
+          </a:p>
+        </p:txBody>
+      </p:sp>
+      <p:sp>
+        <p:nvSpPr>
           <p:cNvPr id="2" name="Title 1"/>
           <p:cNvSpPr>
             <a:spLocks noGrp="1"/>
@@ -4474,14 +4540,11 @@
             <a:pPr algn="ctr"/>
             <a:r>
               <a:rPr lang="en-US" sz="1400" dirty="0" smtClean="0"/>
-              <a:t>LoopBack</a:t>
-            </a:r>
-          </a:p>
-          <a:p>
-            <a:pPr algn="ctr"/>
+              <a:t>LoopBack (Node.js</a:t>
+            </a:r>
             <a:r>
               <a:rPr lang="en-US" sz="1400" dirty="0" smtClean="0"/>
-              <a:t>(Node.js)</a:t>
+              <a:t>)</a:t>
             </a:r>
           </a:p>
           <a:p>
@@ -4548,7 +4611,7 @@
         <p:spPr>
           <a:xfrm>
             <a:off x="4529469" y="4008362"/>
-            <a:ext cx="1045525" cy="542261"/>
+            <a:ext cx="1146543" cy="542261"/>
           </a:xfrm>
           <a:prstGeom prst="chevron">
             <a:avLst>
@@ -4592,7 +4655,7 @@
                   <a:schemeClr val="tx1"/>
                 </a:solidFill>
               </a:rPr>
-              <a:t>binding</a:t>
+              <a:t>endpoint</a:t>
             </a:r>
             <a:endParaRPr lang="en-US" sz="1000" dirty="0">
               <a:solidFill>
@@ -4812,7 +4875,7 @@
         </p:nvSpPr>
         <p:spPr>
           <a:xfrm>
-            <a:off x="9693340" y="3737234"/>
+            <a:off x="9822335" y="3513971"/>
             <a:ext cx="1158949" cy="813389"/>
           </a:xfrm>
           <a:prstGeom prst="roundRect">
@@ -4870,9 +4933,9 @@
           <p:nvPr/>
         </p:nvCxnSpPr>
         <p:spPr>
-          <a:xfrm>
-            <a:off x="9013247" y="3920667"/>
-            <a:ext cx="680093" cy="223262"/>
+          <a:xfrm flipV="1">
+            <a:off x="9013247" y="3920666"/>
+            <a:ext cx="809088" cy="1"/>
           </a:xfrm>
           <a:prstGeom prst="bentConnector3">
             <a:avLst/>
@@ -4904,7 +4967,7 @@
         </p:nvSpPr>
         <p:spPr>
           <a:xfrm>
-            <a:off x="5475741" y="2865531"/>
+            <a:off x="5575949" y="2865531"/>
             <a:ext cx="1031365" cy="526255"/>
           </a:xfrm>
           <a:prstGeom prst="roundRect">
@@ -5040,8 +5103,8 @@
         </p:nvCxnSpPr>
         <p:spPr>
           <a:xfrm rot="10800000" flipV="1">
-            <a:off x="5991424" y="2105383"/>
-            <a:ext cx="1317472" cy="760147"/>
+            <a:off x="6091632" y="2105383"/>
+            <a:ext cx="1217264" cy="760147"/>
           </a:xfrm>
           <a:prstGeom prst="bentConnector2">
             <a:avLst/>
@@ -5125,8 +5188,8 @@
         </p:nvCxnSpPr>
         <p:spPr>
           <a:xfrm>
-            <a:off x="6507106" y="3128659"/>
-            <a:ext cx="819948" cy="536883"/>
+            <a:off x="6607314" y="3128659"/>
+            <a:ext cx="719740" cy="536883"/>
           </a:xfrm>
           <a:prstGeom prst="bentConnector2">
             <a:avLst/>
@@ -5159,7 +5222,7 @@
         <p:spPr>
           <a:xfrm>
             <a:off x="4529470" y="2860158"/>
-            <a:ext cx="1045524" cy="542261"/>
+            <a:ext cx="1146542" cy="542261"/>
           </a:xfrm>
           <a:prstGeom prst="chevron">
             <a:avLst>
@@ -5203,7 +5266,7 @@
                   <a:schemeClr val="tx1"/>
                 </a:solidFill>
               </a:rPr>
-              <a:t>binding</a:t>
+              <a:t>endpoint</a:t>
             </a:r>
             <a:endParaRPr lang="en-US" sz="1000" dirty="0">
               <a:solidFill>
@@ -5360,8 +5423,8 @@
         </p:nvCxnSpPr>
         <p:spPr>
           <a:xfrm rot="5400000" flipH="1" flipV="1">
-            <a:off x="9790506" y="4692885"/>
-            <a:ext cx="624570" cy="340047"/>
+            <a:off x="9743373" y="4516756"/>
+            <a:ext cx="847833" cy="469042"/>
           </a:xfrm>
           <a:prstGeom prst="bentConnector3">
             <a:avLst/>
@@ -5729,15 +5792,7 @@
             <a:pPr algn="ctr"/>
             <a:r>
               <a:rPr lang="en-US" sz="1200" dirty="0" smtClean="0"/>
-              <a:t>(</a:t>
-            </a:r>
-            <a:r>
-              <a:rPr lang="en-US" sz="1200" dirty="0" err="1" smtClean="0"/>
-              <a:t>gRPC</a:t>
-            </a:r>
-            <a:r>
-              <a:rPr lang="en-US" sz="1200" dirty="0" smtClean="0"/>
-              <a:t>/Node)</a:t>
+              <a:t>(gRPC/Node)</a:t>
             </a:r>
             <a:endParaRPr lang="en-US" sz="1200" dirty="0"/>
           </a:p>
@@ -5779,6 +5834,36 @@
           </a:fontRef>
         </p:style>
       </p:cxnSp>
+      <p:sp>
+        <p:nvSpPr>
+          <p:cNvPr id="6" name="TextBox 5"/>
+          <p:cNvSpPr txBox="1"/>
+          <p:nvPr/>
+        </p:nvSpPr>
+        <p:spPr>
+          <a:xfrm>
+            <a:off x="9231682" y="3737234"/>
+            <a:ext cx="372218" cy="261610"/>
+          </a:xfrm>
+          <a:prstGeom prst="rect">
+            <a:avLst/>
+          </a:prstGeom>
+          <a:noFill/>
+        </p:spPr>
+        <p:txBody>
+          <a:bodyPr wrap="none" rtlCol="0">
+            <a:spAutoFit/>
+          </a:bodyPr>
+          <a:lstStyle/>
+          <a:p>
+            <a:r>
+              <a:rPr lang="en-US" sz="1050" smtClean="0"/>
+              <a:t>SSL</a:t>
+            </a:r>
+            <a:endParaRPr lang="en-US" sz="1050"/>
+          </a:p>
+        </p:txBody>
+      </p:sp>
     </p:spTree>
     <p:extLst>
       <p:ext uri="{BB962C8B-B14F-4D97-AF65-F5344CB8AC3E}">
@@ -5825,17 +5910,17 @@
           </a:prstGeom>
         </p:spPr>
         <p:style>
-          <a:lnRef idx="3">
+          <a:lnRef idx="2">
+            <a:schemeClr val="accent2"/>
+          </a:lnRef>
+          <a:fillRef idx="1">
             <a:schemeClr val="lt1"/>
-          </a:lnRef>
-          <a:fillRef idx="1">
-            <a:schemeClr val="accent6"/>
-          </a:fillRef>
-          <a:effectRef idx="1">
-            <a:schemeClr val="accent6"/>
-          </a:effectRef>
-          <a:fontRef idx="minor">
-            <a:schemeClr val="lt1"/>
+          </a:fillRef>
+          <a:effectRef idx="0">
+            <a:schemeClr val="accent2"/>
+          </a:effectRef>
+          <a:fontRef idx="minor">
+            <a:schemeClr val="dk1"/>
           </a:fontRef>
         </p:style>
         <p:txBody>
@@ -5942,17 +6027,17 @@
           </a:prstGeom>
         </p:spPr>
         <p:style>
-          <a:lnRef idx="1">
-            <a:schemeClr val="accent4"/>
-          </a:lnRef>
-          <a:fillRef idx="2">
-            <a:schemeClr val="accent4"/>
+          <a:lnRef idx="3">
+            <a:schemeClr val="lt1"/>
+          </a:lnRef>
+          <a:fillRef idx="1">
+            <a:schemeClr val="accent6"/>
           </a:fillRef>
           <a:effectRef idx="1">
-            <a:schemeClr val="accent4"/>
-          </a:effectRef>
-          <a:fontRef idx="minor">
-            <a:schemeClr val="dk1"/>
+            <a:schemeClr val="accent6"/>
+          </a:effectRef>
+          <a:fontRef idx="minor">
+            <a:schemeClr val="lt1"/>
           </a:fontRef>
         </p:style>
         <p:txBody>
@@ -5984,17 +6069,17 @@
           </a:prstGeom>
         </p:spPr>
         <p:style>
-          <a:lnRef idx="1">
-            <a:schemeClr val="accent4"/>
-          </a:lnRef>
-          <a:fillRef idx="2">
-            <a:schemeClr val="accent4"/>
+          <a:lnRef idx="3">
+            <a:schemeClr val="lt1"/>
+          </a:lnRef>
+          <a:fillRef idx="1">
+            <a:schemeClr val="accent5"/>
           </a:fillRef>
           <a:effectRef idx="1">
-            <a:schemeClr val="accent4"/>
-          </a:effectRef>
-          <a:fontRef idx="minor">
-            <a:schemeClr val="dk1"/>
+            <a:schemeClr val="accent5"/>
+          </a:effectRef>
+          <a:fontRef idx="minor">
+            <a:schemeClr val="lt1"/>
           </a:fontRef>
         </p:style>
         <p:txBody>
@@ -6026,17 +6111,17 @@
           </a:prstGeom>
         </p:spPr>
         <p:style>
-          <a:lnRef idx="1">
-            <a:schemeClr val="accent4"/>
-          </a:lnRef>
-          <a:fillRef idx="2">
-            <a:schemeClr val="accent4"/>
+          <a:lnRef idx="3">
+            <a:schemeClr val="lt1"/>
+          </a:lnRef>
+          <a:fillRef idx="1">
+            <a:schemeClr val="accent2"/>
           </a:fillRef>
           <a:effectRef idx="1">
-            <a:schemeClr val="accent4"/>
-          </a:effectRef>
-          <a:fontRef idx="minor">
-            <a:schemeClr val="dk1"/>
+            <a:schemeClr val="accent2"/>
+          </a:effectRef>
+          <a:fontRef idx="minor">
+            <a:schemeClr val="lt1"/>
           </a:fontRef>
         </p:style>
         <p:txBody>
@@ -6470,26 +6555,14 @@
             <a:pPr lvl="1"/>
             <a:r>
               <a:rPr lang="en-US" dirty="0" smtClean="0"/>
-              <a:t>Implement Node/Java/Swift </a:t>
-            </a:r>
+              <a:t>Implement Node/Java/Swift bindings</a:t>
+            </a:r>
+          </a:p>
+          <a:p>
+            <a:pPr lvl="1"/>
             <a:r>
               <a:rPr lang="en-US" dirty="0" smtClean="0"/>
-              <a:t>bindings</a:t>
-            </a:r>
-          </a:p>
-          <a:p>
-            <a:pPr lvl="1"/>
-            <a:r>
-              <a:rPr lang="en-US" dirty="0" smtClean="0"/>
-              <a:t>Implement </a:t>
-            </a:r>
-            <a:r>
-              <a:rPr lang="en-US" dirty="0" err="1" smtClean="0"/>
-              <a:t>gRPC</a:t>
-            </a:r>
-            <a:r>
-              <a:rPr lang="en-US" dirty="0" smtClean="0"/>
-              <a:t> for Swift (</a:t>
+              <a:t>Implement gRPC for Swift (</a:t>
             </a:r>
             <a:r>
               <a:rPr lang="en-US" dirty="0" err="1" smtClean="0"/>
@@ -6497,17 +6570,8 @@
             </a:r>
             <a:r>
               <a:rPr lang="en-US" dirty="0" smtClean="0"/>
-              <a:t> support is ready, </a:t>
-            </a:r>
-            <a:r>
-              <a:rPr lang="en-US" dirty="0" err="1" smtClean="0"/>
-              <a:t>gRPC</a:t>
-            </a:r>
-            <a:r>
-              <a:rPr lang="en-US" dirty="0" smtClean="0"/>
-              <a:t> WIP)</a:t>
-            </a:r>
-            <a:endParaRPr lang="en-US" dirty="0" smtClean="0"/>
+              <a:t> support is ready, gRPC WIP)</a:t>
+            </a:r>
           </a:p>
           <a:p>
             <a:pPr lvl="1"/>
@@ -6549,7 +6613,6 @@
               <a:rPr lang="en-US" dirty="0" smtClean="0"/>
               <a:t>amalgam8</a:t>
             </a:r>
-            <a:endParaRPr lang="en-US" dirty="0" smtClean="0"/>
           </a:p>
           <a:p>
             <a:pPr lvl="1"/>
@@ -6648,15 +6711,9 @@
               <a:rPr lang="en-US" dirty="0">
                 <a:hlinkClick r:id="rId2"/>
               </a:rPr>
-              <a:t>https://github.com/strongloop</a:t>
-            </a:r>
-            <a:r>
-              <a:rPr lang="en-US">
-                <a:hlinkClick r:id="rId2"/>
-              </a:rPr>
-              <a:t>/loopback-example-polyglot</a:t>
-            </a:r>
-            <a:endParaRPr lang="en-US" smtClean="0">
+              <a:t>https://github.com/strongloop/loopback-example-polyglot</a:t>
+            </a:r>
+            <a:endParaRPr lang="en-US" dirty="0" smtClean="0">
               <a:hlinkClick r:id="rId3"/>
             </a:endParaRPr>
           </a:p>
@@ -6865,11 +6922,7 @@
           <a:p>
             <a:r>
               <a:rPr lang="en-US" dirty="0" smtClean="0"/>
-              <a:t>A typical scenario </a:t>
-            </a:r>
-            <a:r>
-              <a:rPr lang="en-US" dirty="0" smtClean="0"/>
-              <a:t>(APIs &amp; Microservices)</a:t>
+              <a:t>A typical scenario (APIs &amp; Microservices)</a:t>
             </a:r>
             <a:endParaRPr lang="en-US" dirty="0"/>
           </a:p>
@@ -8098,11 +8151,7 @@
           <a:p>
             <a:r>
               <a:rPr lang="en-US" sz="1600" dirty="0" smtClean="0"/>
-              <a:t>APIs </a:t>
-            </a:r>
-            <a:r>
-              <a:rPr lang="en-US" sz="1600" dirty="0" smtClean="0"/>
-              <a:t>Tier</a:t>
+              <a:t>APIs Tier</a:t>
             </a:r>
             <a:endParaRPr lang="en-US" sz="1600" dirty="0"/>
           </a:p>
@@ -8320,11 +8369,7 @@
           <a:p>
             <a:r>
               <a:rPr lang="en-US" sz="1600"/>
-              <a:t>System of </a:t>
-            </a:r>
-            <a:r>
-              <a:rPr lang="en-US" sz="1600"/>
-              <a:t>Records </a:t>
+              <a:t>System of Records </a:t>
             </a:r>
             <a:r>
               <a:rPr lang="en-US" sz="1600" smtClean="0"/>
@@ -8505,13 +8550,29 @@
             </a:r>
             <a:r>
               <a:rPr lang="en-US" dirty="0" smtClean="0"/>
-              <a:t>icroservices are Yin/Yang of modern web applications</a:t>
-            </a:r>
-          </a:p>
-          <a:p>
+              <a:t>icroservices are Yin/Yang of modern </a:t>
+            </a:r>
             <a:r>
               <a:rPr lang="en-US" dirty="0" smtClean="0"/>
-              <a:t>APIs should be created as composition of microservices</a:t>
+              <a:t>web/api </a:t>
+            </a:r>
+            <a:r>
+              <a:rPr lang="en-US" dirty="0" smtClean="0"/>
+              <a:t>applications</a:t>
+            </a:r>
+          </a:p>
+          <a:p>
+            <a:r>
+              <a:rPr lang="en-US" dirty="0" smtClean="0"/>
+              <a:t>APIs should be created as </a:t>
+            </a:r>
+            <a:r>
+              <a:rPr lang="en-US" dirty="0" smtClean="0"/>
+              <a:t>facade/composition </a:t>
+            </a:r>
+            <a:r>
+              <a:rPr lang="en-US" dirty="0" smtClean="0"/>
+              <a:t>of microservices</a:t>
             </a:r>
           </a:p>
           <a:p>
@@ -8885,11 +8946,7 @@
           <a:p>
             <a:r>
               <a:rPr lang="en-US" dirty="0" smtClean="0"/>
-              <a:t>Works across languages and </a:t>
-            </a:r>
-            <a:r>
-              <a:rPr lang="en-US" dirty="0" smtClean="0"/>
-              <a:t>platforms (</a:t>
+              <a:t>Works across languages and platforms (</a:t>
             </a:r>
             <a:r>
               <a:rPr lang="en-US" dirty="0" err="1" smtClean="0"/>
@@ -8899,7 +8956,6 @@
               <a:rPr lang="en-US" dirty="0" smtClean="0"/>
               <a:t> &amp; cloud)</a:t>
             </a:r>
-            <a:endParaRPr lang="en-US" dirty="0" smtClean="0"/>
           </a:p>
           <a:p>
             <a:r>
@@ -8912,11 +8968,7 @@
             </a:r>
             <a:r>
               <a:rPr lang="en-US" dirty="0" smtClean="0"/>
-              <a:t>ervice/message definition (</a:t>
-            </a:r>
-            <a:r>
-              <a:rPr lang="en-US" dirty="0" smtClean="0"/>
-              <a:t>IDL </a:t>
+              <a:t>ervice/message definition (IDL </a:t>
             </a:r>
             <a:r>
               <a:rPr lang="mr-IN" dirty="0" smtClean="0"/>
@@ -8926,7 +8978,6 @@
               <a:rPr lang="en-US" dirty="0" smtClean="0"/>
               <a:t> language agnostic)</a:t>
             </a:r>
-            <a:endParaRPr lang="en-US" dirty="0" smtClean="0"/>
           </a:p>
           <a:p>
             <a:r>
@@ -9033,11 +9084,7 @@
           <a:p>
             <a:r>
               <a:rPr lang="en-US" dirty="0" smtClean="0"/>
-              <a:t>Reference </a:t>
-            </a:r>
-            <a:r>
-              <a:rPr lang="en-US" dirty="0" smtClean="0"/>
-              <a:t>RPC frameworks</a:t>
+              <a:t>Reference RPC frameworks</a:t>
             </a:r>
             <a:endParaRPr lang="en-US" dirty="0"/>
           </a:p>
@@ -9234,11 +9281,7 @@
             </a:r>
             <a:r>
               <a:rPr lang="en-US" dirty="0" smtClean="0"/>
-              <a:t> </a:t>
-            </a:r>
-            <a:r>
-              <a:rPr lang="en-US" dirty="0" smtClean="0"/>
-              <a:t>developer</a:t>
+              <a:t> developer</a:t>
             </a:r>
             <a:endParaRPr lang="en-US" dirty="0"/>
           </a:p>
@@ -9253,32 +9296,51 @@
             <a:pPr lvl="1"/>
             <a:r>
               <a:rPr lang="en-US" dirty="0" smtClean="0"/>
-              <a:t>I should be able to expose LoopBack models as a microservice so that other microservices can interact with LoopBack apps</a:t>
-            </a:r>
-          </a:p>
-          <a:p>
+              <a:t>I should be able to expose LoopBack models as a </a:t>
+            </a:r>
+            <a:r>
+              <a:rPr lang="en-US" dirty="0" err="1" smtClean="0"/>
+              <a:t>microservice</a:t>
+            </a:r>
             <a:r>
               <a:rPr lang="en-US" dirty="0" smtClean="0"/>
-              <a:t>As an API Gateway </a:t>
-            </a:r>
+              <a:t> so that other microservices can interact with LoopBack apps</a:t>
+            </a:r>
+          </a:p>
+          <a:p>
             <a:r>
               <a:rPr lang="en-US" dirty="0" smtClean="0"/>
-              <a:t>developer</a:t>
-            </a:r>
-            <a:endParaRPr lang="en-US" dirty="0" smtClean="0"/>
+              <a:t>As an API Gateway developer</a:t>
+            </a:r>
           </a:p>
           <a:p>
             <a:pPr lvl="1"/>
             <a:r>
               <a:rPr lang="en-US" dirty="0" smtClean="0"/>
-              <a:t>I should be able to invoke a microservice to enforce a policy</a:t>
+              <a:t>I should be able to invoke a </a:t>
+            </a:r>
+            <a:r>
+              <a:rPr lang="en-US" dirty="0" err="1" smtClean="0"/>
+              <a:t>microservice</a:t>
+            </a:r>
+            <a:r>
+              <a:rPr lang="en-US" dirty="0" smtClean="0"/>
+              <a:t> to enforce a policy</a:t>
             </a:r>
           </a:p>
           <a:p>
             <a:pPr lvl="1"/>
             <a:r>
               <a:rPr lang="en-US" dirty="0" smtClean="0"/>
-              <a:t>I should be able to import a microservice as a public REST API</a:t>
+              <a:t>I should be able to import a </a:t>
+            </a:r>
+            <a:r>
+              <a:rPr lang="en-US" dirty="0" err="1" smtClean="0"/>
+              <a:t>microservice</a:t>
+            </a:r>
+            <a:r>
+              <a:rPr lang="en-US" dirty="0" smtClean="0"/>
+              <a:t> as a public REST API</a:t>
             </a:r>
           </a:p>
           <a:p>
@@ -9357,25 +9419,13 @@
           <a:p>
             <a:r>
               <a:rPr lang="en-US" dirty="0" smtClean="0"/>
-              <a:t>Start with API </a:t>
-            </a:r>
+              <a:t>Start with API designer to create API spec Swagger</a:t>
+            </a:r>
+          </a:p>
+          <a:p>
             <a:r>
               <a:rPr lang="en-US" dirty="0" smtClean="0"/>
-              <a:t>designer to create API spec Swagger</a:t>
-            </a:r>
-          </a:p>
-          <a:p>
-            <a:r>
-              <a:rPr lang="en-US" dirty="0" smtClean="0"/>
-              <a:t>Implement the API as a </a:t>
-            </a:r>
-            <a:r>
-              <a:rPr lang="en-US" dirty="0" err="1" smtClean="0"/>
-              <a:t>gRPC</a:t>
-            </a:r>
-            <a:r>
-              <a:rPr lang="en-US" dirty="0" smtClean="0"/>
-              <a:t> </a:t>
+              <a:t>Implement the API as a gRPC </a:t>
             </a:r>
             <a:r>
               <a:rPr lang="en-US" dirty="0" err="1" smtClean="0"/>
@@ -9490,23 +9540,7 @@
           <a:p>
             <a:r>
               <a:rPr lang="en-US" dirty="0" smtClean="0"/>
-              <a:t>REST + </a:t>
-            </a:r>
-            <a:r>
-              <a:rPr lang="en-US" dirty="0" err="1" smtClean="0"/>
-              <a:t>gRPC</a:t>
-            </a:r>
-            <a:r>
-              <a:rPr lang="en-US" dirty="0" smtClean="0"/>
-              <a:t> (dual faces of a </a:t>
-            </a:r>
-            <a:r>
-              <a:rPr lang="en-US" dirty="0" err="1" smtClean="0"/>
-              <a:t>Microservice</a:t>
-            </a:r>
-            <a:r>
-              <a:rPr lang="en-US" dirty="0" smtClean="0"/>
-              <a:t>?)</a:t>
+              <a:t>REST + gRPC (dual faces of a Microservice?)</a:t>
             </a:r>
             <a:endParaRPr lang="en-US" dirty="0"/>
           </a:p>
@@ -9611,8 +9645,8 @@
         </p:nvSpPr>
         <p:spPr>
           <a:xfrm>
-            <a:off x="4529470" y="3360902"/>
-            <a:ext cx="1045524" cy="542261"/>
+            <a:off x="4529469" y="3360902"/>
+            <a:ext cx="1146543" cy="542261"/>
           </a:xfrm>
           <a:prstGeom prst="chevron">
             <a:avLst>
@@ -9656,7 +9690,7 @@
                   <a:schemeClr val="tx1"/>
                 </a:solidFill>
               </a:rPr>
-              <a:t>binding</a:t>
+              <a:t>endpoint</a:t>
             </a:r>
             <a:endParaRPr lang="en-US" sz="1000" dirty="0">
               <a:solidFill>
@@ -9675,7 +9709,7 @@
         <p:spPr>
           <a:xfrm>
             <a:off x="4529469" y="4509106"/>
-            <a:ext cx="1045525" cy="542261"/>
+            <a:ext cx="1146544" cy="542261"/>
           </a:xfrm>
           <a:prstGeom prst="chevron">
             <a:avLst>
@@ -9719,7 +9753,7 @@
                   <a:schemeClr val="tx1"/>
                 </a:solidFill>
               </a:rPr>
-              <a:t>binding</a:t>
+              <a:t>endpoint</a:t>
             </a:r>
             <a:endParaRPr lang="en-US" sz="1000" dirty="0">
               <a:solidFill>
@@ -10449,11 +10483,11 @@
         <p:spPr>
           <a:xfrm rot="10800000" flipH="1" flipV="1">
             <a:off x="4930993" y="2191432"/>
-            <a:ext cx="2105" cy="2317674"/>
+            <a:ext cx="52615" cy="2317674"/>
           </a:xfrm>
           <a:prstGeom prst="bentConnector4">
             <a:avLst>
-              <a:gd name="adj1" fmla="val -10859857"/>
+              <a:gd name="adj1" fmla="val -434477"/>
               <a:gd name="adj2" fmla="val 60121"/>
             </a:avLst>
           </a:prstGeom>
@@ -10522,12 +10556,8 @@
               <a:buChar char="•"/>
             </a:pPr>
             <a:r>
-              <a:rPr lang="en-US" sz="1600" dirty="0" err="1" smtClean="0"/>
-              <a:t>gRPC</a:t>
-            </a:r>
-            <a:r>
               <a:rPr lang="en-US" sz="1600" dirty="0" smtClean="0"/>
-              <a:t> endpoint </a:t>
+              <a:t>gRPC endpoint </a:t>
             </a:r>
             <a:r>
               <a:rPr lang="en-US" sz="1600" dirty="0" smtClean="0">
@@ -10603,19 +10633,7 @@
           <a:p>
             <a:r>
               <a:rPr lang="en-US" dirty="0" smtClean="0"/>
-              <a:t>Node.js as the primary </a:t>
-            </a:r>
-            <a:r>
-              <a:rPr lang="en-US" dirty="0" smtClean="0"/>
-              <a:t>glue for </a:t>
-            </a:r>
-            <a:r>
-              <a:rPr lang="en-US" dirty="0" smtClean="0"/>
-              <a:t>API </a:t>
-            </a:r>
-            <a:r>
-              <a:rPr lang="en-US" dirty="0" smtClean="0"/>
-              <a:t>solution</a:t>
+              <a:t>Node.js as the primary glue for API solution</a:t>
             </a:r>
             <a:endParaRPr lang="en-US" dirty="0"/>
           </a:p>
@@ -10653,26 +10671,14 @@
             <a:pPr lvl="1"/>
             <a:r>
               <a:rPr lang="en-US" dirty="0" smtClean="0"/>
-              <a:t>Define </a:t>
-            </a:r>
+              <a:t>Define extension points </a:t>
+            </a:r>
+          </a:p>
+          <a:p>
+            <a:pPr lvl="1"/>
             <a:r>
               <a:rPr lang="en-US" dirty="0" smtClean="0"/>
-              <a:t>extension </a:t>
-            </a:r>
-            <a:r>
-              <a:rPr lang="en-US" dirty="0" smtClean="0"/>
-              <a:t>points </a:t>
-            </a:r>
-          </a:p>
-          <a:p>
-            <a:pPr lvl="1"/>
-            <a:r>
-              <a:rPr lang="en-US" dirty="0" smtClean="0"/>
-              <a:t>Allow </a:t>
-            </a:r>
-            <a:r>
-              <a:rPr lang="en-US" dirty="0" smtClean="0"/>
-              <a:t>extensions to be implemented using other languages/platforms</a:t>
+              <a:t>Allow extensions to be implemented using other languages/platforms</a:t>
             </a:r>
           </a:p>
           <a:p>

--- a/Polyglot Microservices.pptx
+++ b/Polyglot Microservices.pptx
@@ -16,9 +16,10 @@
     <p:sldId id="261" r:id="rId10"/>
     <p:sldId id="263" r:id="rId11"/>
     <p:sldId id="269" r:id="rId12"/>
-    <p:sldId id="270" r:id="rId13"/>
-    <p:sldId id="267" r:id="rId14"/>
-    <p:sldId id="262" r:id="rId15"/>
+    <p:sldId id="271" r:id="rId13"/>
+    <p:sldId id="270" r:id="rId14"/>
+    <p:sldId id="267" r:id="rId15"/>
+    <p:sldId id="262" r:id="rId16"/>
   </p:sldIdLst>
   <p:sldSz cx="12192000" cy="6858000"/>
   <p:notesSz cx="6858000" cy="9144000"/>
@@ -5896,100 +5897,6 @@
       </p:grpSpPr>
       <p:sp>
         <p:nvSpPr>
-          <p:cNvPr id="51" name="Rounded Rectangle 50"/>
-          <p:cNvSpPr/>
-          <p:nvPr/>
-        </p:nvSpPr>
-        <p:spPr>
-          <a:xfrm>
-            <a:off x="2481943" y="1611086"/>
-            <a:ext cx="6270171" cy="4049485"/>
-          </a:xfrm>
-          <a:prstGeom prst="roundRect">
-            <a:avLst/>
-          </a:prstGeom>
-        </p:spPr>
-        <p:style>
-          <a:lnRef idx="2">
-            <a:schemeClr val="accent2"/>
-          </a:lnRef>
-          <a:fillRef idx="1">
-            <a:schemeClr val="lt1"/>
-          </a:fillRef>
-          <a:effectRef idx="0">
-            <a:schemeClr val="accent2"/>
-          </a:effectRef>
-          <a:fontRef idx="minor">
-            <a:schemeClr val="dk1"/>
-          </a:fontRef>
-        </p:style>
-        <p:txBody>
-          <a:bodyPr rtlCol="0" anchor="ctr"/>
-          <a:lstStyle/>
-          <a:p>
-            <a:pPr algn="ctr"/>
-            <a:endParaRPr lang="en-US" dirty="0" smtClean="0"/>
-          </a:p>
-          <a:p>
-            <a:pPr algn="ctr"/>
-            <a:endParaRPr lang="en-US" dirty="0"/>
-          </a:p>
-          <a:p>
-            <a:pPr algn="ctr"/>
-            <a:endParaRPr lang="en-US" dirty="0" smtClean="0"/>
-          </a:p>
-          <a:p>
-            <a:pPr algn="ctr"/>
-            <a:endParaRPr lang="en-US" dirty="0"/>
-          </a:p>
-          <a:p>
-            <a:pPr algn="ctr"/>
-            <a:endParaRPr lang="en-US" dirty="0" smtClean="0"/>
-          </a:p>
-          <a:p>
-            <a:pPr algn="ctr"/>
-            <a:endParaRPr lang="en-US" dirty="0"/>
-          </a:p>
-          <a:p>
-            <a:pPr algn="ctr"/>
-            <a:endParaRPr lang="en-US" dirty="0" smtClean="0"/>
-          </a:p>
-          <a:p>
-            <a:pPr algn="ctr"/>
-            <a:endParaRPr lang="en-US" dirty="0"/>
-          </a:p>
-          <a:p>
-            <a:pPr algn="ctr"/>
-            <a:endParaRPr lang="en-US" dirty="0" smtClean="0"/>
-          </a:p>
-          <a:p>
-            <a:pPr algn="ctr"/>
-            <a:endParaRPr lang="en-US" dirty="0"/>
-          </a:p>
-          <a:p>
-            <a:pPr algn="ctr"/>
-            <a:endParaRPr lang="en-US" dirty="0" smtClean="0"/>
-          </a:p>
-          <a:p>
-            <a:pPr algn="ctr"/>
-            <a:endParaRPr lang="en-US" dirty="0"/>
-          </a:p>
-          <a:p>
-            <a:pPr algn="ctr"/>
-            <a:endParaRPr lang="en-US" dirty="0" smtClean="0"/>
-          </a:p>
-          <a:p>
-            <a:pPr algn="ctr"/>
-            <a:r>
-              <a:rPr lang="en-US" dirty="0" smtClean="0"/>
-              <a:t>Docker compose for local testing</a:t>
-            </a:r>
-            <a:endParaRPr lang="en-US" dirty="0"/>
-          </a:p>
-        </p:txBody>
-      </p:sp>
-      <p:sp>
-        <p:nvSpPr>
           <p:cNvPr id="2" name="Title 1"/>
           <p:cNvSpPr>
             <a:spLocks noGrp="1"/>
@@ -6005,7 +5912,7 @@
           <a:p>
             <a:r>
               <a:rPr lang="en-US" dirty="0" smtClean="0"/>
-              <a:t>Docker containers</a:t>
+              <a:t>gRPC service definition</a:t>
             </a:r>
             <a:endParaRPr lang="en-US" dirty="0"/>
           </a:p>
@@ -6013,420 +5920,416 @@
       </p:sp>
       <p:sp>
         <p:nvSpPr>
-          <p:cNvPr id="6" name="Rectangle 5"/>
-          <p:cNvSpPr/>
-          <p:nvPr/>
-        </p:nvSpPr>
-        <p:spPr>
-          <a:xfrm>
-            <a:off x="3505200" y="2601685"/>
-            <a:ext cx="1447800" cy="1186543"/>
-          </a:xfrm>
-          <a:prstGeom prst="rect">
-            <a:avLst/>
-          </a:prstGeom>
-        </p:spPr>
-        <p:style>
-          <a:lnRef idx="3">
-            <a:schemeClr val="lt1"/>
-          </a:lnRef>
-          <a:fillRef idx="1">
-            <a:schemeClr val="accent6"/>
-          </a:fillRef>
-          <a:effectRef idx="1">
-            <a:schemeClr val="accent6"/>
-          </a:effectRef>
-          <a:fontRef idx="minor">
-            <a:schemeClr val="lt1"/>
-          </a:fontRef>
-        </p:style>
-        <p:txBody>
-          <a:bodyPr rtlCol="0" anchor="ctr"/>
-          <a:lstStyle/>
-          <a:p>
-            <a:pPr algn="ctr"/>
-            <a:r>
-              <a:rPr lang="en-US" smtClean="0"/>
-              <a:t>note-loopback</a:t>
-            </a:r>
-            <a:endParaRPr lang="en-US"/>
-          </a:p>
-        </p:txBody>
-      </p:sp>
-      <p:sp>
-        <p:nvSpPr>
-          <p:cNvPr id="35" name="Rectangle 34"/>
-          <p:cNvSpPr/>
-          <p:nvPr/>
-        </p:nvSpPr>
-        <p:spPr>
-          <a:xfrm>
-            <a:off x="6003471" y="1993786"/>
-            <a:ext cx="1447800" cy="1186543"/>
-          </a:xfrm>
-          <a:prstGeom prst="rect">
-            <a:avLst/>
-          </a:prstGeom>
-        </p:spPr>
-        <p:style>
-          <a:lnRef idx="3">
-            <a:schemeClr val="lt1"/>
-          </a:lnRef>
-          <a:fillRef idx="1">
-            <a:schemeClr val="accent5"/>
-          </a:fillRef>
-          <a:effectRef idx="1">
-            <a:schemeClr val="accent5"/>
-          </a:effectRef>
-          <a:fontRef idx="minor">
-            <a:schemeClr val="lt1"/>
-          </a:fontRef>
-        </p:style>
-        <p:txBody>
-          <a:bodyPr rtlCol="0" anchor="ctr"/>
-          <a:lstStyle/>
-          <a:p>
-            <a:pPr algn="ctr"/>
-            <a:r>
-              <a:rPr lang="en-US" dirty="0" smtClean="0"/>
-              <a:t>note-java</a:t>
-            </a:r>
-            <a:endParaRPr lang="en-US" dirty="0"/>
-          </a:p>
-        </p:txBody>
-      </p:sp>
-      <p:sp>
-        <p:nvSpPr>
-          <p:cNvPr id="36" name="Rectangle 35"/>
-          <p:cNvSpPr/>
-          <p:nvPr/>
-        </p:nvSpPr>
-        <p:spPr>
-          <a:xfrm>
-            <a:off x="6727371" y="3788228"/>
-            <a:ext cx="1447800" cy="1186543"/>
-          </a:xfrm>
-          <a:prstGeom prst="rect">
-            <a:avLst/>
-          </a:prstGeom>
-        </p:spPr>
-        <p:style>
-          <a:lnRef idx="3">
-            <a:schemeClr val="lt1"/>
-          </a:lnRef>
-          <a:fillRef idx="1">
-            <a:schemeClr val="accent2"/>
-          </a:fillRef>
-          <a:effectRef idx="1">
-            <a:schemeClr val="accent2"/>
-          </a:effectRef>
-          <a:fontRef idx="minor">
-            <a:schemeClr val="lt1"/>
-          </a:fontRef>
-        </p:style>
-        <p:txBody>
-          <a:bodyPr rtlCol="0" anchor="ctr"/>
-          <a:lstStyle/>
-          <a:p>
-            <a:pPr algn="ctr"/>
-            <a:r>
-              <a:rPr lang="en-US" dirty="0" smtClean="0"/>
-              <a:t>zipkin</a:t>
-            </a:r>
-            <a:endParaRPr lang="en-US" dirty="0"/>
-          </a:p>
-        </p:txBody>
-      </p:sp>
-      <p:cxnSp>
-        <p:nvCxnSpPr>
-          <p:cNvPr id="15" name="Elbow Connector 14"/>
-          <p:cNvCxnSpPr>
-            <a:stCxn id="6" idx="3"/>
-            <a:endCxn id="35" idx="1"/>
-          </p:cNvCxnSpPr>
-          <p:nvPr/>
-        </p:nvCxnSpPr>
-        <p:spPr>
-          <a:xfrm flipV="1">
-            <a:off x="4953000" y="2587058"/>
-            <a:ext cx="1050471" cy="607899"/>
-          </a:xfrm>
-          <a:prstGeom prst="bentConnector3">
-            <a:avLst/>
-          </a:prstGeom>
-          <a:ln>
-            <a:tailEnd type="triangle"/>
-          </a:ln>
-        </p:spPr>
-        <p:style>
-          <a:lnRef idx="1">
-            <a:schemeClr val="accent4"/>
-          </a:lnRef>
-          <a:fillRef idx="2">
-            <a:schemeClr val="accent4"/>
-          </a:fillRef>
-          <a:effectRef idx="1">
-            <a:schemeClr val="accent4"/>
-          </a:effectRef>
-          <a:fontRef idx="minor">
-            <a:schemeClr val="dk1"/>
-          </a:fontRef>
-        </p:style>
-      </p:cxnSp>
-      <p:cxnSp>
-        <p:nvCxnSpPr>
-          <p:cNvPr id="37" name="Elbow Connector 36"/>
-          <p:cNvCxnSpPr>
-            <a:stCxn id="6" idx="2"/>
-            <a:endCxn id="36" idx="1"/>
-          </p:cNvCxnSpPr>
-          <p:nvPr/>
-        </p:nvCxnSpPr>
-        <p:spPr>
-          <a:xfrm rot="16200000" flipH="1">
-            <a:off x="5181599" y="2835728"/>
-            <a:ext cx="593272" cy="2498271"/>
-          </a:xfrm>
-          <a:prstGeom prst="bentConnector2">
-            <a:avLst/>
-          </a:prstGeom>
-          <a:ln>
-            <a:tailEnd type="triangle"/>
-          </a:ln>
-        </p:spPr>
-        <p:style>
-          <a:lnRef idx="1">
-            <a:schemeClr val="accent4"/>
-          </a:lnRef>
-          <a:fillRef idx="2">
-            <a:schemeClr val="accent4"/>
-          </a:fillRef>
-          <a:effectRef idx="1">
-            <a:schemeClr val="accent4"/>
-          </a:effectRef>
-          <a:fontRef idx="minor">
-            <a:schemeClr val="dk1"/>
-          </a:fontRef>
-        </p:style>
-      </p:cxnSp>
-      <p:cxnSp>
-        <p:nvCxnSpPr>
-          <p:cNvPr id="38" name="Elbow Connector 37"/>
-          <p:cNvCxnSpPr>
-            <a:stCxn id="35" idx="3"/>
-            <a:endCxn id="36" idx="3"/>
-          </p:cNvCxnSpPr>
-          <p:nvPr/>
-        </p:nvCxnSpPr>
-        <p:spPr>
-          <a:xfrm>
-            <a:off x="7451271" y="2587058"/>
-            <a:ext cx="723900" cy="1794442"/>
-          </a:xfrm>
-          <a:prstGeom prst="bentConnector3">
-            <a:avLst>
-              <a:gd name="adj1" fmla="val 131579"/>
-            </a:avLst>
-          </a:prstGeom>
-          <a:ln>
-            <a:tailEnd type="triangle"/>
-          </a:ln>
-        </p:spPr>
-        <p:style>
-          <a:lnRef idx="1">
-            <a:schemeClr val="accent4"/>
-          </a:lnRef>
-          <a:fillRef idx="2">
-            <a:schemeClr val="accent4"/>
-          </a:fillRef>
-          <a:effectRef idx="1">
-            <a:schemeClr val="accent4"/>
-          </a:effectRef>
-          <a:fontRef idx="minor">
-            <a:schemeClr val="dk1"/>
-          </a:fontRef>
-        </p:style>
-      </p:cxnSp>
-      <p:sp>
-        <p:nvSpPr>
-          <p:cNvPr id="27" name="Rectangle 26"/>
-          <p:cNvSpPr/>
-          <p:nvPr/>
-        </p:nvSpPr>
-        <p:spPr>
-          <a:xfrm>
-            <a:off x="2781300" y="2746770"/>
-            <a:ext cx="963386" cy="303949"/>
-          </a:xfrm>
-          <a:prstGeom prst="rect">
-            <a:avLst/>
-          </a:prstGeom>
-        </p:spPr>
-        <p:style>
-          <a:lnRef idx="2">
-            <a:schemeClr val="accent1">
-              <a:shade val="50000"/>
-            </a:schemeClr>
-          </a:lnRef>
-          <a:fillRef idx="1">
-            <a:schemeClr val="accent1"/>
-          </a:fillRef>
-          <a:effectRef idx="0">
-            <a:schemeClr val="accent1"/>
-          </a:effectRef>
-          <a:fontRef idx="minor">
-            <a:schemeClr val="lt1"/>
-          </a:fontRef>
-        </p:style>
-        <p:txBody>
-          <a:bodyPr rtlCol="0" anchor="ctr"/>
-          <a:lstStyle/>
-          <a:p>
-            <a:pPr algn="ctr"/>
-            <a:r>
-              <a:rPr lang="en-US" sz="1100" smtClean="0"/>
-              <a:t>http:3000</a:t>
-            </a:r>
-            <a:endParaRPr lang="en-US" sz="1100"/>
-          </a:p>
-        </p:txBody>
-      </p:sp>
-      <p:sp>
-        <p:nvSpPr>
-          <p:cNvPr id="45" name="Rectangle 44"/>
-          <p:cNvSpPr/>
-          <p:nvPr/>
-        </p:nvSpPr>
-        <p:spPr>
-          <a:xfrm>
-            <a:off x="2781300" y="3267499"/>
-            <a:ext cx="963386" cy="303949"/>
-          </a:xfrm>
-          <a:prstGeom prst="rect">
-            <a:avLst/>
-          </a:prstGeom>
-        </p:spPr>
-        <p:style>
-          <a:lnRef idx="2">
-            <a:schemeClr val="accent1">
-              <a:shade val="50000"/>
-            </a:schemeClr>
-          </a:lnRef>
-          <a:fillRef idx="1">
-            <a:schemeClr val="accent1"/>
-          </a:fillRef>
-          <a:effectRef idx="0">
-            <a:schemeClr val="accent1"/>
-          </a:effectRef>
-          <a:fontRef idx="minor">
-            <a:schemeClr val="lt1"/>
-          </a:fontRef>
-        </p:style>
-        <p:txBody>
-          <a:bodyPr rtlCol="0" anchor="ctr"/>
-          <a:lstStyle/>
-          <a:p>
-            <a:pPr algn="ctr"/>
-            <a:r>
-              <a:rPr lang="en-US" sz="1100" dirty="0" smtClean="0"/>
-              <a:t>http2:50051</a:t>
-            </a:r>
-            <a:endParaRPr lang="en-US" sz="1100" dirty="0"/>
-          </a:p>
-        </p:txBody>
-      </p:sp>
-      <p:sp>
-        <p:nvSpPr>
-          <p:cNvPr id="47" name="Rectangle 46"/>
-          <p:cNvSpPr/>
-          <p:nvPr/>
-        </p:nvSpPr>
-        <p:spPr>
-          <a:xfrm>
-            <a:off x="5614307" y="2164726"/>
-            <a:ext cx="963386" cy="303949"/>
-          </a:xfrm>
-          <a:prstGeom prst="rect">
-            <a:avLst/>
-          </a:prstGeom>
-        </p:spPr>
-        <p:style>
-          <a:lnRef idx="2">
-            <a:schemeClr val="accent1">
-              <a:shade val="50000"/>
-            </a:schemeClr>
-          </a:lnRef>
-          <a:fillRef idx="1">
-            <a:schemeClr val="accent1"/>
-          </a:fillRef>
-          <a:effectRef idx="0">
-            <a:schemeClr val="accent1"/>
-          </a:effectRef>
-          <a:fontRef idx="minor">
-            <a:schemeClr val="lt1"/>
-          </a:fontRef>
-        </p:style>
-        <p:txBody>
-          <a:bodyPr rtlCol="0" anchor="ctr"/>
-          <a:lstStyle/>
-          <a:p>
-            <a:pPr algn="ctr"/>
-            <a:r>
-              <a:rPr lang="en-US" sz="1100" dirty="0" smtClean="0"/>
-              <a:t>http2:50052</a:t>
-            </a:r>
-            <a:endParaRPr lang="en-US" sz="1100" dirty="0"/>
-          </a:p>
-        </p:txBody>
-      </p:sp>
-      <p:sp>
-        <p:nvSpPr>
-          <p:cNvPr id="48" name="Rectangle 47"/>
-          <p:cNvSpPr/>
-          <p:nvPr/>
-        </p:nvSpPr>
-        <p:spPr>
-          <a:xfrm>
-            <a:off x="6245678" y="3932888"/>
-            <a:ext cx="963386" cy="303949"/>
-          </a:xfrm>
-          <a:prstGeom prst="rect">
-            <a:avLst/>
-          </a:prstGeom>
-        </p:spPr>
-        <p:style>
-          <a:lnRef idx="2">
-            <a:schemeClr val="accent1">
-              <a:shade val="50000"/>
-            </a:schemeClr>
-          </a:lnRef>
-          <a:fillRef idx="1">
-            <a:schemeClr val="accent1"/>
-          </a:fillRef>
-          <a:effectRef idx="0">
-            <a:schemeClr val="accent1"/>
-          </a:effectRef>
-          <a:fontRef idx="minor">
-            <a:schemeClr val="lt1"/>
-          </a:fontRef>
-        </p:style>
-        <p:txBody>
-          <a:bodyPr rtlCol="0" anchor="ctr"/>
-          <a:lstStyle/>
-          <a:p>
-            <a:pPr algn="ctr"/>
-            <a:r>
-              <a:rPr lang="en-US" sz="1100" dirty="0" smtClean="0"/>
-              <a:t>http:9411</a:t>
-            </a:r>
-            <a:endParaRPr lang="en-US" sz="1100" dirty="0"/>
+          <p:cNvPr id="3" name="Content Placeholder 2"/>
+          <p:cNvSpPr>
+            <a:spLocks noGrp="1"/>
+          </p:cNvSpPr>
+          <p:nvPr>
+            <p:ph idx="1"/>
+          </p:nvPr>
+        </p:nvSpPr>
+        <p:spPr>
+          <a:xfrm>
+            <a:off x="838200" y="1825624"/>
+            <a:ext cx="10515600" cy="4775591"/>
+          </a:xfrm>
+        </p:spPr>
+        <p:txBody>
+          <a:bodyPr>
+            <a:noAutofit/>
+          </a:bodyPr>
+          <a:lstStyle/>
+          <a:p>
+            <a:pPr marL="0" indent="0">
+              <a:buNone/>
+            </a:pPr>
+            <a:r>
+              <a:rPr lang="en-US" sz="1200" dirty="0"/>
+              <a:t>syntax = "proto3</a:t>
+            </a:r>
+            <a:r>
+              <a:rPr lang="en-US" sz="1200" dirty="0" smtClean="0"/>
+              <a:t>";</a:t>
+            </a:r>
+            <a:r>
+              <a:rPr lang="en-US" sz="1200" dirty="0"/>
+              <a:t/>
+            </a:r>
+            <a:br>
+              <a:rPr lang="en-US" sz="1200" dirty="0"/>
+            </a:br>
+            <a:r>
+              <a:rPr lang="en-US" sz="1200" dirty="0"/>
+              <a:t>option </a:t>
+            </a:r>
+            <a:r>
+              <a:rPr lang="en-US" sz="1200" dirty="0" err="1"/>
+              <a:t>java_multiple_files</a:t>
+            </a:r>
+            <a:r>
+              <a:rPr lang="en-US" sz="1200" dirty="0"/>
+              <a:t> = true;</a:t>
+            </a:r>
+            <a:br>
+              <a:rPr lang="en-US" sz="1200" dirty="0"/>
+            </a:br>
+            <a:r>
+              <a:rPr lang="en-US" sz="1200" dirty="0"/>
+              <a:t>option </a:t>
+            </a:r>
+            <a:r>
+              <a:rPr lang="en-US" sz="1200" dirty="0" err="1"/>
+              <a:t>java_package</a:t>
+            </a:r>
+            <a:r>
+              <a:rPr lang="en-US" sz="1200" dirty="0"/>
+              <a:t> = "</a:t>
+            </a:r>
+            <a:r>
+              <a:rPr lang="en-US" sz="1200" dirty="0" err="1"/>
+              <a:t>com.ibm.apiconnect.demo.polyglot</a:t>
+            </a:r>
+            <a:r>
+              <a:rPr lang="en-US" sz="1200" dirty="0"/>
+              <a:t>";</a:t>
+            </a:r>
+            <a:br>
+              <a:rPr lang="en-US" sz="1200" dirty="0"/>
+            </a:br>
+            <a:r>
+              <a:rPr lang="en-US" sz="1200" dirty="0"/>
+              <a:t>option </a:t>
+            </a:r>
+            <a:r>
+              <a:rPr lang="en-US" sz="1200" dirty="0" err="1"/>
+              <a:t>java_outer_classname</a:t>
+            </a:r>
+            <a:r>
+              <a:rPr lang="en-US" sz="1200" dirty="0"/>
+              <a:t> = "</a:t>
+            </a:r>
+            <a:r>
+              <a:rPr lang="en-US" sz="1200" dirty="0" err="1"/>
+              <a:t>NoteMessage</a:t>
+            </a:r>
+            <a:r>
+              <a:rPr lang="en-US" sz="1200" dirty="0"/>
+              <a:t>";</a:t>
+            </a:r>
+            <a:br>
+              <a:rPr lang="en-US" sz="1200" dirty="0"/>
+            </a:br>
+            <a:r>
+              <a:rPr lang="en-US" sz="1200" dirty="0"/>
+              <a:t/>
+            </a:r>
+            <a:br>
+              <a:rPr lang="en-US" sz="1200" dirty="0"/>
+            </a:br>
+            <a:r>
+              <a:rPr lang="en-US" sz="1200" dirty="0"/>
+              <a:t>message Note {</a:t>
+            </a:r>
+            <a:br>
+              <a:rPr lang="en-US" sz="1200" dirty="0"/>
+            </a:br>
+            <a:r>
+              <a:rPr lang="en-US" sz="1200" dirty="0"/>
+              <a:t>  int32 id = 1;</a:t>
+            </a:r>
+            <a:br>
+              <a:rPr lang="en-US" sz="1200" dirty="0"/>
+            </a:br>
+            <a:r>
+              <a:rPr lang="en-US" sz="1200" dirty="0"/>
+              <a:t>  string title = 2;</a:t>
+            </a:r>
+            <a:br>
+              <a:rPr lang="en-US" sz="1200" dirty="0"/>
+            </a:br>
+            <a:r>
+              <a:rPr lang="en-US" sz="1200" dirty="0"/>
+              <a:t>  string content = 3;</a:t>
+            </a:r>
+            <a:br>
+              <a:rPr lang="en-US" sz="1200" dirty="0"/>
+            </a:br>
+            <a:r>
+              <a:rPr lang="en-US" sz="1200" dirty="0" smtClean="0"/>
+              <a:t>};</a:t>
+            </a:r>
+            <a:r>
+              <a:rPr lang="en-US" sz="1200" dirty="0"/>
+              <a:t/>
+            </a:r>
+            <a:br>
+              <a:rPr lang="en-US" sz="1200" dirty="0"/>
+            </a:br>
+            <a:r>
+              <a:rPr lang="en-US" sz="1200" dirty="0"/>
+              <a:t>message </a:t>
+            </a:r>
+            <a:r>
+              <a:rPr lang="en-US" sz="1200" dirty="0" err="1"/>
+              <a:t>FindByIdRequest</a:t>
+            </a:r>
+            <a:r>
+              <a:rPr lang="en-US" sz="1200" dirty="0"/>
+              <a:t> {</a:t>
+            </a:r>
+            <a:br>
+              <a:rPr lang="en-US" sz="1200" dirty="0"/>
+            </a:br>
+            <a:r>
+              <a:rPr lang="en-US" sz="1200" dirty="0"/>
+              <a:t>  int32 id = 1;</a:t>
+            </a:r>
+            <a:br>
+              <a:rPr lang="en-US" sz="1200" dirty="0"/>
+            </a:br>
+            <a:r>
+              <a:rPr lang="en-US" sz="1200" dirty="0" smtClean="0"/>
+              <a:t>};</a:t>
+            </a:r>
+            <a:r>
+              <a:rPr lang="en-US" sz="1200" dirty="0"/>
+              <a:t/>
+            </a:r>
+            <a:br>
+              <a:rPr lang="en-US" sz="1200" dirty="0"/>
+            </a:br>
+            <a:r>
+              <a:rPr lang="en-US" sz="1200" dirty="0"/>
+              <a:t>message </a:t>
+            </a:r>
+            <a:r>
+              <a:rPr lang="en-US" sz="1200" dirty="0" err="1"/>
+              <a:t>FindRequest</a:t>
+            </a:r>
+            <a:r>
+              <a:rPr lang="en-US" sz="1200" dirty="0"/>
+              <a:t> {</a:t>
+            </a:r>
+            <a:br>
+              <a:rPr lang="en-US" sz="1200" dirty="0"/>
+            </a:br>
+            <a:r>
+              <a:rPr lang="en-US" sz="1200" dirty="0" smtClean="0"/>
+              <a:t>};</a:t>
+            </a:r>
+            <a:r>
+              <a:rPr lang="en-US" sz="1200" dirty="0"/>
+              <a:t/>
+            </a:r>
+            <a:br>
+              <a:rPr lang="en-US" sz="1200" dirty="0"/>
+            </a:br>
+            <a:r>
+              <a:rPr lang="en-US" sz="1200" dirty="0"/>
+              <a:t>message </a:t>
+            </a:r>
+            <a:r>
+              <a:rPr lang="en-US" sz="1200" dirty="0" err="1"/>
+              <a:t>FindResponse</a:t>
+            </a:r>
+            <a:r>
+              <a:rPr lang="en-US" sz="1200" dirty="0"/>
+              <a:t> {</a:t>
+            </a:r>
+            <a:br>
+              <a:rPr lang="en-US" sz="1200" dirty="0"/>
+            </a:br>
+            <a:r>
+              <a:rPr lang="en-US" sz="1200" dirty="0"/>
+              <a:t>  repeated Note notes = 1;</a:t>
+            </a:r>
+            <a:br>
+              <a:rPr lang="en-US" sz="1200" dirty="0"/>
+            </a:br>
+            <a:r>
+              <a:rPr lang="en-US" sz="1200" dirty="0"/>
+              <a:t>};</a:t>
+            </a:r>
+            <a:br>
+              <a:rPr lang="en-US" sz="1200" dirty="0"/>
+            </a:br>
+            <a:r>
+              <a:rPr lang="en-US" sz="1200" dirty="0"/>
+              <a:t/>
+            </a:r>
+            <a:br>
+              <a:rPr lang="en-US" sz="1200" dirty="0"/>
+            </a:br>
+            <a:r>
+              <a:rPr lang="en-US" sz="1200" dirty="0"/>
+              <a:t>service </a:t>
+            </a:r>
+            <a:r>
+              <a:rPr lang="en-US" sz="1200" dirty="0" err="1"/>
+              <a:t>NoteService</a:t>
+            </a:r>
+            <a:r>
+              <a:rPr lang="en-US" sz="1200" dirty="0"/>
+              <a:t> {</a:t>
+            </a:r>
+            <a:br>
+              <a:rPr lang="en-US" sz="1200" dirty="0"/>
+            </a:br>
+            <a:r>
+              <a:rPr lang="en-US" sz="1200" dirty="0"/>
+              <a:t>  </a:t>
+            </a:r>
+            <a:r>
+              <a:rPr lang="en-US" sz="1200" dirty="0" err="1"/>
+              <a:t>rpc</a:t>
+            </a:r>
+            <a:r>
+              <a:rPr lang="en-US" sz="1200" dirty="0"/>
+              <a:t> create (Note) returns (Note);</a:t>
+            </a:r>
+            <a:br>
+              <a:rPr lang="en-US" sz="1200" dirty="0"/>
+            </a:br>
+            <a:r>
+              <a:rPr lang="en-US" sz="1200" dirty="0"/>
+              <a:t>  </a:t>
+            </a:r>
+            <a:r>
+              <a:rPr lang="en-US" sz="1200" dirty="0" err="1"/>
+              <a:t>rpc</a:t>
+            </a:r>
+            <a:r>
+              <a:rPr lang="en-US" sz="1200" dirty="0"/>
+              <a:t> </a:t>
+            </a:r>
+            <a:r>
+              <a:rPr lang="en-US" sz="1200" dirty="0" err="1"/>
+              <a:t>findById</a:t>
+            </a:r>
+            <a:r>
+              <a:rPr lang="en-US" sz="1200" dirty="0"/>
+              <a:t> (</a:t>
+            </a:r>
+            <a:r>
+              <a:rPr lang="en-US" sz="1200" dirty="0" err="1"/>
+              <a:t>FindByIdRequest</a:t>
+            </a:r>
+            <a:r>
+              <a:rPr lang="en-US" sz="1200" dirty="0"/>
+              <a:t>) returns (Note);</a:t>
+            </a:r>
+            <a:br>
+              <a:rPr lang="en-US" sz="1200" dirty="0"/>
+            </a:br>
+            <a:r>
+              <a:rPr lang="en-US" sz="1200" dirty="0"/>
+              <a:t>  </a:t>
+            </a:r>
+            <a:r>
+              <a:rPr lang="en-US" sz="1200" dirty="0" err="1"/>
+              <a:t>rpc</a:t>
+            </a:r>
+            <a:r>
+              <a:rPr lang="en-US" sz="1200" dirty="0"/>
+              <a:t> find (</a:t>
+            </a:r>
+            <a:r>
+              <a:rPr lang="en-US" sz="1200" dirty="0" err="1"/>
+              <a:t>FindRequest</a:t>
+            </a:r>
+            <a:r>
+              <a:rPr lang="en-US" sz="1200" dirty="0"/>
+              <a:t>) returns (</a:t>
+            </a:r>
+            <a:r>
+              <a:rPr lang="en-US" sz="1200" dirty="0" err="1"/>
+              <a:t>FindResponse</a:t>
+            </a:r>
+            <a:r>
+              <a:rPr lang="en-US" sz="1200" dirty="0"/>
+              <a:t>);</a:t>
+            </a:r>
+            <a:br>
+              <a:rPr lang="en-US" sz="1200" dirty="0"/>
+            </a:br>
+            <a:r>
+              <a:rPr lang="en-US" sz="1200" dirty="0" smtClean="0"/>
+              <a:t>};</a:t>
+            </a:r>
+            <a:r>
+              <a:rPr lang="en-US" sz="1200" dirty="0"/>
+              <a:t/>
+            </a:r>
+            <a:br>
+              <a:rPr lang="en-US" sz="1200" dirty="0"/>
+            </a:br>
+            <a:r>
+              <a:rPr lang="en-US" sz="1200" dirty="0"/>
+              <a:t>service </a:t>
+            </a:r>
+            <a:r>
+              <a:rPr lang="en-US" sz="1200" dirty="0" err="1"/>
+              <a:t>EncryptionService</a:t>
+            </a:r>
+            <a:r>
+              <a:rPr lang="en-US" sz="1200" dirty="0"/>
+              <a:t> {</a:t>
+            </a:r>
+            <a:br>
+              <a:rPr lang="en-US" sz="1200" dirty="0"/>
+            </a:br>
+            <a:r>
+              <a:rPr lang="en-US" sz="1200" dirty="0"/>
+              <a:t>  </a:t>
+            </a:r>
+            <a:r>
+              <a:rPr lang="en-US" sz="1200" dirty="0" err="1"/>
+              <a:t>rpc</a:t>
+            </a:r>
+            <a:r>
+              <a:rPr lang="en-US" sz="1200" dirty="0"/>
+              <a:t> encrypt (Note) returns (Note);</a:t>
+            </a:r>
+            <a:br>
+              <a:rPr lang="en-US" sz="1200" dirty="0"/>
+            </a:br>
+            <a:r>
+              <a:rPr lang="en-US" sz="1200" dirty="0"/>
+              <a:t>  </a:t>
+            </a:r>
+            <a:r>
+              <a:rPr lang="en-US" sz="1200" dirty="0" err="1"/>
+              <a:t>rpc</a:t>
+            </a:r>
+            <a:r>
+              <a:rPr lang="en-US" sz="1200" dirty="0"/>
+              <a:t> decrypt (Note) returns (Note);</a:t>
+            </a:r>
+            <a:br>
+              <a:rPr lang="en-US" sz="1200" dirty="0"/>
+            </a:br>
+            <a:r>
+              <a:rPr lang="en-US" sz="1200" dirty="0"/>
+              <a:t>}</a:t>
+            </a:r>
+            <a:br>
+              <a:rPr lang="en-US" sz="1200" dirty="0"/>
+            </a:br>
+            <a:r>
+              <a:rPr lang="en-US" sz="1200" dirty="0"/>
+              <a:t/>
+            </a:r>
+            <a:br>
+              <a:rPr lang="en-US" sz="1200" dirty="0"/>
+            </a:br>
+            <a:endParaRPr lang="en-US" sz="1200" dirty="0"/>
           </a:p>
         </p:txBody>
       </p:sp>
     </p:spTree>
     <p:extLst>
       <p:ext uri="{BB962C8B-B14F-4D97-AF65-F5344CB8AC3E}">
-        <p14:creationId xmlns:p14="http://schemas.microsoft.com/office/powerpoint/2010/main" val="1222209439"/>
+        <p14:creationId xmlns:p14="http://schemas.microsoft.com/office/powerpoint/2010/main" val="5081148"/>
       </p:ext>
     </p:extLst>
   </p:cSld>
@@ -6455,6 +6358,565 @@
       </p:grpSpPr>
       <p:sp>
         <p:nvSpPr>
+          <p:cNvPr id="51" name="Rounded Rectangle 50"/>
+          <p:cNvSpPr/>
+          <p:nvPr/>
+        </p:nvSpPr>
+        <p:spPr>
+          <a:xfrm>
+            <a:off x="2481943" y="1611086"/>
+            <a:ext cx="6270171" cy="4049485"/>
+          </a:xfrm>
+          <a:prstGeom prst="roundRect">
+            <a:avLst/>
+          </a:prstGeom>
+        </p:spPr>
+        <p:style>
+          <a:lnRef idx="2">
+            <a:schemeClr val="accent2"/>
+          </a:lnRef>
+          <a:fillRef idx="1">
+            <a:schemeClr val="lt1"/>
+          </a:fillRef>
+          <a:effectRef idx="0">
+            <a:schemeClr val="accent2"/>
+          </a:effectRef>
+          <a:fontRef idx="minor">
+            <a:schemeClr val="dk1"/>
+          </a:fontRef>
+        </p:style>
+        <p:txBody>
+          <a:bodyPr rtlCol="0" anchor="ctr"/>
+          <a:lstStyle/>
+          <a:p>
+            <a:pPr algn="ctr"/>
+            <a:endParaRPr lang="en-US" dirty="0" smtClean="0"/>
+          </a:p>
+          <a:p>
+            <a:pPr algn="ctr"/>
+            <a:endParaRPr lang="en-US" dirty="0"/>
+          </a:p>
+          <a:p>
+            <a:pPr algn="ctr"/>
+            <a:endParaRPr lang="en-US" dirty="0" smtClean="0"/>
+          </a:p>
+          <a:p>
+            <a:pPr algn="ctr"/>
+            <a:endParaRPr lang="en-US" dirty="0"/>
+          </a:p>
+          <a:p>
+            <a:pPr algn="ctr"/>
+            <a:endParaRPr lang="en-US" dirty="0" smtClean="0"/>
+          </a:p>
+          <a:p>
+            <a:pPr algn="ctr"/>
+            <a:endParaRPr lang="en-US" dirty="0"/>
+          </a:p>
+          <a:p>
+            <a:pPr algn="ctr"/>
+            <a:endParaRPr lang="en-US" dirty="0" smtClean="0"/>
+          </a:p>
+          <a:p>
+            <a:pPr algn="ctr"/>
+            <a:endParaRPr lang="en-US" dirty="0"/>
+          </a:p>
+          <a:p>
+            <a:pPr algn="ctr"/>
+            <a:endParaRPr lang="en-US" dirty="0" smtClean="0"/>
+          </a:p>
+          <a:p>
+            <a:pPr algn="ctr"/>
+            <a:endParaRPr lang="en-US" dirty="0"/>
+          </a:p>
+          <a:p>
+            <a:pPr algn="ctr"/>
+            <a:endParaRPr lang="en-US" dirty="0" smtClean="0"/>
+          </a:p>
+          <a:p>
+            <a:pPr algn="ctr"/>
+            <a:endParaRPr lang="en-US" dirty="0"/>
+          </a:p>
+          <a:p>
+            <a:pPr algn="ctr"/>
+            <a:endParaRPr lang="en-US" dirty="0" smtClean="0"/>
+          </a:p>
+          <a:p>
+            <a:pPr algn="ctr"/>
+            <a:r>
+              <a:rPr lang="en-US" dirty="0" smtClean="0"/>
+              <a:t>Docker compose for local testing</a:t>
+            </a:r>
+            <a:endParaRPr lang="en-US" dirty="0"/>
+          </a:p>
+        </p:txBody>
+      </p:sp>
+      <p:sp>
+        <p:nvSpPr>
+          <p:cNvPr id="2" name="Title 1"/>
+          <p:cNvSpPr>
+            <a:spLocks noGrp="1"/>
+          </p:cNvSpPr>
+          <p:nvPr>
+            <p:ph type="title"/>
+          </p:nvPr>
+        </p:nvSpPr>
+        <p:spPr/>
+        <p:txBody>
+          <a:bodyPr/>
+          <a:lstStyle/>
+          <a:p>
+            <a:r>
+              <a:rPr lang="en-US" dirty="0" smtClean="0"/>
+              <a:t>Docker containers</a:t>
+            </a:r>
+            <a:endParaRPr lang="en-US" dirty="0"/>
+          </a:p>
+        </p:txBody>
+      </p:sp>
+      <p:sp>
+        <p:nvSpPr>
+          <p:cNvPr id="6" name="Rectangle 5"/>
+          <p:cNvSpPr/>
+          <p:nvPr/>
+        </p:nvSpPr>
+        <p:spPr>
+          <a:xfrm>
+            <a:off x="3505200" y="2601685"/>
+            <a:ext cx="1447800" cy="1186543"/>
+          </a:xfrm>
+          <a:prstGeom prst="rect">
+            <a:avLst/>
+          </a:prstGeom>
+        </p:spPr>
+        <p:style>
+          <a:lnRef idx="3">
+            <a:schemeClr val="lt1"/>
+          </a:lnRef>
+          <a:fillRef idx="1">
+            <a:schemeClr val="accent6"/>
+          </a:fillRef>
+          <a:effectRef idx="1">
+            <a:schemeClr val="accent6"/>
+          </a:effectRef>
+          <a:fontRef idx="minor">
+            <a:schemeClr val="lt1"/>
+          </a:fontRef>
+        </p:style>
+        <p:txBody>
+          <a:bodyPr rtlCol="0" anchor="ctr"/>
+          <a:lstStyle/>
+          <a:p>
+            <a:pPr algn="ctr"/>
+            <a:r>
+              <a:rPr lang="en-US" smtClean="0"/>
+              <a:t>note-loopback</a:t>
+            </a:r>
+            <a:endParaRPr lang="en-US"/>
+          </a:p>
+        </p:txBody>
+      </p:sp>
+      <p:sp>
+        <p:nvSpPr>
+          <p:cNvPr id="35" name="Rectangle 34"/>
+          <p:cNvSpPr/>
+          <p:nvPr/>
+        </p:nvSpPr>
+        <p:spPr>
+          <a:xfrm>
+            <a:off x="6003471" y="1993786"/>
+            <a:ext cx="1447800" cy="1186543"/>
+          </a:xfrm>
+          <a:prstGeom prst="rect">
+            <a:avLst/>
+          </a:prstGeom>
+        </p:spPr>
+        <p:style>
+          <a:lnRef idx="3">
+            <a:schemeClr val="lt1"/>
+          </a:lnRef>
+          <a:fillRef idx="1">
+            <a:schemeClr val="accent5"/>
+          </a:fillRef>
+          <a:effectRef idx="1">
+            <a:schemeClr val="accent5"/>
+          </a:effectRef>
+          <a:fontRef idx="minor">
+            <a:schemeClr val="lt1"/>
+          </a:fontRef>
+        </p:style>
+        <p:txBody>
+          <a:bodyPr rtlCol="0" anchor="ctr"/>
+          <a:lstStyle/>
+          <a:p>
+            <a:pPr algn="ctr"/>
+            <a:r>
+              <a:rPr lang="en-US" dirty="0" smtClean="0"/>
+              <a:t>note-java</a:t>
+            </a:r>
+            <a:endParaRPr lang="en-US" dirty="0"/>
+          </a:p>
+        </p:txBody>
+      </p:sp>
+      <p:sp>
+        <p:nvSpPr>
+          <p:cNvPr id="36" name="Rectangle 35"/>
+          <p:cNvSpPr/>
+          <p:nvPr/>
+        </p:nvSpPr>
+        <p:spPr>
+          <a:xfrm>
+            <a:off x="6727371" y="3788228"/>
+            <a:ext cx="1447800" cy="1186543"/>
+          </a:xfrm>
+          <a:prstGeom prst="rect">
+            <a:avLst/>
+          </a:prstGeom>
+        </p:spPr>
+        <p:style>
+          <a:lnRef idx="3">
+            <a:schemeClr val="lt1"/>
+          </a:lnRef>
+          <a:fillRef idx="1">
+            <a:schemeClr val="accent2"/>
+          </a:fillRef>
+          <a:effectRef idx="1">
+            <a:schemeClr val="accent2"/>
+          </a:effectRef>
+          <a:fontRef idx="minor">
+            <a:schemeClr val="lt1"/>
+          </a:fontRef>
+        </p:style>
+        <p:txBody>
+          <a:bodyPr rtlCol="0" anchor="ctr"/>
+          <a:lstStyle/>
+          <a:p>
+            <a:pPr algn="ctr"/>
+            <a:r>
+              <a:rPr lang="en-US" dirty="0" smtClean="0"/>
+              <a:t>zipkin</a:t>
+            </a:r>
+            <a:endParaRPr lang="en-US" dirty="0"/>
+          </a:p>
+        </p:txBody>
+      </p:sp>
+      <p:cxnSp>
+        <p:nvCxnSpPr>
+          <p:cNvPr id="15" name="Elbow Connector 14"/>
+          <p:cNvCxnSpPr>
+            <a:stCxn id="6" idx="3"/>
+            <a:endCxn id="35" idx="1"/>
+          </p:cNvCxnSpPr>
+          <p:nvPr/>
+        </p:nvCxnSpPr>
+        <p:spPr>
+          <a:xfrm flipV="1">
+            <a:off x="4953000" y="2587058"/>
+            <a:ext cx="1050471" cy="607899"/>
+          </a:xfrm>
+          <a:prstGeom prst="bentConnector3">
+            <a:avLst/>
+          </a:prstGeom>
+          <a:ln>
+            <a:tailEnd type="triangle"/>
+          </a:ln>
+        </p:spPr>
+        <p:style>
+          <a:lnRef idx="1">
+            <a:schemeClr val="accent4"/>
+          </a:lnRef>
+          <a:fillRef idx="2">
+            <a:schemeClr val="accent4"/>
+          </a:fillRef>
+          <a:effectRef idx="1">
+            <a:schemeClr val="accent4"/>
+          </a:effectRef>
+          <a:fontRef idx="minor">
+            <a:schemeClr val="dk1"/>
+          </a:fontRef>
+        </p:style>
+      </p:cxnSp>
+      <p:cxnSp>
+        <p:nvCxnSpPr>
+          <p:cNvPr id="37" name="Elbow Connector 36"/>
+          <p:cNvCxnSpPr>
+            <a:stCxn id="6" idx="2"/>
+            <a:endCxn id="36" idx="1"/>
+          </p:cNvCxnSpPr>
+          <p:nvPr/>
+        </p:nvCxnSpPr>
+        <p:spPr>
+          <a:xfrm rot="16200000" flipH="1">
+            <a:off x="5181599" y="2835728"/>
+            <a:ext cx="593272" cy="2498271"/>
+          </a:xfrm>
+          <a:prstGeom prst="bentConnector2">
+            <a:avLst/>
+          </a:prstGeom>
+          <a:ln>
+            <a:tailEnd type="triangle"/>
+          </a:ln>
+        </p:spPr>
+        <p:style>
+          <a:lnRef idx="1">
+            <a:schemeClr val="accent4"/>
+          </a:lnRef>
+          <a:fillRef idx="2">
+            <a:schemeClr val="accent4"/>
+          </a:fillRef>
+          <a:effectRef idx="1">
+            <a:schemeClr val="accent4"/>
+          </a:effectRef>
+          <a:fontRef idx="minor">
+            <a:schemeClr val="dk1"/>
+          </a:fontRef>
+        </p:style>
+      </p:cxnSp>
+      <p:cxnSp>
+        <p:nvCxnSpPr>
+          <p:cNvPr id="38" name="Elbow Connector 37"/>
+          <p:cNvCxnSpPr>
+            <a:stCxn id="35" idx="3"/>
+            <a:endCxn id="36" idx="3"/>
+          </p:cNvCxnSpPr>
+          <p:nvPr/>
+        </p:nvCxnSpPr>
+        <p:spPr>
+          <a:xfrm>
+            <a:off x="7451271" y="2587058"/>
+            <a:ext cx="723900" cy="1794442"/>
+          </a:xfrm>
+          <a:prstGeom prst="bentConnector3">
+            <a:avLst>
+              <a:gd name="adj1" fmla="val 131579"/>
+            </a:avLst>
+          </a:prstGeom>
+          <a:ln>
+            <a:tailEnd type="triangle"/>
+          </a:ln>
+        </p:spPr>
+        <p:style>
+          <a:lnRef idx="1">
+            <a:schemeClr val="accent4"/>
+          </a:lnRef>
+          <a:fillRef idx="2">
+            <a:schemeClr val="accent4"/>
+          </a:fillRef>
+          <a:effectRef idx="1">
+            <a:schemeClr val="accent4"/>
+          </a:effectRef>
+          <a:fontRef idx="minor">
+            <a:schemeClr val="dk1"/>
+          </a:fontRef>
+        </p:style>
+      </p:cxnSp>
+      <p:sp>
+        <p:nvSpPr>
+          <p:cNvPr id="27" name="Rectangle 26"/>
+          <p:cNvSpPr/>
+          <p:nvPr/>
+        </p:nvSpPr>
+        <p:spPr>
+          <a:xfrm>
+            <a:off x="2781300" y="2746770"/>
+            <a:ext cx="963386" cy="303949"/>
+          </a:xfrm>
+          <a:prstGeom prst="rect">
+            <a:avLst/>
+          </a:prstGeom>
+        </p:spPr>
+        <p:style>
+          <a:lnRef idx="2">
+            <a:schemeClr val="accent1">
+              <a:shade val="50000"/>
+            </a:schemeClr>
+          </a:lnRef>
+          <a:fillRef idx="1">
+            <a:schemeClr val="accent1"/>
+          </a:fillRef>
+          <a:effectRef idx="0">
+            <a:schemeClr val="accent1"/>
+          </a:effectRef>
+          <a:fontRef idx="minor">
+            <a:schemeClr val="lt1"/>
+          </a:fontRef>
+        </p:style>
+        <p:txBody>
+          <a:bodyPr rtlCol="0" anchor="ctr"/>
+          <a:lstStyle/>
+          <a:p>
+            <a:pPr algn="ctr"/>
+            <a:r>
+              <a:rPr lang="en-US" sz="1100" smtClean="0"/>
+              <a:t>http:3000</a:t>
+            </a:r>
+            <a:endParaRPr lang="en-US" sz="1100"/>
+          </a:p>
+        </p:txBody>
+      </p:sp>
+      <p:sp>
+        <p:nvSpPr>
+          <p:cNvPr id="45" name="Rectangle 44"/>
+          <p:cNvSpPr/>
+          <p:nvPr/>
+        </p:nvSpPr>
+        <p:spPr>
+          <a:xfrm>
+            <a:off x="2781300" y="3267499"/>
+            <a:ext cx="963386" cy="303949"/>
+          </a:xfrm>
+          <a:prstGeom prst="rect">
+            <a:avLst/>
+          </a:prstGeom>
+        </p:spPr>
+        <p:style>
+          <a:lnRef idx="2">
+            <a:schemeClr val="accent1">
+              <a:shade val="50000"/>
+            </a:schemeClr>
+          </a:lnRef>
+          <a:fillRef idx="1">
+            <a:schemeClr val="accent1"/>
+          </a:fillRef>
+          <a:effectRef idx="0">
+            <a:schemeClr val="accent1"/>
+          </a:effectRef>
+          <a:fontRef idx="minor">
+            <a:schemeClr val="lt1"/>
+          </a:fontRef>
+        </p:style>
+        <p:txBody>
+          <a:bodyPr rtlCol="0" anchor="ctr"/>
+          <a:lstStyle/>
+          <a:p>
+            <a:pPr algn="ctr"/>
+            <a:r>
+              <a:rPr lang="en-US" sz="1100" dirty="0" smtClean="0"/>
+              <a:t>http2:50051</a:t>
+            </a:r>
+            <a:endParaRPr lang="en-US" sz="1100" dirty="0"/>
+          </a:p>
+        </p:txBody>
+      </p:sp>
+      <p:sp>
+        <p:nvSpPr>
+          <p:cNvPr id="47" name="Rectangle 46"/>
+          <p:cNvSpPr/>
+          <p:nvPr/>
+        </p:nvSpPr>
+        <p:spPr>
+          <a:xfrm>
+            <a:off x="5614307" y="2164726"/>
+            <a:ext cx="963386" cy="303949"/>
+          </a:xfrm>
+          <a:prstGeom prst="rect">
+            <a:avLst/>
+          </a:prstGeom>
+        </p:spPr>
+        <p:style>
+          <a:lnRef idx="2">
+            <a:schemeClr val="accent1">
+              <a:shade val="50000"/>
+            </a:schemeClr>
+          </a:lnRef>
+          <a:fillRef idx="1">
+            <a:schemeClr val="accent1"/>
+          </a:fillRef>
+          <a:effectRef idx="0">
+            <a:schemeClr val="accent1"/>
+          </a:effectRef>
+          <a:fontRef idx="minor">
+            <a:schemeClr val="lt1"/>
+          </a:fontRef>
+        </p:style>
+        <p:txBody>
+          <a:bodyPr rtlCol="0" anchor="ctr"/>
+          <a:lstStyle/>
+          <a:p>
+            <a:pPr algn="ctr"/>
+            <a:r>
+              <a:rPr lang="en-US" sz="1100" dirty="0" smtClean="0"/>
+              <a:t>http2:50052</a:t>
+            </a:r>
+            <a:endParaRPr lang="en-US" sz="1100" dirty="0"/>
+          </a:p>
+        </p:txBody>
+      </p:sp>
+      <p:sp>
+        <p:nvSpPr>
+          <p:cNvPr id="48" name="Rectangle 47"/>
+          <p:cNvSpPr/>
+          <p:nvPr/>
+        </p:nvSpPr>
+        <p:spPr>
+          <a:xfrm>
+            <a:off x="6245678" y="3932888"/>
+            <a:ext cx="963386" cy="303949"/>
+          </a:xfrm>
+          <a:prstGeom prst="rect">
+            <a:avLst/>
+          </a:prstGeom>
+        </p:spPr>
+        <p:style>
+          <a:lnRef idx="2">
+            <a:schemeClr val="accent1">
+              <a:shade val="50000"/>
+            </a:schemeClr>
+          </a:lnRef>
+          <a:fillRef idx="1">
+            <a:schemeClr val="accent1"/>
+          </a:fillRef>
+          <a:effectRef idx="0">
+            <a:schemeClr val="accent1"/>
+          </a:effectRef>
+          <a:fontRef idx="minor">
+            <a:schemeClr val="lt1"/>
+          </a:fontRef>
+        </p:style>
+        <p:txBody>
+          <a:bodyPr rtlCol="0" anchor="ctr"/>
+          <a:lstStyle/>
+          <a:p>
+            <a:pPr algn="ctr"/>
+            <a:r>
+              <a:rPr lang="en-US" sz="1100" dirty="0" smtClean="0"/>
+              <a:t>http:9411</a:t>
+            </a:r>
+            <a:endParaRPr lang="en-US" sz="1100" dirty="0"/>
+          </a:p>
+        </p:txBody>
+      </p:sp>
+    </p:spTree>
+    <p:extLst>
+      <p:ext uri="{BB962C8B-B14F-4D97-AF65-F5344CB8AC3E}">
+        <p14:creationId xmlns:p14="http://schemas.microsoft.com/office/powerpoint/2010/main" val="1222209439"/>
+      </p:ext>
+    </p:extLst>
+  </p:cSld>
+  <p:clrMapOvr>
+    <a:masterClrMapping/>
+  </p:clrMapOvr>
+</p:sld>
+</file>
+
+<file path=ppt/slides/slide14.xml><?xml version="1.0" encoding="utf-8"?>
+<p:sld xmlns:a="http://schemas.openxmlformats.org/drawingml/2006/main" xmlns:r="http://schemas.openxmlformats.org/officeDocument/2006/relationships" xmlns:p="http://schemas.openxmlformats.org/presentationml/2006/main">
+  <p:cSld>
+    <p:spTree>
+      <p:nvGrpSpPr>
+        <p:cNvPr id="1" name=""/>
+        <p:cNvGrpSpPr/>
+        <p:nvPr/>
+      </p:nvGrpSpPr>
+      <p:grpSpPr>
+        <a:xfrm>
+          <a:off x="0" y="0"/>
+          <a:ext cx="0" cy="0"/>
+          <a:chOff x="0" y="0"/>
+          <a:chExt cx="0" cy="0"/>
+        </a:xfrm>
+      </p:grpSpPr>
+      <p:sp>
+        <p:nvSpPr>
           <p:cNvPr id="2" name="Title 1"/>
           <p:cNvSpPr>
             <a:spLocks noGrp="1"/>
@@ -6652,7 +7114,7 @@
 </p:sld>
 </file>
 
-<file path=ppt/slides/slide14.xml><?xml version="1.0" encoding="utf-8"?>
+<file path=ppt/slides/slide15.xml><?xml version="1.0" encoding="utf-8"?>
 <p:sld xmlns:a="http://schemas.openxmlformats.org/drawingml/2006/main" xmlns:r="http://schemas.openxmlformats.org/officeDocument/2006/relationships" xmlns:p="http://schemas.openxmlformats.org/presentationml/2006/main">
   <p:cSld>
     <p:spTree>
@@ -9273,15 +9735,7 @@
           <a:p>
             <a:r>
               <a:rPr lang="en-US" dirty="0" smtClean="0"/>
-              <a:t>As a </a:t>
-            </a:r>
-            <a:r>
-              <a:rPr lang="en-US" dirty="0" err="1" smtClean="0"/>
-              <a:t>LoopBack</a:t>
-            </a:r>
-            <a:r>
-              <a:rPr lang="en-US" dirty="0" smtClean="0"/>
-              <a:t> developer</a:t>
+              <a:t>As a LoopBack developer</a:t>
             </a:r>
             <a:endParaRPr lang="en-US" dirty="0"/>
           </a:p>
@@ -9296,15 +9750,7 @@
             <a:pPr lvl="1"/>
             <a:r>
               <a:rPr lang="en-US" dirty="0" smtClean="0"/>
-              <a:t>I should be able to expose LoopBack models as a </a:t>
-            </a:r>
-            <a:r>
-              <a:rPr lang="en-US" dirty="0" err="1" smtClean="0"/>
-              <a:t>microservice</a:t>
-            </a:r>
-            <a:r>
-              <a:rPr lang="en-US" dirty="0" smtClean="0"/>
-              <a:t> so that other microservices can interact with LoopBack apps</a:t>
+              <a:t>I should be able to expose LoopBack models as a microservice so that other microservices can interact with LoopBack apps</a:t>
             </a:r>
           </a:p>
           <a:p>
@@ -9317,30 +9763,14 @@
             <a:pPr lvl="1"/>
             <a:r>
               <a:rPr lang="en-US" dirty="0" smtClean="0"/>
-              <a:t>I should be able to invoke a </a:t>
-            </a:r>
-            <a:r>
-              <a:rPr lang="en-US" dirty="0" err="1" smtClean="0"/>
-              <a:t>microservice</a:t>
-            </a:r>
+              <a:t>I should be able to invoke a microservice to enforce a policy</a:t>
+            </a:r>
+          </a:p>
+          <a:p>
+            <a:pPr lvl="1"/>
             <a:r>
               <a:rPr lang="en-US" dirty="0" smtClean="0"/>
-              <a:t> to enforce a policy</a:t>
-            </a:r>
-          </a:p>
-          <a:p>
-            <a:pPr lvl="1"/>
-            <a:r>
-              <a:rPr lang="en-US" dirty="0" smtClean="0"/>
-              <a:t>I should be able to import a </a:t>
-            </a:r>
-            <a:r>
-              <a:rPr lang="en-US" dirty="0" err="1" smtClean="0"/>
-              <a:t>microservice</a:t>
-            </a:r>
-            <a:r>
-              <a:rPr lang="en-US" dirty="0" smtClean="0"/>
-              <a:t> as a public REST API</a:t>
+              <a:t>I should be able to import a microservice as a public REST API</a:t>
             </a:r>
           </a:p>
           <a:p>
@@ -9425,13 +9855,8 @@
           <a:p>
             <a:r>
               <a:rPr lang="en-US" dirty="0" smtClean="0"/>
-              <a:t>Implement the API as a gRPC </a:t>
-            </a:r>
-            <a:r>
-              <a:rPr lang="en-US" dirty="0" err="1" smtClean="0"/>
-              <a:t>microservice</a:t>
-            </a:r>
-            <a:endParaRPr lang="en-US" dirty="0" smtClean="0"/>
+              <a:t>Implement the API as a gRPC microservice</a:t>
+            </a:r>
           </a:p>
           <a:p>
             <a:pPr lvl="1"/>

--- a/Polyglot Microservices.pptx
+++ b/Polyglot Microservices.pptx
@@ -11114,7 +11114,7 @@
         </p:spPr>
         <p:txBody>
           <a:bodyPr>
-            <a:normAutofit fontScale="85000" lnSpcReduction="20000"/>
+            <a:normAutofit fontScale="70000" lnSpcReduction="20000"/>
           </a:bodyPr>
           <a:lstStyle/>
           <a:p>
@@ -11169,8 +11169,39 @@
           <a:p>
             <a:r>
               <a:rPr lang="en-US" dirty="0" smtClean="0"/>
-              <a:t>Reference architectures</a:t>
-            </a:r>
+              <a:t>Reference </a:t>
+            </a:r>
+            <a:r>
+              <a:rPr lang="en-US" dirty="0" smtClean="0"/>
+              <a:t>architectures</a:t>
+            </a:r>
+          </a:p>
+          <a:p>
+            <a:pPr lvl="1"/>
+            <a:r>
+              <a:rPr lang="en-US" dirty="0" smtClean="0"/>
+              <a:t>IBM</a:t>
+            </a:r>
+          </a:p>
+          <a:p>
+            <a:pPr lvl="2"/>
+            <a:r>
+              <a:rPr lang="en-US" dirty="0">
+                <a:hlinkClick r:id="rId3"/>
+              </a:rPr>
+              <a:t>https://</a:t>
+            </a:r>
+            <a:r>
+              <a:rPr lang="en-US" dirty="0" smtClean="0">
+                <a:hlinkClick r:id="rId3"/>
+              </a:rPr>
+              <a:t>www.ibm.com/devops/method/tracks/omnichannel_track</a:t>
+            </a:r>
+            <a:r>
+              <a:rPr lang="en-US" smtClean="0"/>
+              <a:t> </a:t>
+            </a:r>
+            <a:endParaRPr lang="en-US" dirty="0" smtClean="0"/>
           </a:p>
           <a:p>
             <a:pPr lvl="1"/>
@@ -11215,34 +11246,9 @@
             <a:pPr lvl="2"/>
             <a:r>
               <a:rPr lang="en-US" dirty="0">
-                <a:hlinkClick r:id="rId3"/>
+                <a:hlinkClick r:id="rId4"/>
               </a:rPr>
               <a:t>https://eng.uber.com/tech-stack-part-one</a:t>
-            </a:r>
-            <a:r>
-              <a:rPr lang="en-US" dirty="0" smtClean="0">
-                <a:hlinkClick r:id="rId3"/>
-              </a:rPr>
-              <a:t>/</a:t>
-            </a:r>
-            <a:r>
-              <a:rPr lang="en-US" dirty="0" smtClean="0"/>
-              <a:t> </a:t>
-            </a:r>
-          </a:p>
-          <a:p>
-            <a:pPr lvl="2"/>
-            <a:r>
-              <a:rPr lang="en-US" dirty="0" smtClean="0">
-                <a:hlinkClick r:id="rId4"/>
-              </a:rPr>
-              <a:t>https</a:t>
-            </a:r>
-            <a:r>
-              <a:rPr lang="en-US" dirty="0">
-                <a:hlinkClick r:id="rId4"/>
-              </a:rPr>
-              <a:t>://eng.uber.com/soa</a:t>
             </a:r>
             <a:r>
               <a:rPr lang="en-US" dirty="0" smtClean="0">
@@ -11258,14 +11264,39 @@
           <a:p>
             <a:pPr lvl="2"/>
             <a:r>
+              <a:rPr lang="en-US" dirty="0" smtClean="0">
+                <a:hlinkClick r:id="rId5"/>
+              </a:rPr>
+              <a:t>https</a:t>
+            </a:r>
+            <a:r>
               <a:rPr lang="en-US" dirty="0">
                 <a:hlinkClick r:id="rId5"/>
               </a:rPr>
-              <a:t>https://eng.uber.com/building-tincup</a:t>
+              <a:t>://eng.uber.com/soa</a:t>
             </a:r>
             <a:r>
               <a:rPr lang="en-US" dirty="0" smtClean="0">
                 <a:hlinkClick r:id="rId5"/>
+              </a:rPr>
+              <a:t>/</a:t>
+            </a:r>
+            <a:r>
+              <a:rPr lang="en-US" dirty="0" smtClean="0"/>
+              <a:t> </a:t>
+            </a:r>
+          </a:p>
+          <a:p>
+            <a:pPr lvl="2"/>
+            <a:r>
+              <a:rPr lang="en-US" dirty="0">
+                <a:hlinkClick r:id="rId6"/>
+              </a:rPr>
+              <a:t>https://eng.uber.com/building-tincup</a:t>
+            </a:r>
+            <a:r>
+              <a:rPr lang="en-US" dirty="0" smtClean="0">
+                <a:hlinkClick r:id="rId6"/>
               </a:rPr>
               <a:t>/</a:t>
             </a:r>
@@ -11300,7 +11331,7 @@
             <p:nvPr/>
           </p:nvPicPr>
           <p:blipFill>
-            <a:blip r:embed="rId6">
+            <a:blip r:embed="rId7">
               <a:extLst>
                 <a:ext uri="{28A0092B-C50C-407E-A947-70E740481C1C}">
                   <a14:useLocalDpi xmlns:a14="http://schemas.microsoft.com/office/drawing/2010/main" val="0"/>

--- a/Polyglot Microservices.pptx
+++ b/Polyglot Microservices.pptx
@@ -216,7 +216,7 @@
           <a:p>
             <a:fld id="{AC6E54D7-E0A2-A24C-B372-CEF09E1D6EF0}" type="datetimeFigureOut">
               <a:rPr lang="en-US" smtClean="0"/>
-              <a:t>10/27/16</a:t>
+              <a:t>2/7/17</a:t>
             </a:fld>
             <a:endParaRPr lang="en-US"/>
           </a:p>
@@ -615,7 +615,7 @@
           <a:p>
             <a:fld id="{D3E90C50-6FBB-2247-BEF7-451AA7AB9405}" type="datetimeFigureOut">
               <a:rPr lang="en-US" smtClean="0"/>
-              <a:t>10/27/16</a:t>
+              <a:t>2/7/17</a:t>
             </a:fld>
             <a:endParaRPr lang="en-US"/>
           </a:p>
@@ -785,7 +785,7 @@
           <a:p>
             <a:fld id="{D3E90C50-6FBB-2247-BEF7-451AA7AB9405}" type="datetimeFigureOut">
               <a:rPr lang="en-US" smtClean="0"/>
-              <a:t>10/27/16</a:t>
+              <a:t>2/7/17</a:t>
             </a:fld>
             <a:endParaRPr lang="en-US"/>
           </a:p>
@@ -965,7 +965,7 @@
           <a:p>
             <a:fld id="{D3E90C50-6FBB-2247-BEF7-451AA7AB9405}" type="datetimeFigureOut">
               <a:rPr lang="en-US" smtClean="0"/>
-              <a:t>10/27/16</a:t>
+              <a:t>2/7/17</a:t>
             </a:fld>
             <a:endParaRPr lang="en-US"/>
           </a:p>
@@ -1135,7 +1135,7 @@
           <a:p>
             <a:fld id="{D3E90C50-6FBB-2247-BEF7-451AA7AB9405}" type="datetimeFigureOut">
               <a:rPr lang="en-US" smtClean="0"/>
-              <a:t>10/27/16</a:t>
+              <a:t>2/7/17</a:t>
             </a:fld>
             <a:endParaRPr lang="en-US"/>
           </a:p>
@@ -1381,7 +1381,7 @@
           <a:p>
             <a:fld id="{D3E90C50-6FBB-2247-BEF7-451AA7AB9405}" type="datetimeFigureOut">
               <a:rPr lang="en-US" smtClean="0"/>
-              <a:t>10/27/16</a:t>
+              <a:t>2/7/17</a:t>
             </a:fld>
             <a:endParaRPr lang="en-US"/>
           </a:p>
@@ -1613,7 +1613,7 @@
           <a:p>
             <a:fld id="{D3E90C50-6FBB-2247-BEF7-451AA7AB9405}" type="datetimeFigureOut">
               <a:rPr lang="en-US" smtClean="0"/>
-              <a:t>10/27/16</a:t>
+              <a:t>2/7/17</a:t>
             </a:fld>
             <a:endParaRPr lang="en-US"/>
           </a:p>
@@ -1980,7 +1980,7 @@
           <a:p>
             <a:fld id="{D3E90C50-6FBB-2247-BEF7-451AA7AB9405}" type="datetimeFigureOut">
               <a:rPr lang="en-US" smtClean="0"/>
-              <a:t>10/27/16</a:t>
+              <a:t>2/7/17</a:t>
             </a:fld>
             <a:endParaRPr lang="en-US"/>
           </a:p>
@@ -2098,7 +2098,7 @@
           <a:p>
             <a:fld id="{D3E90C50-6FBB-2247-BEF7-451AA7AB9405}" type="datetimeFigureOut">
               <a:rPr lang="en-US" smtClean="0"/>
-              <a:t>10/27/16</a:t>
+              <a:t>2/7/17</a:t>
             </a:fld>
             <a:endParaRPr lang="en-US"/>
           </a:p>
@@ -2193,7 +2193,7 @@
           <a:p>
             <a:fld id="{D3E90C50-6FBB-2247-BEF7-451AA7AB9405}" type="datetimeFigureOut">
               <a:rPr lang="en-US" smtClean="0"/>
-              <a:t>10/27/16</a:t>
+              <a:t>2/7/17</a:t>
             </a:fld>
             <a:endParaRPr lang="en-US"/>
           </a:p>
@@ -2470,7 +2470,7 @@
           <a:p>
             <a:fld id="{D3E90C50-6FBB-2247-BEF7-451AA7AB9405}" type="datetimeFigureOut">
               <a:rPr lang="en-US" smtClean="0"/>
-              <a:t>10/27/16</a:t>
+              <a:t>2/7/17</a:t>
             </a:fld>
             <a:endParaRPr lang="en-US"/>
           </a:p>
@@ -2723,7 +2723,7 @@
           <a:p>
             <a:fld id="{D3E90C50-6FBB-2247-BEF7-451AA7AB9405}" type="datetimeFigureOut">
               <a:rPr lang="en-US" smtClean="0"/>
-              <a:t>10/27/16</a:t>
+              <a:t>2/7/17</a:t>
             </a:fld>
             <a:endParaRPr lang="en-US"/>
           </a:p>
@@ -2936,7 +2936,7 @@
           <a:p>
             <a:fld id="{D3E90C50-6FBB-2247-BEF7-451AA7AB9405}" type="datetimeFigureOut">
               <a:rPr lang="en-US" smtClean="0"/>
-              <a:t>10/27/16</a:t>
+              <a:t>2/7/17</a:t>
             </a:fld>
             <a:endParaRPr lang="en-US"/>
           </a:p>
@@ -4898,7 +4898,6 @@
               <a:rPr lang="en-US" sz="1600" dirty="0" smtClean="0"/>
               <a:t>Analogy</a:t>
             </a:r>
-            <a:endParaRPr lang="en-US" sz="1600" dirty="0" smtClean="0"/>
           </a:p>
           <a:p>
             <a:pPr marL="285750" indent="-285750">
@@ -6395,14 +6394,72 @@
       </p:grpSpPr>
       <p:sp>
         <p:nvSpPr>
+          <p:cNvPr id="38" name="Rectangle 37"/>
+          <p:cNvSpPr/>
+          <p:nvPr/>
+        </p:nvSpPr>
+        <p:spPr>
+          <a:xfrm>
+            <a:off x="9229401" y="1818360"/>
+            <a:ext cx="2308615" cy="1397927"/>
+          </a:xfrm>
+          <a:prstGeom prst="rect">
+            <a:avLst/>
+          </a:prstGeom>
+        </p:spPr>
+        <p:style>
+          <a:lnRef idx="1">
+            <a:schemeClr val="accent6"/>
+          </a:lnRef>
+          <a:fillRef idx="2">
+            <a:schemeClr val="accent6"/>
+          </a:fillRef>
+          <a:effectRef idx="1">
+            <a:schemeClr val="accent6"/>
+          </a:effectRef>
+          <a:fontRef idx="minor">
+            <a:schemeClr val="dk1"/>
+          </a:fontRef>
+        </p:style>
+        <p:txBody>
+          <a:bodyPr rtlCol="0" anchor="ctr"/>
+          <a:lstStyle/>
+          <a:p>
+            <a:pPr algn="ctr"/>
+            <a:endParaRPr lang="en-US" sz="1400" dirty="0" smtClean="0"/>
+          </a:p>
+          <a:p>
+            <a:pPr algn="ctr"/>
+            <a:endParaRPr lang="en-US" sz="1400" dirty="0"/>
+          </a:p>
+          <a:p>
+            <a:pPr algn="ctr"/>
+            <a:endParaRPr lang="en-US" sz="1400" dirty="0" smtClean="0"/>
+          </a:p>
+          <a:p>
+            <a:pPr algn="ctr"/>
+            <a:endParaRPr lang="en-US" sz="1400" dirty="0"/>
+          </a:p>
+          <a:p>
+            <a:pPr algn="ctr"/>
+            <a:r>
+              <a:rPr lang="en-US" sz="1400" dirty="0" smtClean="0"/>
+              <a:t>Swift</a:t>
+            </a:r>
+            <a:endParaRPr lang="en-US" sz="1400" dirty="0" smtClean="0"/>
+          </a:p>
+        </p:txBody>
+      </p:sp>
+      <p:sp>
+        <p:nvSpPr>
           <p:cNvPr id="37" name="Rectangle 36"/>
           <p:cNvSpPr/>
           <p:nvPr/>
         </p:nvSpPr>
         <p:spPr>
           <a:xfrm>
-            <a:off x="9231682" y="3279765"/>
-            <a:ext cx="2308615" cy="1705594"/>
+            <a:off x="9231682" y="3386407"/>
+            <a:ext cx="2308615" cy="1598951"/>
           </a:xfrm>
           <a:prstGeom prst="rect">
             <a:avLst/>
@@ -6939,8 +6996,8 @@
         </p:nvCxnSpPr>
         <p:spPr>
           <a:xfrm flipV="1">
-            <a:off x="9013247" y="3920666"/>
-            <a:ext cx="809088" cy="1"/>
+            <a:off x="8750049" y="3920666"/>
+            <a:ext cx="1072286" cy="12341"/>
           </a:xfrm>
           <a:prstGeom prst="bentConnector3">
             <a:avLst/>
@@ -7063,7 +7120,7 @@
         </p:nvSpPr>
         <p:spPr>
           <a:xfrm>
-            <a:off x="7308896" y="1818361"/>
+            <a:off x="7309720" y="1666792"/>
             <a:ext cx="617491" cy="574046"/>
           </a:xfrm>
           <a:prstGeom prst="can">
@@ -7108,8 +7165,8 @@
         </p:nvCxnSpPr>
         <p:spPr>
           <a:xfrm rot="10800000" flipV="1">
-            <a:off x="6091632" y="2105383"/>
-            <a:ext cx="1217264" cy="760147"/>
+            <a:off x="6091632" y="1953815"/>
+            <a:ext cx="1218088" cy="911716"/>
           </a:xfrm>
           <a:prstGeom prst="bentConnector2">
             <a:avLst/>
@@ -7138,8 +7195,8 @@
         </p:nvSpPr>
         <p:spPr>
           <a:xfrm>
-            <a:off x="7801965" y="3649536"/>
-            <a:ext cx="1211282" cy="542261"/>
+            <a:off x="7801965" y="3762887"/>
+            <a:ext cx="948084" cy="340240"/>
           </a:xfrm>
           <a:prstGeom prst="chevron">
             <a:avLst>
@@ -7167,14 +7224,14 @@
           <a:p>
             <a:pPr algn="ctr"/>
             <a:r>
-              <a:rPr lang="en-US" sz="1000" dirty="0" smtClean="0">
+              <a:rPr lang="en-US" sz="700" dirty="0" smtClean="0">
                 <a:solidFill>
                   <a:schemeClr val="tx1"/>
                 </a:solidFill>
               </a:rPr>
               <a:t>gRPC connector</a:t>
             </a:r>
-            <a:endParaRPr lang="en-US" sz="1000" dirty="0">
+            <a:endParaRPr lang="en-US" sz="700" dirty="0">
               <a:solidFill>
                 <a:schemeClr val="tx1"/>
               </a:solidFill>
@@ -7639,31 +7696,23 @@
         </p:nvSpPr>
         <p:spPr>
           <a:xfrm>
-            <a:off x="9105013" y="2076014"/>
+            <a:off x="9822335" y="1941832"/>
             <a:ext cx="1158949" cy="813389"/>
           </a:xfrm>
           <a:prstGeom prst="roundRect">
             <a:avLst/>
           </a:prstGeom>
-          <a:solidFill>
-            <a:schemeClr val="accent6">
-              <a:lumMod val="40000"/>
-              <a:lumOff val="60000"/>
-            </a:schemeClr>
-          </a:solidFill>
-          <a:ln>
-            <a:prstDash val="dash"/>
-          </a:ln>
+          <a:ln/>
         </p:spPr>
         <p:style>
           <a:lnRef idx="1">
-            <a:schemeClr val="accent3"/>
+            <a:schemeClr val="accent2"/>
           </a:lnRef>
           <a:fillRef idx="2">
-            <a:schemeClr val="accent3"/>
+            <a:schemeClr val="accent2"/>
           </a:fillRef>
           <a:effectRef idx="1">
-            <a:schemeClr val="accent3"/>
+            <a:schemeClr val="accent2"/>
           </a:effectRef>
           <a:fontRef idx="minor">
             <a:schemeClr val="dk1"/>
@@ -7690,65 +7739,11 @@
             <a:pPr algn="ctr"/>
             <a:r>
               <a:rPr lang="en-US" sz="1200" dirty="0" smtClean="0"/>
-              <a:t>(gRPC/Swift - TBD)</a:t>
-            </a:r>
-            <a:endParaRPr lang="en-US" sz="1200" dirty="0"/>
-          </a:p>
-        </p:txBody>
-      </p:sp>
-      <p:sp>
-        <p:nvSpPr>
-          <p:cNvPr id="34" name="Rounded Rectangle 33"/>
-          <p:cNvSpPr/>
-          <p:nvPr/>
-        </p:nvSpPr>
-        <p:spPr>
-          <a:xfrm>
-            <a:off x="10419897" y="2046769"/>
-            <a:ext cx="1158949" cy="813389"/>
-          </a:xfrm>
-          <a:prstGeom prst="roundRect">
-            <a:avLst/>
-          </a:prstGeom>
-          <a:solidFill>
-            <a:schemeClr val="accent6">
-              <a:lumMod val="40000"/>
-              <a:lumOff val="60000"/>
-            </a:schemeClr>
-          </a:solidFill>
-          <a:ln>
-            <a:prstDash val="dash"/>
-          </a:ln>
-        </p:spPr>
-        <p:style>
-          <a:lnRef idx="1">
-            <a:schemeClr val="accent3"/>
-          </a:lnRef>
-          <a:fillRef idx="2">
-            <a:schemeClr val="accent3"/>
-          </a:fillRef>
-          <a:effectRef idx="1">
-            <a:schemeClr val="accent3"/>
-          </a:effectRef>
-          <a:fontRef idx="minor">
-            <a:schemeClr val="dk1"/>
-          </a:fontRef>
-        </p:style>
-        <p:txBody>
-          <a:bodyPr rtlCol="0" anchor="ctr"/>
-          <a:lstStyle/>
-          <a:p>
-            <a:pPr algn="ctr"/>
+              <a:t>(</a:t>
+            </a:r>
             <a:r>
               <a:rPr lang="en-US" sz="1200" dirty="0" smtClean="0"/>
-              <a:t>NLP</a:t>
-            </a:r>
-          </a:p>
-          <a:p>
-            <a:pPr algn="ctr"/>
-            <a:r>
-              <a:rPr lang="en-US" sz="1200" dirty="0" smtClean="0"/>
-              <a:t>(OpenWhisk action - TBD)</a:t>
+              <a:t>gRPC/Swift)</a:t>
             </a:r>
             <a:endParaRPr lang="en-US" sz="1200" dirty="0"/>
           </a:p>
@@ -7866,6 +7861,232 @@
               <a:t>SSL</a:t>
             </a:r>
             <a:endParaRPr lang="en-US" sz="1050"/>
+          </a:p>
+        </p:txBody>
+      </p:sp>
+      <p:sp>
+        <p:nvSpPr>
+          <p:cNvPr id="40" name="Rounded Rectangle 39"/>
+          <p:cNvSpPr/>
+          <p:nvPr/>
+        </p:nvSpPr>
+        <p:spPr>
+          <a:xfrm>
+            <a:off x="6837889" y="2860153"/>
+            <a:ext cx="1309657" cy="526255"/>
+          </a:xfrm>
+          <a:prstGeom prst="roundRect">
+            <a:avLst/>
+          </a:prstGeom>
+        </p:spPr>
+        <p:style>
+          <a:lnRef idx="3">
+            <a:schemeClr val="lt1"/>
+          </a:lnRef>
+          <a:fillRef idx="1">
+            <a:schemeClr val="accent6"/>
+          </a:fillRef>
+          <a:effectRef idx="1">
+            <a:schemeClr val="accent6"/>
+          </a:effectRef>
+          <a:fontRef idx="minor">
+            <a:schemeClr val="lt1"/>
+          </a:fontRef>
+        </p:style>
+        <p:txBody>
+          <a:bodyPr rtlCol="0" anchor="ctr"/>
+          <a:lstStyle/>
+          <a:p>
+            <a:pPr algn="ctr"/>
+            <a:r>
+              <a:rPr lang="en-US" sz="1200" dirty="0" smtClean="0"/>
+              <a:t>TranslationClient</a:t>
+            </a:r>
+            <a:endParaRPr lang="en-US" sz="1200" dirty="0"/>
+          </a:p>
+        </p:txBody>
+      </p:sp>
+      <p:sp>
+        <p:nvSpPr>
+          <p:cNvPr id="43" name="Chevron 42"/>
+          <p:cNvSpPr/>
+          <p:nvPr/>
+        </p:nvSpPr>
+        <p:spPr>
+          <a:xfrm>
+            <a:off x="7956649" y="2929927"/>
+            <a:ext cx="1013732" cy="349838"/>
+          </a:xfrm>
+          <a:prstGeom prst="chevron">
+            <a:avLst>
+              <a:gd name="adj" fmla="val 43939"/>
+            </a:avLst>
+          </a:prstGeom>
+        </p:spPr>
+        <p:style>
+          <a:lnRef idx="1">
+            <a:schemeClr val="accent5"/>
+          </a:lnRef>
+          <a:fillRef idx="2">
+            <a:schemeClr val="accent5"/>
+          </a:fillRef>
+          <a:effectRef idx="1">
+            <a:schemeClr val="accent5"/>
+          </a:effectRef>
+          <a:fontRef idx="minor">
+            <a:schemeClr val="dk1"/>
+          </a:fontRef>
+        </p:style>
+        <p:txBody>
+          <a:bodyPr rtlCol="0" anchor="ctr"/>
+          <a:lstStyle/>
+          <a:p>
+            <a:pPr algn="ctr"/>
+            <a:r>
+              <a:rPr lang="en-US" sz="700" dirty="0" smtClean="0">
+                <a:solidFill>
+                  <a:schemeClr val="tx1"/>
+                </a:solidFill>
+              </a:rPr>
+              <a:t>gRPC connector</a:t>
+            </a:r>
+            <a:endParaRPr lang="en-US" sz="700" dirty="0">
+              <a:solidFill>
+                <a:schemeClr val="tx1"/>
+              </a:solidFill>
+            </a:endParaRPr>
+          </a:p>
+        </p:txBody>
+      </p:sp>
+      <p:cxnSp>
+        <p:nvCxnSpPr>
+          <p:cNvPr id="15" name="Elbow Connector 14"/>
+          <p:cNvCxnSpPr>
+            <a:stCxn id="43" idx="3"/>
+            <a:endCxn id="31" idx="1"/>
+          </p:cNvCxnSpPr>
+          <p:nvPr/>
+        </p:nvCxnSpPr>
+        <p:spPr>
+          <a:xfrm flipV="1">
+            <a:off x="8970381" y="2348527"/>
+            <a:ext cx="851954" cy="756319"/>
+          </a:xfrm>
+          <a:prstGeom prst="bentConnector3">
+            <a:avLst/>
+          </a:prstGeom>
+          <a:ln>
+            <a:tailEnd type="triangle"/>
+          </a:ln>
+        </p:spPr>
+        <p:style>
+          <a:lnRef idx="1">
+            <a:schemeClr val="accent1"/>
+          </a:lnRef>
+          <a:fillRef idx="0">
+            <a:schemeClr val="accent1"/>
+          </a:fillRef>
+          <a:effectRef idx="0">
+            <a:schemeClr val="accent1"/>
+          </a:effectRef>
+          <a:fontRef idx="minor">
+            <a:schemeClr val="tx1"/>
+          </a:fontRef>
+        </p:style>
+      </p:cxnSp>
+      <p:cxnSp>
+        <p:nvCxnSpPr>
+          <p:cNvPr id="47" name="Elbow Connector 46"/>
+          <p:cNvCxnSpPr>
+            <a:stCxn id="9" idx="3"/>
+            <a:endCxn id="21" idx="2"/>
+          </p:cNvCxnSpPr>
+          <p:nvPr/>
+        </p:nvCxnSpPr>
+        <p:spPr>
+          <a:xfrm flipV="1">
+            <a:off x="5676012" y="3391786"/>
+            <a:ext cx="415620" cy="887707"/>
+          </a:xfrm>
+          <a:prstGeom prst="bentConnector2">
+            <a:avLst/>
+          </a:prstGeom>
+          <a:ln>
+            <a:tailEnd type="triangle"/>
+          </a:ln>
+        </p:spPr>
+        <p:style>
+          <a:lnRef idx="1">
+            <a:schemeClr val="accent1"/>
+          </a:lnRef>
+          <a:fillRef idx="0">
+            <a:schemeClr val="accent1"/>
+          </a:fillRef>
+          <a:effectRef idx="0">
+            <a:schemeClr val="accent1"/>
+          </a:effectRef>
+          <a:fontRef idx="minor">
+            <a:schemeClr val="tx1"/>
+          </a:fontRef>
+        </p:style>
+      </p:cxnSp>
+      <p:sp>
+        <p:nvSpPr>
+          <p:cNvPr id="48" name="Chevron 47"/>
+          <p:cNvSpPr/>
+          <p:nvPr/>
+        </p:nvSpPr>
+        <p:spPr>
+          <a:xfrm rot="16200000">
+            <a:off x="5616578" y="2335122"/>
+            <a:ext cx="950105" cy="349838"/>
+          </a:xfrm>
+          <a:prstGeom prst="chevron">
+            <a:avLst>
+              <a:gd name="adj" fmla="val 43939"/>
+            </a:avLst>
+          </a:prstGeom>
+        </p:spPr>
+        <p:style>
+          <a:lnRef idx="1">
+            <a:schemeClr val="accent5"/>
+          </a:lnRef>
+          <a:fillRef idx="2">
+            <a:schemeClr val="accent5"/>
+          </a:fillRef>
+          <a:effectRef idx="1">
+            <a:schemeClr val="accent5"/>
+          </a:effectRef>
+          <a:fontRef idx="minor">
+            <a:schemeClr val="dk1"/>
+          </a:fontRef>
+        </p:style>
+        <p:txBody>
+          <a:bodyPr rtlCol="0" anchor="ctr"/>
+          <a:lstStyle/>
+          <a:p>
+            <a:pPr algn="ctr"/>
+            <a:r>
+              <a:rPr lang="en-US" sz="700" dirty="0">
+                <a:solidFill>
+                  <a:schemeClr val="tx1"/>
+                </a:solidFill>
+              </a:rPr>
+              <a:t>d</a:t>
+            </a:r>
+            <a:r>
+              <a:rPr lang="en-US" sz="700" dirty="0" smtClean="0">
+                <a:solidFill>
+                  <a:schemeClr val="tx1"/>
+                </a:solidFill>
+              </a:rPr>
+              <a:t>atabase connector</a:t>
+            </a:r>
+            <a:endParaRPr lang="en-US" sz="700" dirty="0">
+              <a:solidFill>
+                <a:schemeClr val="tx1"/>
+              </a:solidFill>
+            </a:endParaRPr>
           </a:p>
         </p:txBody>
       </p:sp>
@@ -8368,8 +8589,8 @@
         </p:nvSpPr>
         <p:spPr>
           <a:xfrm>
-            <a:off x="2481943" y="1611086"/>
-            <a:ext cx="6270171" cy="4049485"/>
+            <a:off x="1425389" y="1611086"/>
+            <a:ext cx="7326726" cy="4502843"/>
           </a:xfrm>
           <a:prstGeom prst="roundRect">
             <a:avLst/>
@@ -8477,181 +8698,19 @@
           </a:p>
         </p:txBody>
       </p:sp>
-      <p:sp>
-        <p:nvSpPr>
-          <p:cNvPr id="6" name="Rectangle 5"/>
-          <p:cNvSpPr/>
-          <p:nvPr/>
-        </p:nvSpPr>
-        <p:spPr>
-          <a:xfrm>
-            <a:off x="3505200" y="2601685"/>
-            <a:ext cx="1447800" cy="1186543"/>
-          </a:xfrm>
-          <a:prstGeom prst="rect">
-            <a:avLst/>
-          </a:prstGeom>
-        </p:spPr>
-        <p:style>
-          <a:lnRef idx="3">
-            <a:schemeClr val="lt1"/>
-          </a:lnRef>
-          <a:fillRef idx="1">
-            <a:schemeClr val="accent6"/>
-          </a:fillRef>
-          <a:effectRef idx="1">
-            <a:schemeClr val="accent6"/>
-          </a:effectRef>
-          <a:fontRef idx="minor">
-            <a:schemeClr val="lt1"/>
-          </a:fontRef>
-        </p:style>
-        <p:txBody>
-          <a:bodyPr rtlCol="0" anchor="ctr"/>
-          <a:lstStyle/>
-          <a:p>
-            <a:pPr algn="ctr"/>
-            <a:r>
-              <a:rPr lang="en-US" dirty="0" smtClean="0"/>
-              <a:t>note-loopback</a:t>
-            </a:r>
-            <a:endParaRPr lang="en-US" dirty="0"/>
-          </a:p>
-        </p:txBody>
-      </p:sp>
-      <p:sp>
-        <p:nvSpPr>
-          <p:cNvPr id="35" name="Rectangle 34"/>
-          <p:cNvSpPr/>
-          <p:nvPr/>
-        </p:nvSpPr>
-        <p:spPr>
-          <a:xfrm>
-            <a:off x="6003471" y="1993786"/>
-            <a:ext cx="1447800" cy="1186543"/>
-          </a:xfrm>
-          <a:prstGeom prst="rect">
-            <a:avLst/>
-          </a:prstGeom>
-        </p:spPr>
-        <p:style>
-          <a:lnRef idx="3">
-            <a:schemeClr val="lt1"/>
-          </a:lnRef>
-          <a:fillRef idx="1">
-            <a:schemeClr val="accent5"/>
-          </a:fillRef>
-          <a:effectRef idx="1">
-            <a:schemeClr val="accent5"/>
-          </a:effectRef>
-          <a:fontRef idx="minor">
-            <a:schemeClr val="lt1"/>
-          </a:fontRef>
-        </p:style>
-        <p:txBody>
-          <a:bodyPr rtlCol="0" anchor="ctr"/>
-          <a:lstStyle/>
-          <a:p>
-            <a:pPr algn="ctr"/>
-            <a:r>
-              <a:rPr lang="en-US" dirty="0" smtClean="0"/>
-              <a:t>note-java</a:t>
-            </a:r>
-            <a:endParaRPr lang="en-US" dirty="0"/>
-          </a:p>
-        </p:txBody>
-      </p:sp>
-      <p:sp>
-        <p:nvSpPr>
-          <p:cNvPr id="36" name="Rectangle 35"/>
-          <p:cNvSpPr/>
-          <p:nvPr/>
-        </p:nvSpPr>
-        <p:spPr>
-          <a:xfrm>
-            <a:off x="6727371" y="3788228"/>
-            <a:ext cx="1447800" cy="1186543"/>
-          </a:xfrm>
-          <a:prstGeom prst="rect">
-            <a:avLst/>
-          </a:prstGeom>
-        </p:spPr>
-        <p:style>
-          <a:lnRef idx="3">
-            <a:schemeClr val="lt1"/>
-          </a:lnRef>
-          <a:fillRef idx="1">
-            <a:schemeClr val="accent2"/>
-          </a:fillRef>
-          <a:effectRef idx="1">
-            <a:schemeClr val="accent2"/>
-          </a:effectRef>
-          <a:fontRef idx="minor">
-            <a:schemeClr val="lt1"/>
-          </a:fontRef>
-        </p:style>
-        <p:txBody>
-          <a:bodyPr rtlCol="0" anchor="ctr"/>
-          <a:lstStyle/>
-          <a:p>
-            <a:pPr algn="ctr"/>
-            <a:r>
-              <a:rPr lang="en-US" dirty="0" smtClean="0"/>
-              <a:t>zipkin</a:t>
-            </a:r>
-            <a:endParaRPr lang="en-US" dirty="0"/>
-          </a:p>
-        </p:txBody>
-      </p:sp>
-      <p:cxnSp>
-        <p:nvCxnSpPr>
-          <p:cNvPr id="15" name="Elbow Connector 14"/>
-          <p:cNvCxnSpPr>
-            <a:stCxn id="6" idx="3"/>
-            <a:endCxn id="35" idx="1"/>
-          </p:cNvCxnSpPr>
-          <p:nvPr/>
-        </p:nvCxnSpPr>
-        <p:spPr>
-          <a:xfrm flipV="1">
-            <a:off x="4953000" y="2587058"/>
-            <a:ext cx="1050471" cy="607899"/>
-          </a:xfrm>
-          <a:prstGeom prst="bentConnector3">
-            <a:avLst/>
-          </a:prstGeom>
-          <a:ln>
-            <a:tailEnd type="triangle"/>
-          </a:ln>
-        </p:spPr>
-        <p:style>
-          <a:lnRef idx="1">
-            <a:schemeClr val="accent4"/>
-          </a:lnRef>
-          <a:fillRef idx="2">
-            <a:schemeClr val="accent4"/>
-          </a:fillRef>
-          <a:effectRef idx="1">
-            <a:schemeClr val="accent4"/>
-          </a:effectRef>
-          <a:fontRef idx="minor">
-            <a:schemeClr val="dk1"/>
-          </a:fontRef>
-        </p:style>
-      </p:cxnSp>
       <p:cxnSp>
         <p:nvCxnSpPr>
           <p:cNvPr id="37" name="Elbow Connector 36"/>
           <p:cNvCxnSpPr>
             <a:stCxn id="6" idx="2"/>
-            <a:endCxn id="36" idx="1"/>
+            <a:endCxn id="48" idx="1"/>
           </p:cNvCxnSpPr>
           <p:nvPr/>
         </p:nvCxnSpPr>
         <p:spPr>
           <a:xfrm rot="16200000" flipH="1">
-            <a:off x="5181599" y="2835728"/>
-            <a:ext cx="593272" cy="2498271"/>
+            <a:off x="4501442" y="2982245"/>
+            <a:ext cx="863975" cy="2624498"/>
           </a:xfrm>
           <a:prstGeom prst="bentConnector2">
             <a:avLst/>
@@ -8680,18 +8739,20 @@
           <p:cNvPr id="38" name="Elbow Connector 37"/>
           <p:cNvCxnSpPr>
             <a:stCxn id="35" idx="3"/>
-            <a:endCxn id="36" idx="3"/>
+            <a:endCxn id="48" idx="1"/>
           </p:cNvCxnSpPr>
           <p:nvPr/>
         </p:nvCxnSpPr>
         <p:spPr>
-          <a:xfrm>
-            <a:off x="7451271" y="2587058"/>
-            <a:ext cx="723900" cy="1794442"/>
-          </a:xfrm>
-          <a:prstGeom prst="bentConnector3">
+          <a:xfrm flipH="1">
+            <a:off x="6245678" y="3459876"/>
+            <a:ext cx="1205593" cy="1266606"/>
+          </a:xfrm>
+          <a:prstGeom prst="bentConnector5">
             <a:avLst>
-              <a:gd name="adj1" fmla="val 131579"/>
+              <a:gd name="adj1" fmla="val -18962"/>
+              <a:gd name="adj2" fmla="val 65979"/>
+              <a:gd name="adj3" fmla="val 118962"/>
             </a:avLst>
           </a:prstGeom>
           <a:ln>
@@ -8713,182 +8774,526 @@
           </a:fontRef>
         </p:style>
       </p:cxnSp>
-      <p:sp>
-        <p:nvSpPr>
-          <p:cNvPr id="27" name="Rectangle 26"/>
-          <p:cNvSpPr/>
-          <p:nvPr/>
-        </p:nvSpPr>
-        <p:spPr>
-          <a:xfrm>
-            <a:off x="2781300" y="2746770"/>
-            <a:ext cx="963386" cy="303949"/>
-          </a:xfrm>
-          <a:prstGeom prst="rect">
+      <p:grpSp>
+        <p:nvGrpSpPr>
+          <p:cNvPr id="13" name="Group 12"/>
+          <p:cNvGrpSpPr/>
+          <p:nvPr/>
+        </p:nvGrpSpPr>
+        <p:grpSpPr>
+          <a:xfrm>
+            <a:off x="2125755" y="2889197"/>
+            <a:ext cx="3488552" cy="973310"/>
+            <a:chOff x="2781300" y="2601685"/>
+            <a:chExt cx="3488552" cy="1186543"/>
+          </a:xfrm>
+        </p:grpSpPr>
+        <p:sp>
+          <p:nvSpPr>
+            <p:cNvPr id="6" name="Rectangle 5"/>
+            <p:cNvSpPr/>
+            <p:nvPr/>
+          </p:nvSpPr>
+          <p:spPr>
+            <a:xfrm>
+              <a:off x="3505199" y="2601685"/>
+              <a:ext cx="1543051" cy="1186543"/>
+            </a:xfrm>
+            <a:prstGeom prst="rect">
+              <a:avLst/>
+            </a:prstGeom>
+          </p:spPr>
+          <p:style>
+            <a:lnRef idx="3">
+              <a:schemeClr val="lt1"/>
+            </a:lnRef>
+            <a:fillRef idx="1">
+              <a:schemeClr val="accent6"/>
+            </a:fillRef>
+            <a:effectRef idx="1">
+              <a:schemeClr val="accent6"/>
+            </a:effectRef>
+            <a:fontRef idx="minor">
+              <a:schemeClr val="lt1"/>
+            </a:fontRef>
+          </p:style>
+          <p:txBody>
+            <a:bodyPr rtlCol="0" anchor="ctr"/>
+            <a:lstStyle/>
+            <a:p>
+              <a:pPr algn="ctr"/>
+              <a:r>
+                <a:rPr lang="en-US" dirty="0" smtClean="0"/>
+                <a:t>note-loopback</a:t>
+              </a:r>
+              <a:endParaRPr lang="en-US" dirty="0"/>
+            </a:p>
+          </p:txBody>
+        </p:sp>
+        <p:cxnSp>
+          <p:nvCxnSpPr>
+            <p:cNvPr id="15" name="Elbow Connector 14"/>
+            <p:cNvCxnSpPr>
+              <a:stCxn id="6" idx="3"/>
+              <a:endCxn id="47" idx="1"/>
+            </p:cNvCxnSpPr>
+            <p:nvPr/>
+          </p:nvCxnSpPr>
+          <p:spPr>
+            <a:xfrm flipV="1">
+              <a:off x="5048250" y="3005588"/>
+              <a:ext cx="1221602" cy="189368"/>
+            </a:xfrm>
+            <a:prstGeom prst="bentConnector3">
+              <a:avLst/>
+            </a:prstGeom>
+            <a:ln>
+              <a:tailEnd type="triangle"/>
+            </a:ln>
+          </p:spPr>
+          <p:style>
+            <a:lnRef idx="1">
+              <a:schemeClr val="accent4"/>
+            </a:lnRef>
+            <a:fillRef idx="2">
+              <a:schemeClr val="accent4"/>
+            </a:fillRef>
+            <a:effectRef idx="1">
+              <a:schemeClr val="accent4"/>
+            </a:effectRef>
+            <a:fontRef idx="minor">
+              <a:schemeClr val="dk1"/>
+            </a:fontRef>
+          </p:style>
+        </p:cxnSp>
+        <p:sp>
+          <p:nvSpPr>
+            <p:cNvPr id="27" name="Rectangle 26"/>
+            <p:cNvSpPr/>
+            <p:nvPr/>
+          </p:nvSpPr>
+          <p:spPr>
+            <a:xfrm>
+              <a:off x="2781300" y="2713983"/>
+              <a:ext cx="963386" cy="303948"/>
+            </a:xfrm>
+            <a:prstGeom prst="rect">
+              <a:avLst/>
+            </a:prstGeom>
+          </p:spPr>
+          <p:style>
+            <a:lnRef idx="2">
+              <a:schemeClr val="accent1">
+                <a:shade val="50000"/>
+              </a:schemeClr>
+            </a:lnRef>
+            <a:fillRef idx="1">
+              <a:schemeClr val="accent1"/>
+            </a:fillRef>
+            <a:effectRef idx="0">
+              <a:schemeClr val="accent1"/>
+            </a:effectRef>
+            <a:fontRef idx="minor">
+              <a:schemeClr val="lt1"/>
+            </a:fontRef>
+          </p:style>
+          <p:txBody>
+            <a:bodyPr rtlCol="0" anchor="ctr"/>
+            <a:lstStyle/>
+            <a:p>
+              <a:pPr algn="ctr"/>
+              <a:r>
+                <a:rPr lang="en-US" sz="1100" smtClean="0"/>
+                <a:t>http:3000</a:t>
+              </a:r>
+              <a:endParaRPr lang="en-US" sz="1100"/>
+            </a:p>
+          </p:txBody>
+        </p:sp>
+        <p:sp>
+          <p:nvSpPr>
+            <p:cNvPr id="45" name="Rectangle 44"/>
+            <p:cNvSpPr/>
+            <p:nvPr/>
+          </p:nvSpPr>
+          <p:spPr>
+            <a:xfrm>
+              <a:off x="2781300" y="3365861"/>
+              <a:ext cx="963386" cy="303948"/>
+            </a:xfrm>
+            <a:prstGeom prst="rect">
+              <a:avLst/>
+            </a:prstGeom>
+          </p:spPr>
+          <p:style>
+            <a:lnRef idx="2">
+              <a:schemeClr val="accent1">
+                <a:shade val="50000"/>
+              </a:schemeClr>
+            </a:lnRef>
+            <a:fillRef idx="1">
+              <a:schemeClr val="accent1"/>
+            </a:fillRef>
+            <a:effectRef idx="0">
+              <a:schemeClr val="accent1"/>
+            </a:effectRef>
+            <a:fontRef idx="minor">
+              <a:schemeClr val="lt1"/>
+            </a:fontRef>
+          </p:style>
+          <p:txBody>
+            <a:bodyPr rtlCol="0" anchor="ctr"/>
+            <a:lstStyle/>
+            <a:p>
+              <a:pPr algn="ctr"/>
+              <a:r>
+                <a:rPr lang="en-US" sz="1100" dirty="0" smtClean="0"/>
+                <a:t>http2:50051</a:t>
+              </a:r>
+              <a:endParaRPr lang="en-US" sz="1100" dirty="0"/>
+            </a:p>
+          </p:txBody>
+        </p:sp>
+      </p:grpSp>
+      <p:grpSp>
+        <p:nvGrpSpPr>
+          <p:cNvPr id="4" name="Group 3"/>
+          <p:cNvGrpSpPr/>
+          <p:nvPr/>
+        </p:nvGrpSpPr>
+        <p:grpSpPr>
+          <a:xfrm>
+            <a:off x="5614307" y="2934622"/>
+            <a:ext cx="1836964" cy="1050507"/>
+            <a:chOff x="5614307" y="1993786"/>
+            <a:chExt cx="1836964" cy="1186543"/>
+          </a:xfrm>
+        </p:grpSpPr>
+        <p:sp>
+          <p:nvSpPr>
+            <p:cNvPr id="35" name="Rectangle 34"/>
+            <p:cNvSpPr/>
+            <p:nvPr/>
+          </p:nvSpPr>
+          <p:spPr>
+            <a:xfrm>
+              <a:off x="6003471" y="1993786"/>
+              <a:ext cx="1447800" cy="1186543"/>
+            </a:xfrm>
+            <a:prstGeom prst="rect">
+              <a:avLst/>
+            </a:prstGeom>
+          </p:spPr>
+          <p:style>
+            <a:lnRef idx="3">
+              <a:schemeClr val="lt1"/>
+            </a:lnRef>
+            <a:fillRef idx="1">
+              <a:schemeClr val="accent5"/>
+            </a:fillRef>
+            <a:effectRef idx="1">
+              <a:schemeClr val="accent5"/>
+            </a:effectRef>
+            <a:fontRef idx="minor">
+              <a:schemeClr val="lt1"/>
+            </a:fontRef>
+          </p:style>
+          <p:txBody>
+            <a:bodyPr rtlCol="0" anchor="ctr"/>
+            <a:lstStyle/>
+            <a:p>
+              <a:pPr algn="ctr"/>
+              <a:r>
+                <a:rPr lang="en-US" dirty="0" smtClean="0"/>
+                <a:t>note-java</a:t>
+              </a:r>
+              <a:endParaRPr lang="en-US" dirty="0"/>
+            </a:p>
+          </p:txBody>
+        </p:sp>
+        <p:sp>
+          <p:nvSpPr>
+            <p:cNvPr id="47" name="Rectangle 46"/>
+            <p:cNvSpPr/>
+            <p:nvPr/>
+          </p:nvSpPr>
+          <p:spPr>
+            <a:xfrm>
+              <a:off x="5614307" y="2164726"/>
+              <a:ext cx="963386" cy="303949"/>
+            </a:xfrm>
+            <a:prstGeom prst="rect">
+              <a:avLst/>
+            </a:prstGeom>
+          </p:spPr>
+          <p:style>
+            <a:lnRef idx="2">
+              <a:schemeClr val="accent1">
+                <a:shade val="50000"/>
+              </a:schemeClr>
+            </a:lnRef>
+            <a:fillRef idx="1">
+              <a:schemeClr val="accent1"/>
+            </a:fillRef>
+            <a:effectRef idx="0">
+              <a:schemeClr val="accent1"/>
+            </a:effectRef>
+            <a:fontRef idx="minor">
+              <a:schemeClr val="lt1"/>
+            </a:fontRef>
+          </p:style>
+          <p:txBody>
+            <a:bodyPr rtlCol="0" anchor="ctr"/>
+            <a:lstStyle/>
+            <a:p>
+              <a:pPr algn="ctr"/>
+              <a:r>
+                <a:rPr lang="en-US" sz="1100" dirty="0" smtClean="0"/>
+                <a:t>http2:50052</a:t>
+              </a:r>
+              <a:endParaRPr lang="en-US" sz="1100" dirty="0"/>
+            </a:p>
+          </p:txBody>
+        </p:sp>
+      </p:grpSp>
+      <p:grpSp>
+        <p:nvGrpSpPr>
+          <p:cNvPr id="10" name="Group 9"/>
+          <p:cNvGrpSpPr/>
+          <p:nvPr/>
+        </p:nvGrpSpPr>
+        <p:grpSpPr>
+          <a:xfrm>
+            <a:off x="6245678" y="4491319"/>
+            <a:ext cx="1929493" cy="940656"/>
+            <a:chOff x="6245678" y="4209572"/>
+            <a:chExt cx="1929493" cy="1186543"/>
+          </a:xfrm>
+        </p:grpSpPr>
+        <p:sp>
+          <p:nvSpPr>
+            <p:cNvPr id="36" name="Rectangle 35"/>
+            <p:cNvSpPr/>
+            <p:nvPr/>
+          </p:nvSpPr>
+          <p:spPr>
+            <a:xfrm>
+              <a:off x="6727371" y="4209572"/>
+              <a:ext cx="1447800" cy="1186543"/>
+            </a:xfrm>
+            <a:prstGeom prst="rect">
+              <a:avLst/>
+            </a:prstGeom>
+          </p:spPr>
+          <p:style>
+            <a:lnRef idx="3">
+              <a:schemeClr val="lt1"/>
+            </a:lnRef>
+            <a:fillRef idx="1">
+              <a:schemeClr val="accent2"/>
+            </a:fillRef>
+            <a:effectRef idx="1">
+              <a:schemeClr val="accent2"/>
+            </a:effectRef>
+            <a:fontRef idx="minor">
+              <a:schemeClr val="lt1"/>
+            </a:fontRef>
+          </p:style>
+          <p:txBody>
+            <a:bodyPr rtlCol="0" anchor="ctr"/>
+            <a:lstStyle/>
+            <a:p>
+              <a:pPr algn="ctr"/>
+              <a:r>
+                <a:rPr lang="en-US" dirty="0" smtClean="0"/>
+                <a:t>zipkin</a:t>
+              </a:r>
+              <a:endParaRPr lang="en-US" dirty="0"/>
+            </a:p>
+          </p:txBody>
+        </p:sp>
+        <p:sp>
+          <p:nvSpPr>
+            <p:cNvPr id="48" name="Rectangle 47"/>
+            <p:cNvSpPr/>
+            <p:nvPr/>
+          </p:nvSpPr>
+          <p:spPr>
+            <a:xfrm>
+              <a:off x="6245678" y="4354232"/>
+              <a:ext cx="963386" cy="303949"/>
+            </a:xfrm>
+            <a:prstGeom prst="rect">
+              <a:avLst/>
+            </a:prstGeom>
+          </p:spPr>
+          <p:style>
+            <a:lnRef idx="2">
+              <a:schemeClr val="accent1">
+                <a:shade val="50000"/>
+              </a:schemeClr>
+            </a:lnRef>
+            <a:fillRef idx="1">
+              <a:schemeClr val="accent1"/>
+            </a:fillRef>
+            <a:effectRef idx="0">
+              <a:schemeClr val="accent1"/>
+            </a:effectRef>
+            <a:fontRef idx="minor">
+              <a:schemeClr val="lt1"/>
+            </a:fontRef>
+          </p:style>
+          <p:txBody>
+            <a:bodyPr rtlCol="0" anchor="ctr"/>
+            <a:lstStyle/>
+            <a:p>
+              <a:pPr algn="ctr"/>
+              <a:r>
+                <a:rPr lang="en-US" sz="1100" dirty="0" smtClean="0"/>
+                <a:t>http:9411</a:t>
+              </a:r>
+              <a:endParaRPr lang="en-US" sz="1100" dirty="0"/>
+            </a:p>
+          </p:txBody>
+        </p:sp>
+      </p:grpSp>
+      <p:grpSp>
+        <p:nvGrpSpPr>
+          <p:cNvPr id="3" name="Group 2"/>
+          <p:cNvGrpSpPr/>
+          <p:nvPr/>
+        </p:nvGrpSpPr>
+        <p:grpSpPr>
+          <a:xfrm>
+            <a:off x="5611428" y="1835348"/>
+            <a:ext cx="1839843" cy="879795"/>
+            <a:chOff x="9410542" y="2573359"/>
+            <a:chExt cx="1839843" cy="1186543"/>
+          </a:xfrm>
+        </p:grpSpPr>
+        <p:sp>
+          <p:nvSpPr>
+            <p:cNvPr id="14" name="Rectangle 13"/>
+            <p:cNvSpPr/>
+            <p:nvPr/>
+          </p:nvSpPr>
+          <p:spPr>
+            <a:xfrm>
+              <a:off x="9802585" y="2573359"/>
+              <a:ext cx="1447800" cy="1186543"/>
+            </a:xfrm>
+            <a:prstGeom prst="rect">
+              <a:avLst/>
+            </a:prstGeom>
+          </p:spPr>
+          <p:style>
+            <a:lnRef idx="1">
+              <a:schemeClr val="accent6"/>
+            </a:lnRef>
+            <a:fillRef idx="2">
+              <a:schemeClr val="accent6"/>
+            </a:fillRef>
+            <a:effectRef idx="1">
+              <a:schemeClr val="accent6"/>
+            </a:effectRef>
+            <a:fontRef idx="minor">
+              <a:schemeClr val="dk1"/>
+            </a:fontRef>
+          </p:style>
+          <p:txBody>
+            <a:bodyPr rtlCol="0" anchor="ctr"/>
+            <a:lstStyle/>
+            <a:p>
+              <a:pPr algn="ctr"/>
+              <a:r>
+                <a:rPr lang="en-US" dirty="0" smtClean="0"/>
+                <a:t>note-swift</a:t>
+              </a:r>
+              <a:endParaRPr lang="en-US" dirty="0"/>
+            </a:p>
+          </p:txBody>
+        </p:sp>
+        <p:sp>
+          <p:nvSpPr>
+            <p:cNvPr id="16" name="Rectangle 15"/>
+            <p:cNvSpPr/>
+            <p:nvPr/>
+          </p:nvSpPr>
+          <p:spPr>
+            <a:xfrm>
+              <a:off x="9410542" y="2739032"/>
+              <a:ext cx="963386" cy="303949"/>
+            </a:xfrm>
+            <a:prstGeom prst="rect">
+              <a:avLst/>
+            </a:prstGeom>
+          </p:spPr>
+          <p:style>
+            <a:lnRef idx="2">
+              <a:schemeClr val="accent1">
+                <a:shade val="50000"/>
+              </a:schemeClr>
+            </a:lnRef>
+            <a:fillRef idx="1">
+              <a:schemeClr val="accent1"/>
+            </a:fillRef>
+            <a:effectRef idx="0">
+              <a:schemeClr val="accent1"/>
+            </a:effectRef>
+            <a:fontRef idx="minor">
+              <a:schemeClr val="lt1"/>
+            </a:fontRef>
+          </p:style>
+          <p:txBody>
+            <a:bodyPr rtlCol="0" anchor="ctr"/>
+            <a:lstStyle/>
+            <a:p>
+              <a:pPr algn="ctr"/>
+              <a:r>
+                <a:rPr lang="en-US" sz="1100" dirty="0" smtClean="0"/>
+                <a:t>http2:50053</a:t>
+              </a:r>
+              <a:endParaRPr lang="en-US" sz="1100" dirty="0"/>
+            </a:p>
+          </p:txBody>
+        </p:sp>
+      </p:grpSp>
+      <p:cxnSp>
+        <p:nvCxnSpPr>
+          <p:cNvPr id="18" name="Elbow Connector 17"/>
+          <p:cNvCxnSpPr>
+            <a:stCxn id="6" idx="0"/>
+            <a:endCxn id="16" idx="1"/>
+          </p:cNvCxnSpPr>
+          <p:nvPr/>
+        </p:nvCxnSpPr>
+        <p:spPr>
+          <a:xfrm rot="5400000" flipH="1" flipV="1">
+            <a:off x="4207144" y="1484913"/>
+            <a:ext cx="818320" cy="1990248"/>
+          </a:xfrm>
+          <a:prstGeom prst="bentConnector2">
             <a:avLst/>
           </a:prstGeom>
-        </p:spPr>
-        <p:style>
-          <a:lnRef idx="2">
-            <a:schemeClr val="accent1">
-              <a:shade val="50000"/>
-            </a:schemeClr>
-          </a:lnRef>
-          <a:fillRef idx="1">
-            <a:schemeClr val="accent1"/>
-          </a:fillRef>
-          <a:effectRef idx="0">
-            <a:schemeClr val="accent1"/>
-          </a:effectRef>
-          <a:fontRef idx="minor">
-            <a:schemeClr val="lt1"/>
-          </a:fontRef>
-        </p:style>
-        <p:txBody>
-          <a:bodyPr rtlCol="0" anchor="ctr"/>
-          <a:lstStyle/>
-          <a:p>
-            <a:pPr algn="ctr"/>
-            <a:r>
-              <a:rPr lang="en-US" sz="1100" smtClean="0"/>
-              <a:t>http:3000</a:t>
-            </a:r>
-            <a:endParaRPr lang="en-US" sz="1100"/>
-          </a:p>
-        </p:txBody>
-      </p:sp>
-      <p:sp>
-        <p:nvSpPr>
-          <p:cNvPr id="45" name="Rectangle 44"/>
-          <p:cNvSpPr/>
-          <p:nvPr/>
-        </p:nvSpPr>
-        <p:spPr>
-          <a:xfrm>
-            <a:off x="2781300" y="3267499"/>
-            <a:ext cx="963386" cy="303949"/>
-          </a:xfrm>
-          <a:prstGeom prst="rect">
-            <a:avLst/>
-          </a:prstGeom>
-        </p:spPr>
-        <p:style>
-          <a:lnRef idx="2">
-            <a:schemeClr val="accent1">
-              <a:shade val="50000"/>
-            </a:schemeClr>
-          </a:lnRef>
-          <a:fillRef idx="1">
-            <a:schemeClr val="accent1"/>
-          </a:fillRef>
-          <a:effectRef idx="0">
-            <a:schemeClr val="accent1"/>
-          </a:effectRef>
-          <a:fontRef idx="minor">
-            <a:schemeClr val="lt1"/>
-          </a:fontRef>
-        </p:style>
-        <p:txBody>
-          <a:bodyPr rtlCol="0" anchor="ctr"/>
-          <a:lstStyle/>
-          <a:p>
-            <a:pPr algn="ctr"/>
-            <a:r>
-              <a:rPr lang="en-US" sz="1100" dirty="0" smtClean="0"/>
-              <a:t>http2:50051</a:t>
-            </a:r>
-            <a:endParaRPr lang="en-US" sz="1100" dirty="0"/>
-          </a:p>
-        </p:txBody>
-      </p:sp>
-      <p:sp>
-        <p:nvSpPr>
-          <p:cNvPr id="47" name="Rectangle 46"/>
-          <p:cNvSpPr/>
-          <p:nvPr/>
-        </p:nvSpPr>
-        <p:spPr>
-          <a:xfrm>
-            <a:off x="5614307" y="2164726"/>
-            <a:ext cx="963386" cy="303949"/>
-          </a:xfrm>
-          <a:prstGeom prst="rect">
-            <a:avLst/>
-          </a:prstGeom>
-        </p:spPr>
-        <p:style>
-          <a:lnRef idx="2">
-            <a:schemeClr val="accent1">
-              <a:shade val="50000"/>
-            </a:schemeClr>
-          </a:lnRef>
-          <a:fillRef idx="1">
-            <a:schemeClr val="accent1"/>
-          </a:fillRef>
-          <a:effectRef idx="0">
-            <a:schemeClr val="accent1"/>
-          </a:effectRef>
-          <a:fontRef idx="minor">
-            <a:schemeClr val="lt1"/>
-          </a:fontRef>
-        </p:style>
-        <p:txBody>
-          <a:bodyPr rtlCol="0" anchor="ctr"/>
-          <a:lstStyle/>
-          <a:p>
-            <a:pPr algn="ctr"/>
-            <a:r>
-              <a:rPr lang="en-US" sz="1100" dirty="0" smtClean="0"/>
-              <a:t>http2:50052</a:t>
-            </a:r>
-            <a:endParaRPr lang="en-US" sz="1100" dirty="0"/>
-          </a:p>
-        </p:txBody>
-      </p:sp>
-      <p:sp>
-        <p:nvSpPr>
-          <p:cNvPr id="48" name="Rectangle 47"/>
-          <p:cNvSpPr/>
-          <p:nvPr/>
-        </p:nvSpPr>
-        <p:spPr>
-          <a:xfrm>
-            <a:off x="6245678" y="3932888"/>
-            <a:ext cx="963386" cy="303949"/>
-          </a:xfrm>
-          <a:prstGeom prst="rect">
-            <a:avLst/>
-          </a:prstGeom>
-        </p:spPr>
-        <p:style>
-          <a:lnRef idx="2">
-            <a:schemeClr val="accent1">
-              <a:shade val="50000"/>
-            </a:schemeClr>
-          </a:lnRef>
-          <a:fillRef idx="1">
-            <a:schemeClr val="accent1"/>
-          </a:fillRef>
-          <a:effectRef idx="0">
-            <a:schemeClr val="accent1"/>
-          </a:effectRef>
-          <a:fontRef idx="minor">
-            <a:schemeClr val="lt1"/>
-          </a:fontRef>
-        </p:style>
-        <p:txBody>
-          <a:bodyPr rtlCol="0" anchor="ctr"/>
-          <a:lstStyle/>
-          <a:p>
-            <a:pPr algn="ctr"/>
-            <a:r>
-              <a:rPr lang="en-US" sz="1100" dirty="0" smtClean="0"/>
-              <a:t>http:9411</a:t>
-            </a:r>
-            <a:endParaRPr lang="en-US" sz="1100" dirty="0"/>
-          </a:p>
-        </p:txBody>
-      </p:sp>
+          <a:ln>
+            <a:tailEnd type="triangle"/>
+          </a:ln>
+        </p:spPr>
+        <p:style>
+          <a:lnRef idx="1">
+            <a:schemeClr val="accent4"/>
+          </a:lnRef>
+          <a:fillRef idx="2">
+            <a:schemeClr val="accent4"/>
+          </a:fillRef>
+          <a:effectRef idx="1">
+            <a:schemeClr val="accent4"/>
+          </a:effectRef>
+          <a:fontRef idx="minor">
+            <a:schemeClr val="dk1"/>
+          </a:fontRef>
+        </p:style>
+      </p:cxnSp>
     </p:spTree>
     <p:extLst>
       <p:ext uri="{BB962C8B-B14F-4D97-AF65-F5344CB8AC3E}">
@@ -11169,11 +11574,7 @@
           <a:p>
             <a:r>
               <a:rPr lang="en-US" dirty="0" smtClean="0"/>
-              <a:t>Reference </a:t>
-            </a:r>
-            <a:r>
-              <a:rPr lang="en-US" dirty="0" smtClean="0"/>
-              <a:t>architectures</a:t>
+              <a:t>Reference architectures</a:t>
             </a:r>
           </a:p>
           <a:p>
@@ -11734,7 +12135,7 @@
           <a:p>
             <a:pPr algn="ctr"/>
             <a:r>
-              <a:rPr lang="en-US" sz="1400" smtClean="0"/>
+              <a:rPr lang="en-US" sz="1400" dirty="0" smtClean="0"/>
               <a:t>gRPC</a:t>
             </a:r>
             <a:endParaRPr lang="en-US" sz="1400" dirty="0"/>
@@ -12481,7 +12882,7 @@
           <a:p>
             <a:pPr algn="ctr"/>
             <a:r>
-              <a:rPr lang="en-US" sz="1400" smtClean="0"/>
+              <a:rPr lang="en-US" sz="1400" dirty="0" smtClean="0"/>
               <a:t>gRPC</a:t>
             </a:r>
             <a:endParaRPr lang="en-US" sz="1400" dirty="0"/>
@@ -13352,23 +13753,7 @@
                   <a:srgbClr val="C00000"/>
                 </a:solidFill>
               </a:rPr>
-              <a:t>Do we have an internal service API (SOAP/REST/Whisk/</a:t>
-            </a:r>
-            <a:r>
-              <a:rPr lang="en-US" i="1" dirty="0" err="1" smtClean="0">
-                <a:solidFill>
-                  <a:srgbClr val="C00000"/>
-                </a:solidFill>
-              </a:rPr>
-              <a:t>gRPC</a:t>
-            </a:r>
-            <a:r>
-              <a:rPr lang="en-US" i="1" dirty="0" smtClean="0">
-                <a:solidFill>
-                  <a:srgbClr val="C00000"/>
-                </a:solidFill>
-              </a:rPr>
-              <a:t>/Thrift/</a:t>
+              <a:t>Do we have an internal service API (SOAP/REST/Whisk/gRPC/Thrift/</a:t>
             </a:r>
             <a:r>
               <a:rPr lang="mr-IN" i="1" dirty="0" smtClean="0">
@@ -13690,23 +14075,7 @@
                   <a:srgbClr val="0070C0"/>
                 </a:solidFill>
               </a:rPr>
-              <a:t>REST/</a:t>
-            </a:r>
-            <a:r>
-              <a:rPr lang="en-US" i="1" dirty="0" err="1" smtClean="0">
-                <a:solidFill>
-                  <a:srgbClr val="0070C0"/>
-                </a:solidFill>
-              </a:rPr>
-              <a:t>gRPC</a:t>
-            </a:r>
-            <a:r>
-              <a:rPr lang="en-US" i="1" dirty="0" smtClean="0">
-                <a:solidFill>
-                  <a:srgbClr val="0070C0"/>
-                </a:solidFill>
-              </a:rPr>
-              <a:t>/Thrift/</a:t>
+              <a:t>REST/gRPC/Thrift/</a:t>
             </a:r>
             <a:r>
               <a:rPr lang="mr-IN" i="1" dirty="0" smtClean="0">

--- a/Polyglot Microservices.pptx
+++ b/Polyglot Microservices.pptx
@@ -216,7 +216,7 @@
           <a:p>
             <a:fld id="{AC6E54D7-E0A2-A24C-B372-CEF09E1D6EF0}" type="datetimeFigureOut">
               <a:rPr lang="en-US" smtClean="0"/>
-              <a:t>2/7/17</a:t>
+              <a:t>2/10/17</a:t>
             </a:fld>
             <a:endParaRPr lang="en-US"/>
           </a:p>
@@ -615,7 +615,7 @@
           <a:p>
             <a:fld id="{D3E90C50-6FBB-2247-BEF7-451AA7AB9405}" type="datetimeFigureOut">
               <a:rPr lang="en-US" smtClean="0"/>
-              <a:t>2/7/17</a:t>
+              <a:t>2/10/17</a:t>
             </a:fld>
             <a:endParaRPr lang="en-US"/>
           </a:p>
@@ -785,7 +785,7 @@
           <a:p>
             <a:fld id="{D3E90C50-6FBB-2247-BEF7-451AA7AB9405}" type="datetimeFigureOut">
               <a:rPr lang="en-US" smtClean="0"/>
-              <a:t>2/7/17</a:t>
+              <a:t>2/10/17</a:t>
             </a:fld>
             <a:endParaRPr lang="en-US"/>
           </a:p>
@@ -965,7 +965,7 @@
           <a:p>
             <a:fld id="{D3E90C50-6FBB-2247-BEF7-451AA7AB9405}" type="datetimeFigureOut">
               <a:rPr lang="en-US" smtClean="0"/>
-              <a:t>2/7/17</a:t>
+              <a:t>2/10/17</a:t>
             </a:fld>
             <a:endParaRPr lang="en-US"/>
           </a:p>
@@ -1135,7 +1135,7 @@
           <a:p>
             <a:fld id="{D3E90C50-6FBB-2247-BEF7-451AA7AB9405}" type="datetimeFigureOut">
               <a:rPr lang="en-US" smtClean="0"/>
-              <a:t>2/7/17</a:t>
+              <a:t>2/10/17</a:t>
             </a:fld>
             <a:endParaRPr lang="en-US"/>
           </a:p>
@@ -1381,7 +1381,7 @@
           <a:p>
             <a:fld id="{D3E90C50-6FBB-2247-BEF7-451AA7AB9405}" type="datetimeFigureOut">
               <a:rPr lang="en-US" smtClean="0"/>
-              <a:t>2/7/17</a:t>
+              <a:t>2/10/17</a:t>
             </a:fld>
             <a:endParaRPr lang="en-US"/>
           </a:p>
@@ -1613,7 +1613,7 @@
           <a:p>
             <a:fld id="{D3E90C50-6FBB-2247-BEF7-451AA7AB9405}" type="datetimeFigureOut">
               <a:rPr lang="en-US" smtClean="0"/>
-              <a:t>2/7/17</a:t>
+              <a:t>2/10/17</a:t>
             </a:fld>
             <a:endParaRPr lang="en-US"/>
           </a:p>
@@ -1980,7 +1980,7 @@
           <a:p>
             <a:fld id="{D3E90C50-6FBB-2247-BEF7-451AA7AB9405}" type="datetimeFigureOut">
               <a:rPr lang="en-US" smtClean="0"/>
-              <a:t>2/7/17</a:t>
+              <a:t>2/10/17</a:t>
             </a:fld>
             <a:endParaRPr lang="en-US"/>
           </a:p>
@@ -2098,7 +2098,7 @@
           <a:p>
             <a:fld id="{D3E90C50-6FBB-2247-BEF7-451AA7AB9405}" type="datetimeFigureOut">
               <a:rPr lang="en-US" smtClean="0"/>
-              <a:t>2/7/17</a:t>
+              <a:t>2/10/17</a:t>
             </a:fld>
             <a:endParaRPr lang="en-US"/>
           </a:p>
@@ -2193,7 +2193,7 @@
           <a:p>
             <a:fld id="{D3E90C50-6FBB-2247-BEF7-451AA7AB9405}" type="datetimeFigureOut">
               <a:rPr lang="en-US" smtClean="0"/>
-              <a:t>2/7/17</a:t>
+              <a:t>2/10/17</a:t>
             </a:fld>
             <a:endParaRPr lang="en-US"/>
           </a:p>
@@ -2470,7 +2470,7 @@
           <a:p>
             <a:fld id="{D3E90C50-6FBB-2247-BEF7-451AA7AB9405}" type="datetimeFigureOut">
               <a:rPr lang="en-US" smtClean="0"/>
-              <a:t>2/7/17</a:t>
+              <a:t>2/10/17</a:t>
             </a:fld>
             <a:endParaRPr lang="en-US"/>
           </a:p>
@@ -2723,7 +2723,7 @@
           <a:p>
             <a:fld id="{D3E90C50-6FBB-2247-BEF7-451AA7AB9405}" type="datetimeFigureOut">
               <a:rPr lang="en-US" smtClean="0"/>
-              <a:t>2/7/17</a:t>
+              <a:t>2/10/17</a:t>
             </a:fld>
             <a:endParaRPr lang="en-US"/>
           </a:p>
@@ -2936,7 +2936,7 @@
           <a:p>
             <a:fld id="{D3E90C50-6FBB-2247-BEF7-451AA7AB9405}" type="datetimeFigureOut">
               <a:rPr lang="en-US" smtClean="0"/>
-              <a:t>2/7/17</a:t>
+              <a:t>2/10/17</a:t>
             </a:fld>
             <a:endParaRPr lang="en-US"/>
           </a:p>
@@ -6446,7 +6446,6 @@
               <a:rPr lang="en-US" sz="1400" dirty="0" smtClean="0"/>
               <a:t>Swift</a:t>
             </a:r>
-            <a:endParaRPr lang="en-US" sz="1400" dirty="0" smtClean="0"/>
           </a:p>
         </p:txBody>
       </p:sp>
@@ -7739,11 +7738,7 @@
             <a:pPr algn="ctr"/>
             <a:r>
               <a:rPr lang="en-US" sz="1200" dirty="0" smtClean="0"/>
-              <a:t>(</a:t>
-            </a:r>
-            <a:r>
-              <a:rPr lang="en-US" sz="1200" dirty="0" smtClean="0"/>
-              <a:t>gRPC/Swift)</a:t>
+              <a:t>(gRPC/Swift)</a:t>
             </a:r>
             <a:endParaRPr lang="en-US" sz="1200" dirty="0"/>
           </a:p>
@@ -9294,6 +9289,150 @@
           </a:fontRef>
         </p:style>
       </p:cxnSp>
+      <p:grpSp>
+        <p:nvGrpSpPr>
+          <p:cNvPr id="21" name="Group 20"/>
+          <p:cNvGrpSpPr/>
+          <p:nvPr/>
+        </p:nvGrpSpPr>
+        <p:grpSpPr>
+          <a:xfrm>
+            <a:off x="1570583" y="4606001"/>
+            <a:ext cx="1929493" cy="940656"/>
+            <a:chOff x="6245678" y="4209572"/>
+            <a:chExt cx="1929493" cy="1186543"/>
+          </a:xfrm>
+        </p:grpSpPr>
+        <p:sp>
+          <p:nvSpPr>
+            <p:cNvPr id="22" name="Rectangle 21"/>
+            <p:cNvSpPr/>
+            <p:nvPr/>
+          </p:nvSpPr>
+          <p:spPr>
+            <a:xfrm>
+              <a:off x="6727371" y="4209572"/>
+              <a:ext cx="1447800" cy="1186543"/>
+            </a:xfrm>
+            <a:prstGeom prst="rect">
+              <a:avLst/>
+            </a:prstGeom>
+            <a:solidFill>
+              <a:schemeClr val="accent6">
+                <a:lumMod val="75000"/>
+              </a:schemeClr>
+            </a:solidFill>
+          </p:spPr>
+          <p:style>
+            <a:lnRef idx="3">
+              <a:schemeClr val="lt1"/>
+            </a:lnRef>
+            <a:fillRef idx="1">
+              <a:schemeClr val="accent2"/>
+            </a:fillRef>
+            <a:effectRef idx="1">
+              <a:schemeClr val="accent2"/>
+            </a:effectRef>
+            <a:fontRef idx="minor">
+              <a:schemeClr val="lt1"/>
+            </a:fontRef>
+          </p:style>
+          <p:txBody>
+            <a:bodyPr rtlCol="0" anchor="ctr"/>
+            <a:lstStyle/>
+            <a:p>
+              <a:pPr algn="ctr"/>
+              <a:r>
+                <a:rPr lang="en-US" smtClean="0"/>
+                <a:t>mongo</a:t>
+              </a:r>
+              <a:endParaRPr lang="en-US" dirty="0"/>
+            </a:p>
+          </p:txBody>
+        </p:sp>
+        <p:sp>
+          <p:nvSpPr>
+            <p:cNvPr id="23" name="Rectangle 22"/>
+            <p:cNvSpPr/>
+            <p:nvPr/>
+          </p:nvSpPr>
+          <p:spPr>
+            <a:xfrm>
+              <a:off x="6245678" y="4354232"/>
+              <a:ext cx="963386" cy="303949"/>
+            </a:xfrm>
+            <a:prstGeom prst="rect">
+              <a:avLst/>
+            </a:prstGeom>
+          </p:spPr>
+          <p:style>
+            <a:lnRef idx="2">
+              <a:schemeClr val="accent1">
+                <a:shade val="50000"/>
+              </a:schemeClr>
+            </a:lnRef>
+            <a:fillRef idx="1">
+              <a:schemeClr val="accent1"/>
+            </a:fillRef>
+            <a:effectRef idx="0">
+              <a:schemeClr val="accent1"/>
+            </a:effectRef>
+            <a:fontRef idx="minor">
+              <a:schemeClr val="lt1"/>
+            </a:fontRef>
+          </p:style>
+          <p:txBody>
+            <a:bodyPr rtlCol="0" anchor="ctr"/>
+            <a:lstStyle/>
+            <a:p>
+              <a:pPr algn="ctr"/>
+              <a:r>
+                <a:rPr lang="en-US" sz="1100" dirty="0" smtClean="0"/>
+                <a:t>tcp:27017</a:t>
+              </a:r>
+              <a:endParaRPr lang="en-US" sz="1100" dirty="0"/>
+            </a:p>
+          </p:txBody>
+        </p:sp>
+      </p:grpSp>
+      <p:cxnSp>
+        <p:nvCxnSpPr>
+          <p:cNvPr id="24" name="Elbow Connector 23"/>
+          <p:cNvCxnSpPr>
+            <a:stCxn id="6" idx="2"/>
+            <a:endCxn id="22" idx="0"/>
+          </p:cNvCxnSpPr>
+          <p:nvPr/>
+        </p:nvCxnSpPr>
+        <p:spPr>
+          <a:xfrm rot="5400000">
+            <a:off x="2826931" y="3811752"/>
+            <a:ext cx="743494" cy="845004"/>
+          </a:xfrm>
+          <a:prstGeom prst="bentConnector3">
+            <a:avLst>
+              <a:gd name="adj1" fmla="val 50000"/>
+            </a:avLst>
+          </a:prstGeom>
+          <a:ln>
+            <a:tailEnd type="triangle"/>
+          </a:ln>
+        </p:spPr>
+        <p:style>
+          <a:lnRef idx="1">
+            <a:schemeClr val="accent4"/>
+          </a:lnRef>
+          <a:fillRef idx="2">
+            <a:schemeClr val="accent4"/>
+          </a:fillRef>
+          <a:effectRef idx="1">
+            <a:schemeClr val="accent4"/>
+          </a:effectRef>
+          <a:fontRef idx="minor">
+            <a:schemeClr val="dk1"/>
+          </a:fontRef>
+        </p:style>
+      </p:cxnSp>
     </p:spTree>
     <p:extLst>
       <p:ext uri="{BB962C8B-B14F-4D97-AF65-F5344CB8AC3E}">
@@ -9360,7 +9499,7 @@
         <p:spPr/>
         <p:txBody>
           <a:bodyPr>
-            <a:normAutofit fontScale="85000" lnSpcReduction="20000"/>
+            <a:normAutofit fontScale="92500" lnSpcReduction="20000"/>
           </a:bodyPr>
           <a:lstStyle/>
           <a:p>
@@ -9426,29 +9565,26 @@
             <a:pPr lvl="1"/>
             <a:r>
               <a:rPr lang="en-US" dirty="0" smtClean="0"/>
-              <a:t>Implement Node/Java/Swift bindings</a:t>
+              <a:t>Implement </a:t>
+            </a:r>
+            <a:r>
+              <a:rPr lang="en-US" smtClean="0"/>
+              <a:t>Node/Java/Swift </a:t>
+            </a:r>
+            <a:r>
+              <a:rPr lang="en-US" smtClean="0"/>
+              <a:t>bindings</a:t>
             </a:r>
           </a:p>
           <a:p>
             <a:pPr lvl="1"/>
             <a:r>
+              <a:rPr lang="en-US" smtClean="0"/>
+              <a:t>Build </a:t>
+            </a:r>
+            <a:r>
               <a:rPr lang="en-US" dirty="0" smtClean="0"/>
-              <a:t>Implement gRPC for Swift (</a:t>
-            </a:r>
-            <a:r>
-              <a:rPr lang="en-US" dirty="0" err="1" smtClean="0"/>
-              <a:t>Protobuf</a:t>
-            </a:r>
-            <a:r>
-              <a:rPr lang="en-US" dirty="0" smtClean="0"/>
-              <a:t> support is ready, gRPC WIP)</a:t>
-            </a:r>
-          </a:p>
-          <a:p>
-            <a:pPr lvl="1"/>
-            <a:r>
-              <a:rPr lang="en-US" dirty="0" smtClean="0"/>
-              <a:t>Build non-functional features such as distributed tracing and circuit breaking</a:t>
+              <a:t>non-functional features such as distributed tracing and circuit breaking</a:t>
             </a:r>
           </a:p>
           <a:p>
